--- a/src/ServiceOrientedArchitecture/SOA.pptx
+++ b/src/ServiceOrientedArchitecture/SOA.pptx
@@ -8,6 +8,7 @@
     <p:sldId id="256" r:id="rId2"/>
     <p:sldId id="257" r:id="rId3"/>
     <p:sldId id="258" r:id="rId4"/>
+    <p:sldId id="259" r:id="rId5"/>
   </p:sldIdLst>
   <p:sldSz cx="9144000" cy="6858000" type="screen4x3"/>
   <p:notesSz cx="6858000" cy="9144000"/>
@@ -306,7 +307,7 @@
           <a:p>
             <a:fld id="{EF0E5ADF-327A-46A2-8071-02D8FFF28639}" type="datetimeFigureOut">
               <a:rPr lang="en-US" smtClean="0"/>
-              <a:t>5/17/2017</a:t>
+              <a:t>5/19/2017</a:t>
             </a:fld>
             <a:endParaRPr lang="en-US"/>
           </a:p>
@@ -476,7 +477,7 @@
           <a:p>
             <a:fld id="{EF0E5ADF-327A-46A2-8071-02D8FFF28639}" type="datetimeFigureOut">
               <a:rPr lang="en-US" smtClean="0"/>
-              <a:t>5/17/2017</a:t>
+              <a:t>5/19/2017</a:t>
             </a:fld>
             <a:endParaRPr lang="en-US"/>
           </a:p>
@@ -656,7 +657,7 @@
           <a:p>
             <a:fld id="{EF0E5ADF-327A-46A2-8071-02D8FFF28639}" type="datetimeFigureOut">
               <a:rPr lang="en-US" smtClean="0"/>
-              <a:t>5/17/2017</a:t>
+              <a:t>5/19/2017</a:t>
             </a:fld>
             <a:endParaRPr lang="en-US"/>
           </a:p>
@@ -826,7 +827,7 @@
           <a:p>
             <a:fld id="{EF0E5ADF-327A-46A2-8071-02D8FFF28639}" type="datetimeFigureOut">
               <a:rPr lang="en-US" smtClean="0"/>
-              <a:t>5/17/2017</a:t>
+              <a:t>5/19/2017</a:t>
             </a:fld>
             <a:endParaRPr lang="en-US"/>
           </a:p>
@@ -1072,7 +1073,7 @@
           <a:p>
             <a:fld id="{EF0E5ADF-327A-46A2-8071-02D8FFF28639}" type="datetimeFigureOut">
               <a:rPr lang="en-US" smtClean="0"/>
-              <a:t>5/17/2017</a:t>
+              <a:t>5/19/2017</a:t>
             </a:fld>
             <a:endParaRPr lang="en-US"/>
           </a:p>
@@ -1360,7 +1361,7 @@
           <a:p>
             <a:fld id="{EF0E5ADF-327A-46A2-8071-02D8FFF28639}" type="datetimeFigureOut">
               <a:rPr lang="en-US" smtClean="0"/>
-              <a:t>5/17/2017</a:t>
+              <a:t>5/19/2017</a:t>
             </a:fld>
             <a:endParaRPr lang="en-US"/>
           </a:p>
@@ -1782,7 +1783,7 @@
           <a:p>
             <a:fld id="{EF0E5ADF-327A-46A2-8071-02D8FFF28639}" type="datetimeFigureOut">
               <a:rPr lang="en-US" smtClean="0"/>
-              <a:t>5/17/2017</a:t>
+              <a:t>5/19/2017</a:t>
             </a:fld>
             <a:endParaRPr lang="en-US"/>
           </a:p>
@@ -1900,7 +1901,7 @@
           <a:p>
             <a:fld id="{EF0E5ADF-327A-46A2-8071-02D8FFF28639}" type="datetimeFigureOut">
               <a:rPr lang="en-US" smtClean="0"/>
-              <a:t>5/17/2017</a:t>
+              <a:t>5/19/2017</a:t>
             </a:fld>
             <a:endParaRPr lang="en-US"/>
           </a:p>
@@ -1995,7 +1996,7 @@
           <a:p>
             <a:fld id="{EF0E5ADF-327A-46A2-8071-02D8FFF28639}" type="datetimeFigureOut">
               <a:rPr lang="en-US" smtClean="0"/>
-              <a:t>5/17/2017</a:t>
+              <a:t>5/19/2017</a:t>
             </a:fld>
             <a:endParaRPr lang="en-US"/>
           </a:p>
@@ -2272,7 +2273,7 @@
           <a:p>
             <a:fld id="{EF0E5ADF-327A-46A2-8071-02D8FFF28639}" type="datetimeFigureOut">
               <a:rPr lang="en-US" smtClean="0"/>
-              <a:t>5/17/2017</a:t>
+              <a:t>5/19/2017</a:t>
             </a:fld>
             <a:endParaRPr lang="en-US"/>
           </a:p>
@@ -2525,7 +2526,7 @@
           <a:p>
             <a:fld id="{EF0E5ADF-327A-46A2-8071-02D8FFF28639}" type="datetimeFigureOut">
               <a:rPr lang="en-US" smtClean="0"/>
-              <a:t>5/17/2017</a:t>
+              <a:t>5/19/2017</a:t>
             </a:fld>
             <a:endParaRPr lang="en-US"/>
           </a:p>
@@ -2738,7 +2739,7 @@
           <a:p>
             <a:fld id="{EF0E5ADF-327A-46A2-8071-02D8FFF28639}" type="datetimeFigureOut">
               <a:rPr lang="en-US" smtClean="0"/>
-              <a:t>5/17/2017</a:t>
+              <a:t>5/19/2017</a:t>
             </a:fld>
             <a:endParaRPr lang="en-US"/>
           </a:p>
@@ -4648,6 +4649,295 @@
 </p:sld>
 </file>
 
+<file path=ppt/slides/slide4.xml><?xml version="1.0" encoding="utf-8"?>
+<p:sld xmlns:a="http://schemas.openxmlformats.org/drawingml/2006/main" xmlns:r="http://schemas.openxmlformats.org/officeDocument/2006/relationships" xmlns:p="http://schemas.openxmlformats.org/presentationml/2006/main">
+  <p:cSld>
+    <p:spTree>
+      <p:nvGrpSpPr>
+        <p:cNvPr id="1" name=""/>
+        <p:cNvGrpSpPr/>
+        <p:nvPr/>
+      </p:nvGrpSpPr>
+      <p:grpSpPr>
+        <a:xfrm>
+          <a:off x="0" y="0"/>
+          <a:ext cx="0" cy="0"/>
+          <a:chOff x="0" y="0"/>
+          <a:chExt cx="0" cy="0"/>
+        </a:xfrm>
+      </p:grpSpPr>
+      <p:sp>
+        <p:nvSpPr>
+          <p:cNvPr id="4" name="Can 3"/>
+          <p:cNvSpPr/>
+          <p:nvPr/>
+        </p:nvSpPr>
+        <p:spPr>
+          <a:xfrm>
+            <a:off x="7086600" y="4803721"/>
+            <a:ext cx="1143000" cy="1219200"/>
+          </a:xfrm>
+          <a:prstGeom prst="can">
+            <a:avLst/>
+          </a:prstGeom>
+        </p:spPr>
+        <p:style>
+          <a:lnRef idx="0">
+            <a:schemeClr val="accent2"/>
+          </a:lnRef>
+          <a:fillRef idx="3">
+            <a:schemeClr val="accent2"/>
+          </a:fillRef>
+          <a:effectRef idx="3">
+            <a:schemeClr val="accent2"/>
+          </a:effectRef>
+          <a:fontRef idx="minor">
+            <a:schemeClr val="lt1"/>
+          </a:fontRef>
+        </p:style>
+        <p:txBody>
+          <a:bodyPr rtlCol="0" anchor="ctr"/>
+          <a:lstStyle/>
+          <a:p>
+            <a:pPr algn="ctr"/>
+            <a:r>
+              <a:rPr lang="en-US" dirty="0" smtClean="0"/>
+              <a:t>Data Source</a:t>
+            </a:r>
+            <a:endParaRPr lang="en-US" dirty="0"/>
+          </a:p>
+        </p:txBody>
+      </p:sp>
+      <p:sp>
+        <p:nvSpPr>
+          <p:cNvPr id="5" name="Cloud 4"/>
+          <p:cNvSpPr/>
+          <p:nvPr/>
+        </p:nvSpPr>
+        <p:spPr>
+          <a:xfrm>
+            <a:off x="3566745" y="2286000"/>
+            <a:ext cx="3276600" cy="2438400"/>
+          </a:xfrm>
+          <a:prstGeom prst="cloud">
+            <a:avLst/>
+          </a:prstGeom>
+        </p:spPr>
+        <p:style>
+          <a:lnRef idx="1">
+            <a:schemeClr val="dk1"/>
+          </a:lnRef>
+          <a:fillRef idx="2">
+            <a:schemeClr val="dk1"/>
+          </a:fillRef>
+          <a:effectRef idx="1">
+            <a:schemeClr val="dk1"/>
+          </a:effectRef>
+          <a:fontRef idx="minor">
+            <a:schemeClr val="dk1"/>
+          </a:fontRef>
+        </p:style>
+        <p:txBody>
+          <a:bodyPr rtlCol="0" anchor="ctr"/>
+          <a:lstStyle/>
+          <a:p>
+            <a:pPr algn="ctr"/>
+            <a:endParaRPr lang="en-US"/>
+          </a:p>
+        </p:txBody>
+      </p:sp>
+      <p:grpSp>
+        <p:nvGrpSpPr>
+          <p:cNvPr id="12" name="Group 11"/>
+          <p:cNvGrpSpPr/>
+          <p:nvPr/>
+        </p:nvGrpSpPr>
+        <p:grpSpPr>
+          <a:xfrm>
+            <a:off x="1524000" y="533400"/>
+            <a:ext cx="1909562" cy="1602528"/>
+            <a:chOff x="1499410" y="304800"/>
+            <a:chExt cx="1909562" cy="1602528"/>
+          </a:xfrm>
+        </p:grpSpPr>
+        <p:sp>
+          <p:nvSpPr>
+            <p:cNvPr id="8" name="5-Point Star 7"/>
+            <p:cNvSpPr/>
+            <p:nvPr/>
+          </p:nvSpPr>
+          <p:spPr>
+            <a:xfrm>
+              <a:off x="1844591" y="304800"/>
+              <a:ext cx="1219200" cy="1219200"/>
+            </a:xfrm>
+            <a:prstGeom prst="star5">
+              <a:avLst/>
+            </a:prstGeom>
+          </p:spPr>
+          <p:style>
+            <a:lnRef idx="0">
+              <a:schemeClr val="accent1"/>
+            </a:lnRef>
+            <a:fillRef idx="3">
+              <a:schemeClr val="accent1"/>
+            </a:fillRef>
+            <a:effectRef idx="3">
+              <a:schemeClr val="accent1"/>
+            </a:effectRef>
+            <a:fontRef idx="minor">
+              <a:schemeClr val="lt1"/>
+            </a:fontRef>
+          </p:style>
+          <p:txBody>
+            <a:bodyPr rtlCol="0" anchor="ctr"/>
+            <a:lstStyle/>
+            <a:p>
+              <a:pPr algn="ctr"/>
+              <a:endParaRPr lang="en-US" dirty="0"/>
+            </a:p>
+          </p:txBody>
+        </p:sp>
+        <p:sp>
+          <p:nvSpPr>
+            <p:cNvPr id="9" name="TextBox 8"/>
+            <p:cNvSpPr txBox="1"/>
+            <p:nvPr/>
+          </p:nvSpPr>
+          <p:spPr>
+            <a:xfrm>
+              <a:off x="1499410" y="1537996"/>
+              <a:ext cx="1909562" cy="369332"/>
+            </a:xfrm>
+            <a:prstGeom prst="rect">
+              <a:avLst/>
+            </a:prstGeom>
+            <a:noFill/>
+          </p:spPr>
+          <p:txBody>
+            <a:bodyPr wrap="none" rtlCol="0">
+              <a:spAutoFit/>
+            </a:bodyPr>
+            <a:lstStyle/>
+            <a:p>
+              <a:r>
+                <a:rPr lang="en-US" dirty="0" smtClean="0"/>
+                <a:t>Business Outcome</a:t>
+              </a:r>
+              <a:endParaRPr lang="en-US" dirty="0"/>
+            </a:p>
+          </p:txBody>
+        </p:sp>
+      </p:grpSp>
+      <p:sp>
+        <p:nvSpPr>
+          <p:cNvPr id="10" name="Down Arrow 9"/>
+          <p:cNvSpPr/>
+          <p:nvPr/>
+        </p:nvSpPr>
+        <p:spPr>
+          <a:xfrm rot="7699756">
+            <a:off x="6482679" y="4243688"/>
+            <a:ext cx="457200" cy="666838"/>
+          </a:xfrm>
+          <a:prstGeom prst="downArrow">
+            <a:avLst/>
+          </a:prstGeom>
+          <a:noFill/>
+          <a:ln w="9525" cap="flat" cmpd="sng" algn="ctr">
+            <a:solidFill>
+              <a:schemeClr val="dk1"/>
+            </a:solidFill>
+            <a:prstDash val="solid"/>
+            <a:round/>
+            <a:headEnd type="none" w="med" len="med"/>
+            <a:tailEnd type="none" w="med" len="med"/>
+          </a:ln>
+        </p:spPr>
+        <p:style>
+          <a:lnRef idx="0">
+            <a:scrgbClr r="0" g="0" b="0"/>
+          </a:lnRef>
+          <a:fillRef idx="0">
+            <a:scrgbClr r="0" g="0" b="0"/>
+          </a:fillRef>
+          <a:effectRef idx="0">
+            <a:scrgbClr r="0" g="0" b="0"/>
+          </a:effectRef>
+          <a:fontRef idx="minor">
+            <a:schemeClr val="dk1"/>
+          </a:fontRef>
+        </p:style>
+        <p:txBody>
+          <a:bodyPr rtlCol="0" anchor="ctr"/>
+          <a:lstStyle/>
+          <a:p>
+            <a:pPr algn="ctr"/>
+            <a:endParaRPr lang="en-US"/>
+          </a:p>
+        </p:txBody>
+      </p:sp>
+      <p:sp>
+        <p:nvSpPr>
+          <p:cNvPr id="11" name="Down Arrow 10"/>
+          <p:cNvSpPr/>
+          <p:nvPr/>
+        </p:nvSpPr>
+        <p:spPr>
+          <a:xfrm rot="7699756">
+            <a:off x="3426009" y="1952581"/>
+            <a:ext cx="457200" cy="666838"/>
+          </a:xfrm>
+          <a:prstGeom prst="downArrow">
+            <a:avLst/>
+          </a:prstGeom>
+          <a:noFill/>
+          <a:ln w="9525" cap="flat" cmpd="sng" algn="ctr">
+            <a:solidFill>
+              <a:schemeClr val="dk1"/>
+            </a:solidFill>
+            <a:prstDash val="solid"/>
+            <a:round/>
+            <a:headEnd type="none" w="med" len="med"/>
+            <a:tailEnd type="none" w="med" len="med"/>
+          </a:ln>
+        </p:spPr>
+        <p:style>
+          <a:lnRef idx="0">
+            <a:scrgbClr r="0" g="0" b="0"/>
+          </a:lnRef>
+          <a:fillRef idx="0">
+            <a:scrgbClr r="0" g="0" b="0"/>
+          </a:fillRef>
+          <a:effectRef idx="0">
+            <a:scrgbClr r="0" g="0" b="0"/>
+          </a:effectRef>
+          <a:fontRef idx="minor">
+            <a:schemeClr val="dk1"/>
+          </a:fontRef>
+        </p:style>
+        <p:txBody>
+          <a:bodyPr rtlCol="0" anchor="ctr"/>
+          <a:lstStyle/>
+          <a:p>
+            <a:pPr algn="ctr"/>
+            <a:endParaRPr lang="en-US"/>
+          </a:p>
+        </p:txBody>
+      </p:sp>
+    </p:spTree>
+    <p:extLst>
+      <p:ext uri="{BB962C8B-B14F-4D97-AF65-F5344CB8AC3E}">
+        <p14:creationId xmlns:p14="http://schemas.microsoft.com/office/powerpoint/2010/main" val="256628217"/>
+      </p:ext>
+    </p:extLst>
+  </p:cSld>
+  <p:clrMapOvr>
+    <a:masterClrMapping/>
+  </p:clrMapOvr>
+</p:sld>
+</file>
+
 <file path=ppt/theme/theme1.xml><?xml version="1.0" encoding="utf-8"?>
 <a:theme xmlns:a="http://schemas.openxmlformats.org/drawingml/2006/main" name="Office Theme">
   <a:themeElements>

--- a/src/ServiceOrientedArchitecture/SOA.pptx
+++ b/src/ServiceOrientedArchitecture/SOA.pptx
@@ -9,6 +9,14 @@
     <p:sldId id="257" r:id="rId3"/>
     <p:sldId id="258" r:id="rId4"/>
     <p:sldId id="259" r:id="rId5"/>
+    <p:sldId id="261" r:id="rId6"/>
+    <p:sldId id="265" r:id="rId7"/>
+    <p:sldId id="266" r:id="rId8"/>
+    <p:sldId id="260" r:id="rId9"/>
+    <p:sldId id="263" r:id="rId10"/>
+    <p:sldId id="262" r:id="rId11"/>
+    <p:sldId id="264" r:id="rId12"/>
+    <p:sldId id="267" r:id="rId13"/>
   </p:sldIdLst>
   <p:sldSz cx="9144000" cy="6858000" type="screen4x3"/>
   <p:notesSz cx="6858000" cy="9144000"/>
@@ -307,7 +315,7 @@
           <a:p>
             <a:fld id="{EF0E5ADF-327A-46A2-8071-02D8FFF28639}" type="datetimeFigureOut">
               <a:rPr lang="en-US" smtClean="0"/>
-              <a:t>5/19/2017</a:t>
+              <a:t>10/24/2017</a:t>
             </a:fld>
             <a:endParaRPr lang="en-US"/>
           </a:p>
@@ -477,7 +485,7 @@
           <a:p>
             <a:fld id="{EF0E5ADF-327A-46A2-8071-02D8FFF28639}" type="datetimeFigureOut">
               <a:rPr lang="en-US" smtClean="0"/>
-              <a:t>5/19/2017</a:t>
+              <a:t>10/24/2017</a:t>
             </a:fld>
             <a:endParaRPr lang="en-US"/>
           </a:p>
@@ -657,7 +665,7 @@
           <a:p>
             <a:fld id="{EF0E5ADF-327A-46A2-8071-02D8FFF28639}" type="datetimeFigureOut">
               <a:rPr lang="en-US" smtClean="0"/>
-              <a:t>5/19/2017</a:t>
+              <a:t>10/24/2017</a:t>
             </a:fld>
             <a:endParaRPr lang="en-US"/>
           </a:p>
@@ -827,7 +835,7 @@
           <a:p>
             <a:fld id="{EF0E5ADF-327A-46A2-8071-02D8FFF28639}" type="datetimeFigureOut">
               <a:rPr lang="en-US" smtClean="0"/>
-              <a:t>5/19/2017</a:t>
+              <a:t>10/24/2017</a:t>
             </a:fld>
             <a:endParaRPr lang="en-US"/>
           </a:p>
@@ -1073,7 +1081,7 @@
           <a:p>
             <a:fld id="{EF0E5ADF-327A-46A2-8071-02D8FFF28639}" type="datetimeFigureOut">
               <a:rPr lang="en-US" smtClean="0"/>
-              <a:t>5/19/2017</a:t>
+              <a:t>10/24/2017</a:t>
             </a:fld>
             <a:endParaRPr lang="en-US"/>
           </a:p>
@@ -1361,7 +1369,7 @@
           <a:p>
             <a:fld id="{EF0E5ADF-327A-46A2-8071-02D8FFF28639}" type="datetimeFigureOut">
               <a:rPr lang="en-US" smtClean="0"/>
-              <a:t>5/19/2017</a:t>
+              <a:t>10/24/2017</a:t>
             </a:fld>
             <a:endParaRPr lang="en-US"/>
           </a:p>
@@ -1783,7 +1791,7 @@
           <a:p>
             <a:fld id="{EF0E5ADF-327A-46A2-8071-02D8FFF28639}" type="datetimeFigureOut">
               <a:rPr lang="en-US" smtClean="0"/>
-              <a:t>5/19/2017</a:t>
+              <a:t>10/24/2017</a:t>
             </a:fld>
             <a:endParaRPr lang="en-US"/>
           </a:p>
@@ -1901,7 +1909,7 @@
           <a:p>
             <a:fld id="{EF0E5ADF-327A-46A2-8071-02D8FFF28639}" type="datetimeFigureOut">
               <a:rPr lang="en-US" smtClean="0"/>
-              <a:t>5/19/2017</a:t>
+              <a:t>10/24/2017</a:t>
             </a:fld>
             <a:endParaRPr lang="en-US"/>
           </a:p>
@@ -1996,7 +2004,7 @@
           <a:p>
             <a:fld id="{EF0E5ADF-327A-46A2-8071-02D8FFF28639}" type="datetimeFigureOut">
               <a:rPr lang="en-US" smtClean="0"/>
-              <a:t>5/19/2017</a:t>
+              <a:t>10/24/2017</a:t>
             </a:fld>
             <a:endParaRPr lang="en-US"/>
           </a:p>
@@ -2273,7 +2281,7 @@
           <a:p>
             <a:fld id="{EF0E5ADF-327A-46A2-8071-02D8FFF28639}" type="datetimeFigureOut">
               <a:rPr lang="en-US" smtClean="0"/>
-              <a:t>5/19/2017</a:t>
+              <a:t>10/24/2017</a:t>
             </a:fld>
             <a:endParaRPr lang="en-US"/>
           </a:p>
@@ -2526,7 +2534,7 @@
           <a:p>
             <a:fld id="{EF0E5ADF-327A-46A2-8071-02D8FFF28639}" type="datetimeFigureOut">
               <a:rPr lang="en-US" smtClean="0"/>
-              <a:t>5/19/2017</a:t>
+              <a:t>10/24/2017</a:t>
             </a:fld>
             <a:endParaRPr lang="en-US"/>
           </a:p>
@@ -2739,7 +2747,7 @@
           <a:p>
             <a:fld id="{EF0E5ADF-327A-46A2-8071-02D8FFF28639}" type="datetimeFigureOut">
               <a:rPr lang="en-US" smtClean="0"/>
-              <a:t>5/19/2017</a:t>
+              <a:t>10/24/2017</a:t>
             </a:fld>
             <a:endParaRPr lang="en-US"/>
           </a:p>
@@ -3354,6 +3362,2319 @@
 </p:sld>
 </file>
 
+<file path=ppt/slides/slide10.xml><?xml version="1.0" encoding="utf-8"?>
+<p:sld xmlns:a="http://schemas.openxmlformats.org/drawingml/2006/main" xmlns:r="http://schemas.openxmlformats.org/officeDocument/2006/relationships" xmlns:p="http://schemas.openxmlformats.org/presentationml/2006/main">
+  <p:cSld>
+    <p:spTree>
+      <p:nvGrpSpPr>
+        <p:cNvPr id="1" name=""/>
+        <p:cNvGrpSpPr/>
+        <p:nvPr/>
+      </p:nvGrpSpPr>
+      <p:grpSpPr>
+        <a:xfrm>
+          <a:off x="0" y="0"/>
+          <a:ext cx="0" cy="0"/>
+          <a:chOff x="0" y="0"/>
+          <a:chExt cx="0" cy="0"/>
+        </a:xfrm>
+      </p:grpSpPr>
+      <p:sp>
+        <p:nvSpPr>
+          <p:cNvPr id="4" name="Rounded Rectangle 3"/>
+          <p:cNvSpPr/>
+          <p:nvPr/>
+        </p:nvSpPr>
+        <p:spPr>
+          <a:xfrm>
+            <a:off x="609600" y="2133600"/>
+            <a:ext cx="1905000" cy="2667000"/>
+          </a:xfrm>
+          <a:prstGeom prst="roundRect">
+            <a:avLst/>
+          </a:prstGeom>
+        </p:spPr>
+        <p:style>
+          <a:lnRef idx="2">
+            <a:schemeClr val="accent1">
+              <a:shade val="50000"/>
+            </a:schemeClr>
+          </a:lnRef>
+          <a:fillRef idx="1">
+            <a:schemeClr val="accent1"/>
+          </a:fillRef>
+          <a:effectRef idx="0">
+            <a:schemeClr val="accent1"/>
+          </a:effectRef>
+          <a:fontRef idx="minor">
+            <a:schemeClr val="lt1"/>
+          </a:fontRef>
+        </p:style>
+        <p:txBody>
+          <a:bodyPr rtlCol="0" anchor="t"/>
+          <a:lstStyle/>
+          <a:p>
+            <a:r>
+              <a:rPr lang="en-US" b="1" dirty="0" smtClean="0"/>
+              <a:t>* Blue</a:t>
+            </a:r>
+          </a:p>
+          <a:p>
+            <a:endParaRPr lang="en-US" dirty="0"/>
+          </a:p>
+          <a:p>
+            <a:r>
+              <a:rPr lang="en-US" dirty="0" smtClean="0"/>
+              <a:t>- Funds</a:t>
+            </a:r>
+          </a:p>
+          <a:p>
+            <a:r>
+              <a:rPr lang="en-US" dirty="0" smtClean="0"/>
+              <a:t>- Indexes</a:t>
+            </a:r>
+            <a:endParaRPr lang="en-US" dirty="0"/>
+          </a:p>
+        </p:txBody>
+      </p:sp>
+      <p:sp>
+        <p:nvSpPr>
+          <p:cNvPr id="5" name="Rounded Rectangle 4"/>
+          <p:cNvSpPr/>
+          <p:nvPr/>
+        </p:nvSpPr>
+        <p:spPr>
+          <a:xfrm>
+            <a:off x="2677297" y="2179938"/>
+            <a:ext cx="1905000" cy="2667000"/>
+          </a:xfrm>
+          <a:prstGeom prst="roundRect">
+            <a:avLst/>
+          </a:prstGeom>
+        </p:spPr>
+        <p:style>
+          <a:lnRef idx="2">
+            <a:schemeClr val="accent2">
+              <a:shade val="50000"/>
+            </a:schemeClr>
+          </a:lnRef>
+          <a:fillRef idx="1">
+            <a:schemeClr val="accent2"/>
+          </a:fillRef>
+          <a:effectRef idx="0">
+            <a:schemeClr val="accent2"/>
+          </a:effectRef>
+          <a:fontRef idx="minor">
+            <a:schemeClr val="lt1"/>
+          </a:fontRef>
+        </p:style>
+        <p:txBody>
+          <a:bodyPr rtlCol="0" anchor="t"/>
+          <a:lstStyle/>
+          <a:p>
+            <a:r>
+              <a:rPr lang="en-US" b="1" dirty="0" smtClean="0"/>
+              <a:t>* Red</a:t>
+            </a:r>
+          </a:p>
+          <a:p>
+            <a:endParaRPr lang="en-US" dirty="0"/>
+          </a:p>
+          <a:p>
+            <a:r>
+              <a:rPr lang="en-US" dirty="0" smtClean="0"/>
+              <a:t>- Equity Char</a:t>
+            </a:r>
+            <a:endParaRPr lang="en-US" dirty="0"/>
+          </a:p>
+        </p:txBody>
+      </p:sp>
+      <p:sp>
+        <p:nvSpPr>
+          <p:cNvPr id="6" name="Rounded Rectangle 5"/>
+          <p:cNvSpPr/>
+          <p:nvPr/>
+        </p:nvSpPr>
+        <p:spPr>
+          <a:xfrm>
+            <a:off x="4761470" y="2209800"/>
+            <a:ext cx="1905000" cy="2667000"/>
+          </a:xfrm>
+          <a:prstGeom prst="roundRect">
+            <a:avLst/>
+          </a:prstGeom>
+        </p:spPr>
+        <p:style>
+          <a:lnRef idx="2">
+            <a:schemeClr val="accent3">
+              <a:shade val="50000"/>
+            </a:schemeClr>
+          </a:lnRef>
+          <a:fillRef idx="1">
+            <a:schemeClr val="accent3"/>
+          </a:fillRef>
+          <a:effectRef idx="0">
+            <a:schemeClr val="accent3"/>
+          </a:effectRef>
+          <a:fontRef idx="minor">
+            <a:schemeClr val="lt1"/>
+          </a:fontRef>
+        </p:style>
+        <p:txBody>
+          <a:bodyPr rtlCol="0" anchor="t"/>
+          <a:lstStyle/>
+          <a:p>
+            <a:r>
+              <a:rPr lang="en-US" b="1" dirty="0" smtClean="0"/>
+              <a:t>* Green</a:t>
+            </a:r>
+          </a:p>
+          <a:p>
+            <a:endParaRPr lang="en-US" dirty="0"/>
+          </a:p>
+          <a:p>
+            <a:r>
+              <a:rPr lang="en-US" dirty="0" smtClean="0"/>
+              <a:t>- Returns</a:t>
+            </a:r>
+            <a:endParaRPr lang="en-US" dirty="0"/>
+          </a:p>
+        </p:txBody>
+      </p:sp>
+      <p:sp>
+        <p:nvSpPr>
+          <p:cNvPr id="7" name="Rounded Rectangle 6"/>
+          <p:cNvSpPr/>
+          <p:nvPr/>
+        </p:nvSpPr>
+        <p:spPr>
+          <a:xfrm>
+            <a:off x="6858000" y="2193324"/>
+            <a:ext cx="1905000" cy="2667000"/>
+          </a:xfrm>
+          <a:prstGeom prst="roundRect">
+            <a:avLst/>
+          </a:prstGeom>
+        </p:spPr>
+        <p:style>
+          <a:lnRef idx="2">
+            <a:schemeClr val="accent4">
+              <a:shade val="50000"/>
+            </a:schemeClr>
+          </a:lnRef>
+          <a:fillRef idx="1">
+            <a:schemeClr val="accent4"/>
+          </a:fillRef>
+          <a:effectRef idx="0">
+            <a:schemeClr val="accent4"/>
+          </a:effectRef>
+          <a:fontRef idx="minor">
+            <a:schemeClr val="lt1"/>
+          </a:fontRef>
+        </p:style>
+        <p:txBody>
+          <a:bodyPr rtlCol="0" anchor="t"/>
+          <a:lstStyle/>
+          <a:p>
+            <a:r>
+              <a:rPr lang="en-US" b="1" dirty="0" smtClean="0"/>
+              <a:t>* Purple</a:t>
+            </a:r>
+          </a:p>
+          <a:p>
+            <a:endParaRPr lang="en-US" dirty="0"/>
+          </a:p>
+          <a:p>
+            <a:r>
+              <a:rPr lang="en-US" dirty="0"/>
+              <a:t>- NAVs</a:t>
+            </a:r>
+          </a:p>
+          <a:p>
+            <a:r>
+              <a:rPr lang="en-US" dirty="0"/>
+              <a:t>- Assets</a:t>
+            </a:r>
+          </a:p>
+        </p:txBody>
+      </p:sp>
+      <p:sp>
+        <p:nvSpPr>
+          <p:cNvPr id="3" name="Smiley Face 2"/>
+          <p:cNvSpPr/>
+          <p:nvPr/>
+        </p:nvSpPr>
+        <p:spPr>
+          <a:xfrm>
+            <a:off x="1810853" y="4267200"/>
+            <a:ext cx="304800" cy="304800"/>
+          </a:xfrm>
+          <a:prstGeom prst="smileyFace">
+            <a:avLst/>
+          </a:prstGeom>
+          <a:ln>
+            <a:headEnd type="none" w="med" len="med"/>
+            <a:tailEnd type="none" w="med" len="med"/>
+          </a:ln>
+        </p:spPr>
+        <p:style>
+          <a:lnRef idx="1">
+            <a:schemeClr val="dk1"/>
+          </a:lnRef>
+          <a:fillRef idx="2">
+            <a:schemeClr val="dk1"/>
+          </a:fillRef>
+          <a:effectRef idx="1">
+            <a:schemeClr val="dk1"/>
+          </a:effectRef>
+          <a:fontRef idx="minor">
+            <a:schemeClr val="dk1"/>
+          </a:fontRef>
+        </p:style>
+        <p:txBody>
+          <a:bodyPr rtlCol="0" anchor="ctr"/>
+          <a:lstStyle/>
+          <a:p>
+            <a:pPr algn="ctr"/>
+            <a:endParaRPr lang="en-US"/>
+          </a:p>
+        </p:txBody>
+      </p:sp>
+      <p:sp>
+        <p:nvSpPr>
+          <p:cNvPr id="24" name="Smiley Face 23"/>
+          <p:cNvSpPr/>
+          <p:nvPr/>
+        </p:nvSpPr>
+        <p:spPr>
+          <a:xfrm>
+            <a:off x="4052217" y="4273420"/>
+            <a:ext cx="304800" cy="304800"/>
+          </a:xfrm>
+          <a:prstGeom prst="smileyFace">
+            <a:avLst/>
+          </a:prstGeom>
+          <a:ln>
+            <a:headEnd type="none" w="med" len="med"/>
+            <a:tailEnd type="none" w="med" len="med"/>
+          </a:ln>
+        </p:spPr>
+        <p:style>
+          <a:lnRef idx="1">
+            <a:schemeClr val="dk1"/>
+          </a:lnRef>
+          <a:fillRef idx="2">
+            <a:schemeClr val="dk1"/>
+          </a:fillRef>
+          <a:effectRef idx="1">
+            <a:schemeClr val="dk1"/>
+          </a:effectRef>
+          <a:fontRef idx="minor">
+            <a:schemeClr val="dk1"/>
+          </a:fontRef>
+        </p:style>
+        <p:txBody>
+          <a:bodyPr rtlCol="0" anchor="ctr"/>
+          <a:lstStyle/>
+          <a:p>
+            <a:pPr algn="ctr"/>
+            <a:endParaRPr lang="en-US"/>
+          </a:p>
+        </p:txBody>
+      </p:sp>
+      <p:sp>
+        <p:nvSpPr>
+          <p:cNvPr id="25" name="Smiley Face 24"/>
+          <p:cNvSpPr/>
+          <p:nvPr/>
+        </p:nvSpPr>
+        <p:spPr>
+          <a:xfrm>
+            <a:off x="6096000" y="4273420"/>
+            <a:ext cx="304800" cy="304800"/>
+          </a:xfrm>
+          <a:prstGeom prst="smileyFace">
+            <a:avLst/>
+          </a:prstGeom>
+          <a:ln>
+            <a:headEnd type="none" w="med" len="med"/>
+            <a:tailEnd type="none" w="med" len="med"/>
+          </a:ln>
+        </p:spPr>
+        <p:style>
+          <a:lnRef idx="1">
+            <a:schemeClr val="dk1"/>
+          </a:lnRef>
+          <a:fillRef idx="2">
+            <a:schemeClr val="dk1"/>
+          </a:fillRef>
+          <a:effectRef idx="1">
+            <a:schemeClr val="dk1"/>
+          </a:effectRef>
+          <a:fontRef idx="minor">
+            <a:schemeClr val="dk1"/>
+          </a:fontRef>
+        </p:style>
+        <p:txBody>
+          <a:bodyPr rtlCol="0" anchor="ctr"/>
+          <a:lstStyle/>
+          <a:p>
+            <a:pPr algn="ctr"/>
+            <a:endParaRPr lang="en-US"/>
+          </a:p>
+        </p:txBody>
+      </p:sp>
+      <p:sp>
+        <p:nvSpPr>
+          <p:cNvPr id="26" name="Smiley Face 25"/>
+          <p:cNvSpPr/>
+          <p:nvPr/>
+        </p:nvSpPr>
+        <p:spPr>
+          <a:xfrm>
+            <a:off x="8346821" y="4267200"/>
+            <a:ext cx="304800" cy="304800"/>
+          </a:xfrm>
+          <a:prstGeom prst="smileyFace">
+            <a:avLst/>
+          </a:prstGeom>
+          <a:ln>
+            <a:headEnd type="none" w="med" len="med"/>
+            <a:tailEnd type="none" w="med" len="med"/>
+          </a:ln>
+        </p:spPr>
+        <p:style>
+          <a:lnRef idx="1">
+            <a:schemeClr val="dk1"/>
+          </a:lnRef>
+          <a:fillRef idx="2">
+            <a:schemeClr val="dk1"/>
+          </a:fillRef>
+          <a:effectRef idx="1">
+            <a:schemeClr val="dk1"/>
+          </a:effectRef>
+          <a:fontRef idx="minor">
+            <a:schemeClr val="dk1"/>
+          </a:fontRef>
+        </p:style>
+        <p:txBody>
+          <a:bodyPr rtlCol="0" anchor="ctr"/>
+          <a:lstStyle/>
+          <a:p>
+            <a:pPr algn="ctr"/>
+            <a:endParaRPr lang="en-US"/>
+          </a:p>
+        </p:txBody>
+      </p:sp>
+      <p:sp>
+        <p:nvSpPr>
+          <p:cNvPr id="27" name="Smiley Face 26"/>
+          <p:cNvSpPr/>
+          <p:nvPr/>
+        </p:nvSpPr>
+        <p:spPr>
+          <a:xfrm>
+            <a:off x="7946256" y="4267200"/>
+            <a:ext cx="304800" cy="304800"/>
+          </a:xfrm>
+          <a:prstGeom prst="smileyFace">
+            <a:avLst/>
+          </a:prstGeom>
+          <a:ln>
+            <a:headEnd type="none" w="med" len="med"/>
+            <a:tailEnd type="none" w="med" len="med"/>
+          </a:ln>
+        </p:spPr>
+        <p:style>
+          <a:lnRef idx="1">
+            <a:schemeClr val="dk1"/>
+          </a:lnRef>
+          <a:fillRef idx="2">
+            <a:schemeClr val="dk1"/>
+          </a:fillRef>
+          <a:effectRef idx="1">
+            <a:schemeClr val="dk1"/>
+          </a:effectRef>
+          <a:fontRef idx="minor">
+            <a:schemeClr val="dk1"/>
+          </a:fontRef>
+        </p:style>
+        <p:txBody>
+          <a:bodyPr rtlCol="0" anchor="ctr"/>
+          <a:lstStyle/>
+          <a:p>
+            <a:pPr algn="ctr"/>
+            <a:endParaRPr lang="en-US"/>
+          </a:p>
+        </p:txBody>
+      </p:sp>
+      <p:sp>
+        <p:nvSpPr>
+          <p:cNvPr id="28" name="Smiley Face 27"/>
+          <p:cNvSpPr/>
+          <p:nvPr/>
+        </p:nvSpPr>
+        <p:spPr>
+          <a:xfrm>
+            <a:off x="1401861" y="4267200"/>
+            <a:ext cx="304800" cy="304800"/>
+          </a:xfrm>
+          <a:prstGeom prst="smileyFace">
+            <a:avLst/>
+          </a:prstGeom>
+          <a:ln>
+            <a:headEnd type="none" w="med" len="med"/>
+            <a:tailEnd type="none" w="med" len="med"/>
+          </a:ln>
+        </p:spPr>
+        <p:style>
+          <a:lnRef idx="1">
+            <a:schemeClr val="dk1"/>
+          </a:lnRef>
+          <a:fillRef idx="2">
+            <a:schemeClr val="dk1"/>
+          </a:fillRef>
+          <a:effectRef idx="1">
+            <a:schemeClr val="dk1"/>
+          </a:effectRef>
+          <a:fontRef idx="minor">
+            <a:schemeClr val="dk1"/>
+          </a:fontRef>
+        </p:style>
+        <p:txBody>
+          <a:bodyPr rtlCol="0" anchor="ctr"/>
+          <a:lstStyle/>
+          <a:p>
+            <a:pPr algn="ctr"/>
+            <a:endParaRPr lang="en-US"/>
+          </a:p>
+        </p:txBody>
+      </p:sp>
+      <p:sp>
+        <p:nvSpPr>
+          <p:cNvPr id="29" name="Smiley Face 28"/>
+          <p:cNvSpPr/>
+          <p:nvPr/>
+        </p:nvSpPr>
+        <p:spPr>
+          <a:xfrm>
+            <a:off x="3584720" y="4267200"/>
+            <a:ext cx="304800" cy="304800"/>
+          </a:xfrm>
+          <a:prstGeom prst="smileyFace">
+            <a:avLst/>
+          </a:prstGeom>
+          <a:ln>
+            <a:headEnd type="none" w="med" len="med"/>
+            <a:tailEnd type="none" w="med" len="med"/>
+          </a:ln>
+        </p:spPr>
+        <p:style>
+          <a:lnRef idx="1">
+            <a:schemeClr val="dk1"/>
+          </a:lnRef>
+          <a:fillRef idx="2">
+            <a:schemeClr val="dk1"/>
+          </a:fillRef>
+          <a:effectRef idx="1">
+            <a:schemeClr val="dk1"/>
+          </a:effectRef>
+          <a:fontRef idx="minor">
+            <a:schemeClr val="dk1"/>
+          </a:fontRef>
+        </p:style>
+        <p:txBody>
+          <a:bodyPr rtlCol="0" anchor="ctr"/>
+          <a:lstStyle/>
+          <a:p>
+            <a:pPr algn="ctr"/>
+            <a:endParaRPr lang="en-US"/>
+          </a:p>
+        </p:txBody>
+      </p:sp>
+      <p:sp>
+        <p:nvSpPr>
+          <p:cNvPr id="30" name="Smiley Face 29"/>
+          <p:cNvSpPr/>
+          <p:nvPr/>
+        </p:nvSpPr>
+        <p:spPr>
+          <a:xfrm>
+            <a:off x="5615011" y="4267200"/>
+            <a:ext cx="304800" cy="304800"/>
+          </a:xfrm>
+          <a:prstGeom prst="smileyFace">
+            <a:avLst/>
+          </a:prstGeom>
+          <a:ln>
+            <a:headEnd type="none" w="med" len="med"/>
+            <a:tailEnd type="none" w="med" len="med"/>
+          </a:ln>
+        </p:spPr>
+        <p:style>
+          <a:lnRef idx="1">
+            <a:schemeClr val="dk1"/>
+          </a:lnRef>
+          <a:fillRef idx="2">
+            <a:schemeClr val="dk1"/>
+          </a:fillRef>
+          <a:effectRef idx="1">
+            <a:schemeClr val="dk1"/>
+          </a:effectRef>
+          <a:fontRef idx="minor">
+            <a:schemeClr val="dk1"/>
+          </a:fontRef>
+        </p:style>
+        <p:txBody>
+          <a:bodyPr rtlCol="0" anchor="ctr"/>
+          <a:lstStyle/>
+          <a:p>
+            <a:pPr algn="ctr"/>
+            <a:endParaRPr lang="en-US"/>
+          </a:p>
+        </p:txBody>
+      </p:sp>
+      <p:sp>
+        <p:nvSpPr>
+          <p:cNvPr id="31" name="Smiley Face 30"/>
+          <p:cNvSpPr/>
+          <p:nvPr/>
+        </p:nvSpPr>
+        <p:spPr>
+          <a:xfrm>
+            <a:off x="7502337" y="4267200"/>
+            <a:ext cx="304800" cy="304800"/>
+          </a:xfrm>
+          <a:prstGeom prst="smileyFace">
+            <a:avLst/>
+          </a:prstGeom>
+          <a:ln>
+            <a:headEnd type="none" w="med" len="med"/>
+            <a:tailEnd type="none" w="med" len="med"/>
+          </a:ln>
+        </p:spPr>
+        <p:style>
+          <a:lnRef idx="1">
+            <a:schemeClr val="dk1"/>
+          </a:lnRef>
+          <a:fillRef idx="2">
+            <a:schemeClr val="dk1"/>
+          </a:fillRef>
+          <a:effectRef idx="1">
+            <a:schemeClr val="dk1"/>
+          </a:effectRef>
+          <a:fontRef idx="minor">
+            <a:schemeClr val="dk1"/>
+          </a:fontRef>
+        </p:style>
+        <p:txBody>
+          <a:bodyPr rtlCol="0" anchor="ctr"/>
+          <a:lstStyle/>
+          <a:p>
+            <a:pPr algn="ctr"/>
+            <a:endParaRPr lang="en-US"/>
+          </a:p>
+        </p:txBody>
+      </p:sp>
+      <p:sp>
+        <p:nvSpPr>
+          <p:cNvPr id="32" name="Smiley Face 31"/>
+          <p:cNvSpPr/>
+          <p:nvPr/>
+        </p:nvSpPr>
+        <p:spPr>
+          <a:xfrm>
+            <a:off x="7064007" y="4267200"/>
+            <a:ext cx="304800" cy="304800"/>
+          </a:xfrm>
+          <a:prstGeom prst="smileyFace">
+            <a:avLst/>
+          </a:prstGeom>
+          <a:ln>
+            <a:headEnd type="none" w="med" len="med"/>
+            <a:tailEnd type="none" w="med" len="med"/>
+          </a:ln>
+        </p:spPr>
+        <p:style>
+          <a:lnRef idx="1">
+            <a:schemeClr val="dk1"/>
+          </a:lnRef>
+          <a:fillRef idx="2">
+            <a:schemeClr val="dk1"/>
+          </a:fillRef>
+          <a:effectRef idx="1">
+            <a:schemeClr val="dk1"/>
+          </a:effectRef>
+          <a:fontRef idx="minor">
+            <a:schemeClr val="dk1"/>
+          </a:fontRef>
+        </p:style>
+        <p:txBody>
+          <a:bodyPr rtlCol="0" anchor="ctr"/>
+          <a:lstStyle/>
+          <a:p>
+            <a:pPr algn="ctr"/>
+            <a:endParaRPr lang="en-US"/>
+          </a:p>
+        </p:txBody>
+      </p:sp>
+      <p:sp>
+        <p:nvSpPr>
+          <p:cNvPr id="22" name="Rectangle 21"/>
+          <p:cNvSpPr/>
+          <p:nvPr/>
+        </p:nvSpPr>
+        <p:spPr>
+          <a:xfrm>
+            <a:off x="2057400" y="914400"/>
+            <a:ext cx="533400" cy="887627"/>
+          </a:xfrm>
+          <a:prstGeom prst="rect">
+            <a:avLst/>
+          </a:prstGeom>
+        </p:spPr>
+        <p:style>
+          <a:lnRef idx="2">
+            <a:schemeClr val="accent3">
+              <a:shade val="50000"/>
+            </a:schemeClr>
+          </a:lnRef>
+          <a:fillRef idx="1">
+            <a:schemeClr val="accent3"/>
+          </a:fillRef>
+          <a:effectRef idx="0">
+            <a:schemeClr val="accent3"/>
+          </a:effectRef>
+          <a:fontRef idx="minor">
+            <a:schemeClr val="lt1"/>
+          </a:fontRef>
+        </p:style>
+        <p:txBody>
+          <a:bodyPr rtlCol="0" anchor="ctr"/>
+          <a:lstStyle/>
+          <a:p>
+            <a:pPr algn="ctr"/>
+            <a:r>
+              <a:rPr lang="en-US" dirty="0" smtClean="0"/>
+              <a:t>G</a:t>
+            </a:r>
+            <a:endParaRPr lang="en-US" dirty="0"/>
+          </a:p>
+        </p:txBody>
+      </p:sp>
+      <p:sp>
+        <p:nvSpPr>
+          <p:cNvPr id="34" name="Rectangle 33"/>
+          <p:cNvSpPr/>
+          <p:nvPr/>
+        </p:nvSpPr>
+        <p:spPr>
+          <a:xfrm>
+            <a:off x="1447800" y="914400"/>
+            <a:ext cx="533400" cy="887627"/>
+          </a:xfrm>
+          <a:prstGeom prst="rect">
+            <a:avLst/>
+          </a:prstGeom>
+        </p:spPr>
+        <p:style>
+          <a:lnRef idx="2">
+            <a:schemeClr val="accent2">
+              <a:shade val="50000"/>
+            </a:schemeClr>
+          </a:lnRef>
+          <a:fillRef idx="1">
+            <a:schemeClr val="accent2"/>
+          </a:fillRef>
+          <a:effectRef idx="0">
+            <a:schemeClr val="accent2"/>
+          </a:effectRef>
+          <a:fontRef idx="minor">
+            <a:schemeClr val="lt1"/>
+          </a:fontRef>
+        </p:style>
+        <p:txBody>
+          <a:bodyPr rtlCol="0" anchor="ctr"/>
+          <a:lstStyle/>
+          <a:p>
+            <a:pPr algn="ctr"/>
+            <a:r>
+              <a:rPr lang="en-US" dirty="0"/>
+              <a:t>R</a:t>
+            </a:r>
+          </a:p>
+        </p:txBody>
+      </p:sp>
+      <p:sp>
+        <p:nvSpPr>
+          <p:cNvPr id="35" name="Rectangle 34"/>
+          <p:cNvSpPr/>
+          <p:nvPr/>
+        </p:nvSpPr>
+        <p:spPr>
+          <a:xfrm>
+            <a:off x="838200" y="914400"/>
+            <a:ext cx="533400" cy="887648"/>
+          </a:xfrm>
+          <a:prstGeom prst="rect">
+            <a:avLst/>
+          </a:prstGeom>
+        </p:spPr>
+        <p:style>
+          <a:lnRef idx="2">
+            <a:schemeClr val="accent1">
+              <a:shade val="50000"/>
+            </a:schemeClr>
+          </a:lnRef>
+          <a:fillRef idx="1">
+            <a:schemeClr val="accent1"/>
+          </a:fillRef>
+          <a:effectRef idx="0">
+            <a:schemeClr val="accent1"/>
+          </a:effectRef>
+          <a:fontRef idx="minor">
+            <a:schemeClr val="lt1"/>
+          </a:fontRef>
+        </p:style>
+        <p:txBody>
+          <a:bodyPr rtlCol="0" anchor="ctr"/>
+          <a:lstStyle/>
+          <a:p>
+            <a:pPr algn="ctr"/>
+            <a:r>
+              <a:rPr lang="en-US" b="1" dirty="0" smtClean="0"/>
+              <a:t>B</a:t>
+            </a:r>
+            <a:endParaRPr lang="en-US" b="1" dirty="0"/>
+          </a:p>
+        </p:txBody>
+      </p:sp>
+      <p:sp>
+        <p:nvSpPr>
+          <p:cNvPr id="36" name="Rectangle 35"/>
+          <p:cNvSpPr/>
+          <p:nvPr/>
+        </p:nvSpPr>
+        <p:spPr>
+          <a:xfrm>
+            <a:off x="764059" y="857765"/>
+            <a:ext cx="2512541" cy="990600"/>
+          </a:xfrm>
+          <a:prstGeom prst="rect">
+            <a:avLst/>
+          </a:prstGeom>
+          <a:noFill/>
+          <a:ln w="9525" cap="flat" cmpd="sng" algn="ctr">
+            <a:solidFill>
+              <a:schemeClr val="dk1"/>
+            </a:solidFill>
+            <a:prstDash val="solid"/>
+            <a:round/>
+            <a:headEnd type="none" w="med" len="med"/>
+            <a:tailEnd type="none" w="med" len="med"/>
+          </a:ln>
+        </p:spPr>
+        <p:style>
+          <a:lnRef idx="0">
+            <a:scrgbClr r="0" g="0" b="0"/>
+          </a:lnRef>
+          <a:fillRef idx="0">
+            <a:scrgbClr r="0" g="0" b="0"/>
+          </a:fillRef>
+          <a:effectRef idx="0">
+            <a:scrgbClr r="0" g="0" b="0"/>
+          </a:effectRef>
+          <a:fontRef idx="minor">
+            <a:schemeClr val="dk1"/>
+          </a:fontRef>
+        </p:style>
+        <p:txBody>
+          <a:bodyPr rtlCol="0" anchor="t"/>
+          <a:lstStyle/>
+          <a:p>
+            <a:pPr algn="ctr"/>
+            <a:r>
+              <a:rPr lang="en-US" dirty="0" smtClean="0"/>
+              <a:t>Fund Center</a:t>
+            </a:r>
+            <a:endParaRPr lang="en-US" dirty="0"/>
+          </a:p>
+        </p:txBody>
+      </p:sp>
+      <p:sp>
+        <p:nvSpPr>
+          <p:cNvPr id="21" name="Rectangle 20"/>
+          <p:cNvSpPr/>
+          <p:nvPr/>
+        </p:nvSpPr>
+        <p:spPr>
+          <a:xfrm>
+            <a:off x="2663890" y="914400"/>
+            <a:ext cx="533400" cy="887627"/>
+          </a:xfrm>
+          <a:prstGeom prst="rect">
+            <a:avLst/>
+          </a:prstGeom>
+        </p:spPr>
+        <p:style>
+          <a:lnRef idx="2">
+            <a:schemeClr val="accent4">
+              <a:shade val="50000"/>
+            </a:schemeClr>
+          </a:lnRef>
+          <a:fillRef idx="1">
+            <a:schemeClr val="accent4"/>
+          </a:fillRef>
+          <a:effectRef idx="0">
+            <a:schemeClr val="accent4"/>
+          </a:effectRef>
+          <a:fontRef idx="minor">
+            <a:schemeClr val="lt1"/>
+          </a:fontRef>
+        </p:style>
+        <p:txBody>
+          <a:bodyPr rtlCol="0" anchor="ctr"/>
+          <a:lstStyle/>
+          <a:p>
+            <a:pPr algn="ctr"/>
+            <a:r>
+              <a:rPr lang="en-US" dirty="0" smtClean="0"/>
+              <a:t>P</a:t>
+            </a:r>
+            <a:endParaRPr lang="en-US" dirty="0"/>
+          </a:p>
+        </p:txBody>
+      </p:sp>
+      <p:sp>
+        <p:nvSpPr>
+          <p:cNvPr id="37" name="Smiley Face 36"/>
+          <p:cNvSpPr/>
+          <p:nvPr/>
+        </p:nvSpPr>
+        <p:spPr>
+          <a:xfrm>
+            <a:off x="3124200" y="705365"/>
+            <a:ext cx="304800" cy="304800"/>
+          </a:xfrm>
+          <a:prstGeom prst="smileyFace">
+            <a:avLst/>
+          </a:prstGeom>
+          <a:ln>
+            <a:headEnd type="none" w="med" len="med"/>
+            <a:tailEnd type="none" w="med" len="med"/>
+          </a:ln>
+        </p:spPr>
+        <p:style>
+          <a:lnRef idx="1">
+            <a:schemeClr val="dk1"/>
+          </a:lnRef>
+          <a:fillRef idx="2">
+            <a:schemeClr val="dk1"/>
+          </a:fillRef>
+          <a:effectRef idx="1">
+            <a:schemeClr val="dk1"/>
+          </a:effectRef>
+          <a:fontRef idx="minor">
+            <a:schemeClr val="dk1"/>
+          </a:fontRef>
+        </p:style>
+        <p:txBody>
+          <a:bodyPr rtlCol="0" anchor="ctr"/>
+          <a:lstStyle/>
+          <a:p>
+            <a:pPr algn="ctr"/>
+            <a:endParaRPr lang="en-US"/>
+          </a:p>
+        </p:txBody>
+      </p:sp>
+    </p:spTree>
+    <p:extLst>
+      <p:ext uri="{BB962C8B-B14F-4D97-AF65-F5344CB8AC3E}">
+        <p14:creationId xmlns:p14="http://schemas.microsoft.com/office/powerpoint/2010/main" val="1100343013"/>
+      </p:ext>
+    </p:extLst>
+  </p:cSld>
+  <p:clrMapOvr>
+    <a:masterClrMapping/>
+  </p:clrMapOvr>
+  <p:timing>
+    <p:tnLst>
+      <p:par>
+        <p:cTn id="1" dur="indefinite" restart="never" nodeType="tmRoot"/>
+      </p:par>
+    </p:tnLst>
+  </p:timing>
+</p:sld>
+</file>
+
+<file path=ppt/slides/slide11.xml><?xml version="1.0" encoding="utf-8"?>
+<p:sld xmlns:a="http://schemas.openxmlformats.org/drawingml/2006/main" xmlns:r="http://schemas.openxmlformats.org/officeDocument/2006/relationships" xmlns:p="http://schemas.openxmlformats.org/presentationml/2006/main">
+  <p:cSld>
+    <p:spTree>
+      <p:nvGrpSpPr>
+        <p:cNvPr id="1" name=""/>
+        <p:cNvGrpSpPr/>
+        <p:nvPr/>
+      </p:nvGrpSpPr>
+      <p:grpSpPr>
+        <a:xfrm>
+          <a:off x="0" y="0"/>
+          <a:ext cx="0" cy="0"/>
+          <a:chOff x="0" y="0"/>
+          <a:chExt cx="0" cy="0"/>
+        </a:xfrm>
+      </p:grpSpPr>
+      <p:sp>
+        <p:nvSpPr>
+          <p:cNvPr id="4" name="Rounded Rectangle 3"/>
+          <p:cNvSpPr/>
+          <p:nvPr/>
+        </p:nvSpPr>
+        <p:spPr>
+          <a:xfrm>
+            <a:off x="609600" y="2133600"/>
+            <a:ext cx="1905000" cy="2667000"/>
+          </a:xfrm>
+          <a:prstGeom prst="roundRect">
+            <a:avLst/>
+          </a:prstGeom>
+        </p:spPr>
+        <p:style>
+          <a:lnRef idx="2">
+            <a:schemeClr val="accent1">
+              <a:shade val="50000"/>
+            </a:schemeClr>
+          </a:lnRef>
+          <a:fillRef idx="1">
+            <a:schemeClr val="accent1"/>
+          </a:fillRef>
+          <a:effectRef idx="0">
+            <a:schemeClr val="accent1"/>
+          </a:effectRef>
+          <a:fontRef idx="minor">
+            <a:schemeClr val="lt1"/>
+          </a:fontRef>
+        </p:style>
+        <p:txBody>
+          <a:bodyPr rtlCol="0" anchor="t"/>
+          <a:lstStyle/>
+          <a:p>
+            <a:r>
+              <a:rPr lang="en-US" b="1" dirty="0" smtClean="0"/>
+              <a:t>* Blue</a:t>
+            </a:r>
+          </a:p>
+          <a:p>
+            <a:endParaRPr lang="en-US" dirty="0"/>
+          </a:p>
+          <a:p>
+            <a:r>
+              <a:rPr lang="en-US" dirty="0" smtClean="0"/>
+              <a:t>- Funds</a:t>
+            </a:r>
+          </a:p>
+          <a:p>
+            <a:r>
+              <a:rPr lang="en-US" dirty="0" smtClean="0"/>
+              <a:t>- Indexes</a:t>
+            </a:r>
+            <a:endParaRPr lang="en-US" dirty="0"/>
+          </a:p>
+        </p:txBody>
+      </p:sp>
+      <p:sp>
+        <p:nvSpPr>
+          <p:cNvPr id="5" name="Rounded Rectangle 4"/>
+          <p:cNvSpPr/>
+          <p:nvPr/>
+        </p:nvSpPr>
+        <p:spPr>
+          <a:xfrm>
+            <a:off x="2677297" y="2179938"/>
+            <a:ext cx="1905000" cy="2667000"/>
+          </a:xfrm>
+          <a:prstGeom prst="roundRect">
+            <a:avLst/>
+          </a:prstGeom>
+        </p:spPr>
+        <p:style>
+          <a:lnRef idx="2">
+            <a:schemeClr val="accent2">
+              <a:shade val="50000"/>
+            </a:schemeClr>
+          </a:lnRef>
+          <a:fillRef idx="1">
+            <a:schemeClr val="accent2"/>
+          </a:fillRef>
+          <a:effectRef idx="0">
+            <a:schemeClr val="accent2"/>
+          </a:effectRef>
+          <a:fontRef idx="minor">
+            <a:schemeClr val="lt1"/>
+          </a:fontRef>
+        </p:style>
+        <p:txBody>
+          <a:bodyPr rtlCol="0" anchor="t"/>
+          <a:lstStyle/>
+          <a:p>
+            <a:r>
+              <a:rPr lang="en-US" b="1" dirty="0" smtClean="0"/>
+              <a:t>* Red</a:t>
+            </a:r>
+          </a:p>
+          <a:p>
+            <a:endParaRPr lang="en-US" dirty="0"/>
+          </a:p>
+          <a:p>
+            <a:r>
+              <a:rPr lang="en-US" dirty="0" smtClean="0"/>
+              <a:t>- Equity Char</a:t>
+            </a:r>
+            <a:endParaRPr lang="en-US" dirty="0"/>
+          </a:p>
+        </p:txBody>
+      </p:sp>
+      <p:sp>
+        <p:nvSpPr>
+          <p:cNvPr id="6" name="Rounded Rectangle 5"/>
+          <p:cNvSpPr/>
+          <p:nvPr/>
+        </p:nvSpPr>
+        <p:spPr>
+          <a:xfrm>
+            <a:off x="4761470" y="2209800"/>
+            <a:ext cx="1905000" cy="2667000"/>
+          </a:xfrm>
+          <a:prstGeom prst="roundRect">
+            <a:avLst/>
+          </a:prstGeom>
+        </p:spPr>
+        <p:style>
+          <a:lnRef idx="2">
+            <a:schemeClr val="accent3">
+              <a:shade val="50000"/>
+            </a:schemeClr>
+          </a:lnRef>
+          <a:fillRef idx="1">
+            <a:schemeClr val="accent3"/>
+          </a:fillRef>
+          <a:effectRef idx="0">
+            <a:schemeClr val="accent3"/>
+          </a:effectRef>
+          <a:fontRef idx="minor">
+            <a:schemeClr val="lt1"/>
+          </a:fontRef>
+        </p:style>
+        <p:txBody>
+          <a:bodyPr rtlCol="0" anchor="t"/>
+          <a:lstStyle/>
+          <a:p>
+            <a:r>
+              <a:rPr lang="en-US" b="1" dirty="0" smtClean="0"/>
+              <a:t>* Green</a:t>
+            </a:r>
+          </a:p>
+          <a:p>
+            <a:endParaRPr lang="en-US" dirty="0"/>
+          </a:p>
+          <a:p>
+            <a:r>
+              <a:rPr lang="en-US" dirty="0" smtClean="0"/>
+              <a:t>- Returns</a:t>
+            </a:r>
+            <a:endParaRPr lang="en-US" dirty="0"/>
+          </a:p>
+        </p:txBody>
+      </p:sp>
+      <p:sp>
+        <p:nvSpPr>
+          <p:cNvPr id="7" name="Rounded Rectangle 6"/>
+          <p:cNvSpPr/>
+          <p:nvPr/>
+        </p:nvSpPr>
+        <p:spPr>
+          <a:xfrm>
+            <a:off x="6858000" y="2193324"/>
+            <a:ext cx="1905000" cy="2667000"/>
+          </a:xfrm>
+          <a:prstGeom prst="roundRect">
+            <a:avLst/>
+          </a:prstGeom>
+        </p:spPr>
+        <p:style>
+          <a:lnRef idx="2">
+            <a:schemeClr val="accent4">
+              <a:shade val="50000"/>
+            </a:schemeClr>
+          </a:lnRef>
+          <a:fillRef idx="1">
+            <a:schemeClr val="accent4"/>
+          </a:fillRef>
+          <a:effectRef idx="0">
+            <a:schemeClr val="accent4"/>
+          </a:effectRef>
+          <a:fontRef idx="minor">
+            <a:schemeClr val="lt1"/>
+          </a:fontRef>
+        </p:style>
+        <p:txBody>
+          <a:bodyPr rtlCol="0" anchor="t"/>
+          <a:lstStyle/>
+          <a:p>
+            <a:r>
+              <a:rPr lang="en-US" b="1" dirty="0" smtClean="0"/>
+              <a:t>* Purple</a:t>
+            </a:r>
+          </a:p>
+          <a:p>
+            <a:endParaRPr lang="en-US" dirty="0"/>
+          </a:p>
+          <a:p>
+            <a:r>
+              <a:rPr lang="en-US" dirty="0"/>
+              <a:t>- NAVs</a:t>
+            </a:r>
+          </a:p>
+          <a:p>
+            <a:r>
+              <a:rPr lang="en-US" dirty="0"/>
+              <a:t>- Assets</a:t>
+            </a:r>
+          </a:p>
+        </p:txBody>
+      </p:sp>
+      <p:sp>
+        <p:nvSpPr>
+          <p:cNvPr id="23" name="Rectangle 22"/>
+          <p:cNvSpPr/>
+          <p:nvPr/>
+        </p:nvSpPr>
+        <p:spPr>
+          <a:xfrm>
+            <a:off x="1219200" y="5105400"/>
+            <a:ext cx="6992895" cy="381000"/>
+          </a:xfrm>
+          <a:prstGeom prst="rect">
+            <a:avLst/>
+          </a:prstGeom>
+        </p:spPr>
+        <p:style>
+          <a:lnRef idx="1">
+            <a:schemeClr val="accent1"/>
+          </a:lnRef>
+          <a:fillRef idx="2">
+            <a:schemeClr val="accent1"/>
+          </a:fillRef>
+          <a:effectRef idx="1">
+            <a:schemeClr val="accent1"/>
+          </a:effectRef>
+          <a:fontRef idx="minor">
+            <a:schemeClr val="dk1"/>
+          </a:fontRef>
+        </p:style>
+        <p:txBody>
+          <a:bodyPr rtlCol="0" anchor="ctr"/>
+          <a:lstStyle/>
+          <a:p>
+            <a:pPr algn="ctr"/>
+            <a:r>
+              <a:rPr lang="en-US" dirty="0" smtClean="0"/>
+              <a:t>Communication</a:t>
+            </a:r>
+            <a:endParaRPr lang="en-US" dirty="0"/>
+          </a:p>
+        </p:txBody>
+      </p:sp>
+      <p:sp>
+        <p:nvSpPr>
+          <p:cNvPr id="3" name="Smiley Face 2"/>
+          <p:cNvSpPr/>
+          <p:nvPr/>
+        </p:nvSpPr>
+        <p:spPr>
+          <a:xfrm>
+            <a:off x="1810853" y="4267200"/>
+            <a:ext cx="304800" cy="304800"/>
+          </a:xfrm>
+          <a:prstGeom prst="smileyFace">
+            <a:avLst/>
+          </a:prstGeom>
+          <a:ln>
+            <a:headEnd type="none" w="med" len="med"/>
+            <a:tailEnd type="none" w="med" len="med"/>
+          </a:ln>
+        </p:spPr>
+        <p:style>
+          <a:lnRef idx="1">
+            <a:schemeClr val="dk1"/>
+          </a:lnRef>
+          <a:fillRef idx="2">
+            <a:schemeClr val="dk1"/>
+          </a:fillRef>
+          <a:effectRef idx="1">
+            <a:schemeClr val="dk1"/>
+          </a:effectRef>
+          <a:fontRef idx="minor">
+            <a:schemeClr val="dk1"/>
+          </a:fontRef>
+        </p:style>
+        <p:txBody>
+          <a:bodyPr rtlCol="0" anchor="ctr"/>
+          <a:lstStyle/>
+          <a:p>
+            <a:pPr algn="ctr"/>
+            <a:endParaRPr lang="en-US"/>
+          </a:p>
+        </p:txBody>
+      </p:sp>
+      <p:sp>
+        <p:nvSpPr>
+          <p:cNvPr id="24" name="Smiley Face 23"/>
+          <p:cNvSpPr/>
+          <p:nvPr/>
+        </p:nvSpPr>
+        <p:spPr>
+          <a:xfrm>
+            <a:off x="4052217" y="4273420"/>
+            <a:ext cx="304800" cy="304800"/>
+          </a:xfrm>
+          <a:prstGeom prst="smileyFace">
+            <a:avLst/>
+          </a:prstGeom>
+          <a:ln>
+            <a:headEnd type="none" w="med" len="med"/>
+            <a:tailEnd type="none" w="med" len="med"/>
+          </a:ln>
+        </p:spPr>
+        <p:style>
+          <a:lnRef idx="1">
+            <a:schemeClr val="dk1"/>
+          </a:lnRef>
+          <a:fillRef idx="2">
+            <a:schemeClr val="dk1"/>
+          </a:fillRef>
+          <a:effectRef idx="1">
+            <a:schemeClr val="dk1"/>
+          </a:effectRef>
+          <a:fontRef idx="minor">
+            <a:schemeClr val="dk1"/>
+          </a:fontRef>
+        </p:style>
+        <p:txBody>
+          <a:bodyPr rtlCol="0" anchor="ctr"/>
+          <a:lstStyle/>
+          <a:p>
+            <a:pPr algn="ctr"/>
+            <a:endParaRPr lang="en-US"/>
+          </a:p>
+        </p:txBody>
+      </p:sp>
+      <p:sp>
+        <p:nvSpPr>
+          <p:cNvPr id="25" name="Smiley Face 24"/>
+          <p:cNvSpPr/>
+          <p:nvPr/>
+        </p:nvSpPr>
+        <p:spPr>
+          <a:xfrm>
+            <a:off x="6096000" y="4273420"/>
+            <a:ext cx="304800" cy="304800"/>
+          </a:xfrm>
+          <a:prstGeom prst="smileyFace">
+            <a:avLst/>
+          </a:prstGeom>
+          <a:ln>
+            <a:headEnd type="none" w="med" len="med"/>
+            <a:tailEnd type="none" w="med" len="med"/>
+          </a:ln>
+        </p:spPr>
+        <p:style>
+          <a:lnRef idx="1">
+            <a:schemeClr val="dk1"/>
+          </a:lnRef>
+          <a:fillRef idx="2">
+            <a:schemeClr val="dk1"/>
+          </a:fillRef>
+          <a:effectRef idx="1">
+            <a:schemeClr val="dk1"/>
+          </a:effectRef>
+          <a:fontRef idx="minor">
+            <a:schemeClr val="dk1"/>
+          </a:fontRef>
+        </p:style>
+        <p:txBody>
+          <a:bodyPr rtlCol="0" anchor="ctr"/>
+          <a:lstStyle/>
+          <a:p>
+            <a:pPr algn="ctr"/>
+            <a:endParaRPr lang="en-US"/>
+          </a:p>
+        </p:txBody>
+      </p:sp>
+      <p:sp>
+        <p:nvSpPr>
+          <p:cNvPr id="26" name="Smiley Face 25"/>
+          <p:cNvSpPr/>
+          <p:nvPr/>
+        </p:nvSpPr>
+        <p:spPr>
+          <a:xfrm>
+            <a:off x="8346821" y="4267200"/>
+            <a:ext cx="304800" cy="304800"/>
+          </a:xfrm>
+          <a:prstGeom prst="smileyFace">
+            <a:avLst/>
+          </a:prstGeom>
+          <a:ln>
+            <a:headEnd type="none" w="med" len="med"/>
+            <a:tailEnd type="none" w="med" len="med"/>
+          </a:ln>
+        </p:spPr>
+        <p:style>
+          <a:lnRef idx="1">
+            <a:schemeClr val="dk1"/>
+          </a:lnRef>
+          <a:fillRef idx="2">
+            <a:schemeClr val="dk1"/>
+          </a:fillRef>
+          <a:effectRef idx="1">
+            <a:schemeClr val="dk1"/>
+          </a:effectRef>
+          <a:fontRef idx="minor">
+            <a:schemeClr val="dk1"/>
+          </a:fontRef>
+        </p:style>
+        <p:txBody>
+          <a:bodyPr rtlCol="0" anchor="ctr"/>
+          <a:lstStyle/>
+          <a:p>
+            <a:pPr algn="ctr"/>
+            <a:endParaRPr lang="en-US"/>
+          </a:p>
+        </p:txBody>
+      </p:sp>
+      <p:sp>
+        <p:nvSpPr>
+          <p:cNvPr id="27" name="Smiley Face 26"/>
+          <p:cNvSpPr/>
+          <p:nvPr/>
+        </p:nvSpPr>
+        <p:spPr>
+          <a:xfrm>
+            <a:off x="7946256" y="4267200"/>
+            <a:ext cx="304800" cy="304800"/>
+          </a:xfrm>
+          <a:prstGeom prst="smileyFace">
+            <a:avLst/>
+          </a:prstGeom>
+          <a:ln>
+            <a:headEnd type="none" w="med" len="med"/>
+            <a:tailEnd type="none" w="med" len="med"/>
+          </a:ln>
+        </p:spPr>
+        <p:style>
+          <a:lnRef idx="1">
+            <a:schemeClr val="dk1"/>
+          </a:lnRef>
+          <a:fillRef idx="2">
+            <a:schemeClr val="dk1"/>
+          </a:fillRef>
+          <a:effectRef idx="1">
+            <a:schemeClr val="dk1"/>
+          </a:effectRef>
+          <a:fontRef idx="minor">
+            <a:schemeClr val="dk1"/>
+          </a:fontRef>
+        </p:style>
+        <p:txBody>
+          <a:bodyPr rtlCol="0" anchor="ctr"/>
+          <a:lstStyle/>
+          <a:p>
+            <a:pPr algn="ctr"/>
+            <a:endParaRPr lang="en-US"/>
+          </a:p>
+        </p:txBody>
+      </p:sp>
+      <p:sp>
+        <p:nvSpPr>
+          <p:cNvPr id="28" name="Smiley Face 27"/>
+          <p:cNvSpPr/>
+          <p:nvPr/>
+        </p:nvSpPr>
+        <p:spPr>
+          <a:xfrm>
+            <a:off x="1401861" y="4267200"/>
+            <a:ext cx="304800" cy="304800"/>
+          </a:xfrm>
+          <a:prstGeom prst="smileyFace">
+            <a:avLst/>
+          </a:prstGeom>
+          <a:ln>
+            <a:headEnd type="none" w="med" len="med"/>
+            <a:tailEnd type="none" w="med" len="med"/>
+          </a:ln>
+        </p:spPr>
+        <p:style>
+          <a:lnRef idx="1">
+            <a:schemeClr val="dk1"/>
+          </a:lnRef>
+          <a:fillRef idx="2">
+            <a:schemeClr val="dk1"/>
+          </a:fillRef>
+          <a:effectRef idx="1">
+            <a:schemeClr val="dk1"/>
+          </a:effectRef>
+          <a:fontRef idx="minor">
+            <a:schemeClr val="dk1"/>
+          </a:fontRef>
+        </p:style>
+        <p:txBody>
+          <a:bodyPr rtlCol="0" anchor="ctr"/>
+          <a:lstStyle/>
+          <a:p>
+            <a:pPr algn="ctr"/>
+            <a:endParaRPr lang="en-US"/>
+          </a:p>
+        </p:txBody>
+      </p:sp>
+      <p:sp>
+        <p:nvSpPr>
+          <p:cNvPr id="29" name="Smiley Face 28"/>
+          <p:cNvSpPr/>
+          <p:nvPr/>
+        </p:nvSpPr>
+        <p:spPr>
+          <a:xfrm>
+            <a:off x="3584720" y="4267200"/>
+            <a:ext cx="304800" cy="304800"/>
+          </a:xfrm>
+          <a:prstGeom prst="smileyFace">
+            <a:avLst/>
+          </a:prstGeom>
+          <a:ln>
+            <a:headEnd type="none" w="med" len="med"/>
+            <a:tailEnd type="none" w="med" len="med"/>
+          </a:ln>
+        </p:spPr>
+        <p:style>
+          <a:lnRef idx="1">
+            <a:schemeClr val="dk1"/>
+          </a:lnRef>
+          <a:fillRef idx="2">
+            <a:schemeClr val="dk1"/>
+          </a:fillRef>
+          <a:effectRef idx="1">
+            <a:schemeClr val="dk1"/>
+          </a:effectRef>
+          <a:fontRef idx="minor">
+            <a:schemeClr val="dk1"/>
+          </a:fontRef>
+        </p:style>
+        <p:txBody>
+          <a:bodyPr rtlCol="0" anchor="ctr"/>
+          <a:lstStyle/>
+          <a:p>
+            <a:pPr algn="ctr"/>
+            <a:endParaRPr lang="en-US"/>
+          </a:p>
+        </p:txBody>
+      </p:sp>
+      <p:sp>
+        <p:nvSpPr>
+          <p:cNvPr id="30" name="Smiley Face 29"/>
+          <p:cNvSpPr/>
+          <p:nvPr/>
+        </p:nvSpPr>
+        <p:spPr>
+          <a:xfrm>
+            <a:off x="5615011" y="4267200"/>
+            <a:ext cx="304800" cy="304800"/>
+          </a:xfrm>
+          <a:prstGeom prst="smileyFace">
+            <a:avLst/>
+          </a:prstGeom>
+          <a:ln>
+            <a:headEnd type="none" w="med" len="med"/>
+            <a:tailEnd type="none" w="med" len="med"/>
+          </a:ln>
+        </p:spPr>
+        <p:style>
+          <a:lnRef idx="1">
+            <a:schemeClr val="dk1"/>
+          </a:lnRef>
+          <a:fillRef idx="2">
+            <a:schemeClr val="dk1"/>
+          </a:fillRef>
+          <a:effectRef idx="1">
+            <a:schemeClr val="dk1"/>
+          </a:effectRef>
+          <a:fontRef idx="minor">
+            <a:schemeClr val="dk1"/>
+          </a:fontRef>
+        </p:style>
+        <p:txBody>
+          <a:bodyPr rtlCol="0" anchor="ctr"/>
+          <a:lstStyle/>
+          <a:p>
+            <a:pPr algn="ctr"/>
+            <a:endParaRPr lang="en-US"/>
+          </a:p>
+        </p:txBody>
+      </p:sp>
+      <p:sp>
+        <p:nvSpPr>
+          <p:cNvPr id="31" name="Smiley Face 30"/>
+          <p:cNvSpPr/>
+          <p:nvPr/>
+        </p:nvSpPr>
+        <p:spPr>
+          <a:xfrm>
+            <a:off x="7502337" y="4267200"/>
+            <a:ext cx="304800" cy="304800"/>
+          </a:xfrm>
+          <a:prstGeom prst="smileyFace">
+            <a:avLst/>
+          </a:prstGeom>
+          <a:ln>
+            <a:headEnd type="none" w="med" len="med"/>
+            <a:tailEnd type="none" w="med" len="med"/>
+          </a:ln>
+        </p:spPr>
+        <p:style>
+          <a:lnRef idx="1">
+            <a:schemeClr val="dk1"/>
+          </a:lnRef>
+          <a:fillRef idx="2">
+            <a:schemeClr val="dk1"/>
+          </a:fillRef>
+          <a:effectRef idx="1">
+            <a:schemeClr val="dk1"/>
+          </a:effectRef>
+          <a:fontRef idx="minor">
+            <a:schemeClr val="dk1"/>
+          </a:fontRef>
+        </p:style>
+        <p:txBody>
+          <a:bodyPr rtlCol="0" anchor="ctr"/>
+          <a:lstStyle/>
+          <a:p>
+            <a:pPr algn="ctr"/>
+            <a:endParaRPr lang="en-US"/>
+          </a:p>
+        </p:txBody>
+      </p:sp>
+      <p:sp>
+        <p:nvSpPr>
+          <p:cNvPr id="32" name="Smiley Face 31"/>
+          <p:cNvSpPr/>
+          <p:nvPr/>
+        </p:nvSpPr>
+        <p:spPr>
+          <a:xfrm>
+            <a:off x="7064007" y="4267200"/>
+            <a:ext cx="304800" cy="304800"/>
+          </a:xfrm>
+          <a:prstGeom prst="smileyFace">
+            <a:avLst/>
+          </a:prstGeom>
+          <a:ln>
+            <a:headEnd type="none" w="med" len="med"/>
+            <a:tailEnd type="none" w="med" len="med"/>
+          </a:ln>
+        </p:spPr>
+        <p:style>
+          <a:lnRef idx="1">
+            <a:schemeClr val="dk1"/>
+          </a:lnRef>
+          <a:fillRef idx="2">
+            <a:schemeClr val="dk1"/>
+          </a:fillRef>
+          <a:effectRef idx="1">
+            <a:schemeClr val="dk1"/>
+          </a:effectRef>
+          <a:fontRef idx="minor">
+            <a:schemeClr val="dk1"/>
+          </a:fontRef>
+        </p:style>
+        <p:txBody>
+          <a:bodyPr rtlCol="0" anchor="ctr"/>
+          <a:lstStyle/>
+          <a:p>
+            <a:pPr algn="ctr"/>
+            <a:endParaRPr lang="en-US"/>
+          </a:p>
+        </p:txBody>
+      </p:sp>
+      <p:sp>
+        <p:nvSpPr>
+          <p:cNvPr id="22" name="Rectangle 21"/>
+          <p:cNvSpPr/>
+          <p:nvPr/>
+        </p:nvSpPr>
+        <p:spPr>
+          <a:xfrm>
+            <a:off x="2057400" y="914400"/>
+            <a:ext cx="533400" cy="887627"/>
+          </a:xfrm>
+          <a:prstGeom prst="rect">
+            <a:avLst/>
+          </a:prstGeom>
+        </p:spPr>
+        <p:style>
+          <a:lnRef idx="2">
+            <a:schemeClr val="accent3">
+              <a:shade val="50000"/>
+            </a:schemeClr>
+          </a:lnRef>
+          <a:fillRef idx="1">
+            <a:schemeClr val="accent3"/>
+          </a:fillRef>
+          <a:effectRef idx="0">
+            <a:schemeClr val="accent3"/>
+          </a:effectRef>
+          <a:fontRef idx="minor">
+            <a:schemeClr val="lt1"/>
+          </a:fontRef>
+        </p:style>
+        <p:txBody>
+          <a:bodyPr rtlCol="0" anchor="ctr"/>
+          <a:lstStyle/>
+          <a:p>
+            <a:pPr algn="ctr"/>
+            <a:r>
+              <a:rPr lang="en-US" dirty="0" smtClean="0"/>
+              <a:t>G</a:t>
+            </a:r>
+            <a:endParaRPr lang="en-US" dirty="0"/>
+          </a:p>
+        </p:txBody>
+      </p:sp>
+      <p:sp>
+        <p:nvSpPr>
+          <p:cNvPr id="36" name="Rectangle 35"/>
+          <p:cNvSpPr/>
+          <p:nvPr/>
+        </p:nvSpPr>
+        <p:spPr>
+          <a:xfrm>
+            <a:off x="1447800" y="914400"/>
+            <a:ext cx="533400" cy="887627"/>
+          </a:xfrm>
+          <a:prstGeom prst="rect">
+            <a:avLst/>
+          </a:prstGeom>
+        </p:spPr>
+        <p:style>
+          <a:lnRef idx="2">
+            <a:schemeClr val="accent2">
+              <a:shade val="50000"/>
+            </a:schemeClr>
+          </a:lnRef>
+          <a:fillRef idx="1">
+            <a:schemeClr val="accent2"/>
+          </a:fillRef>
+          <a:effectRef idx="0">
+            <a:schemeClr val="accent2"/>
+          </a:effectRef>
+          <a:fontRef idx="minor">
+            <a:schemeClr val="lt1"/>
+          </a:fontRef>
+        </p:style>
+        <p:txBody>
+          <a:bodyPr rtlCol="0" anchor="ctr"/>
+          <a:lstStyle/>
+          <a:p>
+            <a:pPr algn="ctr"/>
+            <a:r>
+              <a:rPr lang="en-US" dirty="0"/>
+              <a:t>R</a:t>
+            </a:r>
+          </a:p>
+        </p:txBody>
+      </p:sp>
+      <p:sp>
+        <p:nvSpPr>
+          <p:cNvPr id="37" name="Rectangle 36"/>
+          <p:cNvSpPr/>
+          <p:nvPr/>
+        </p:nvSpPr>
+        <p:spPr>
+          <a:xfrm>
+            <a:off x="838200" y="914400"/>
+            <a:ext cx="533400" cy="887648"/>
+          </a:xfrm>
+          <a:prstGeom prst="rect">
+            <a:avLst/>
+          </a:prstGeom>
+        </p:spPr>
+        <p:style>
+          <a:lnRef idx="2">
+            <a:schemeClr val="accent1">
+              <a:shade val="50000"/>
+            </a:schemeClr>
+          </a:lnRef>
+          <a:fillRef idx="1">
+            <a:schemeClr val="accent1"/>
+          </a:fillRef>
+          <a:effectRef idx="0">
+            <a:schemeClr val="accent1"/>
+          </a:effectRef>
+          <a:fontRef idx="minor">
+            <a:schemeClr val="lt1"/>
+          </a:fontRef>
+        </p:style>
+        <p:txBody>
+          <a:bodyPr rtlCol="0" anchor="ctr"/>
+          <a:lstStyle/>
+          <a:p>
+            <a:pPr algn="ctr"/>
+            <a:r>
+              <a:rPr lang="en-US" b="1" dirty="0" smtClean="0"/>
+              <a:t>B</a:t>
+            </a:r>
+            <a:endParaRPr lang="en-US" b="1" dirty="0"/>
+          </a:p>
+        </p:txBody>
+      </p:sp>
+      <p:sp>
+        <p:nvSpPr>
+          <p:cNvPr id="38" name="Rectangle 37"/>
+          <p:cNvSpPr/>
+          <p:nvPr/>
+        </p:nvSpPr>
+        <p:spPr>
+          <a:xfrm>
+            <a:off x="764059" y="857765"/>
+            <a:ext cx="2512541" cy="990600"/>
+          </a:xfrm>
+          <a:prstGeom prst="rect">
+            <a:avLst/>
+          </a:prstGeom>
+          <a:noFill/>
+          <a:ln w="9525" cap="flat" cmpd="sng" algn="ctr">
+            <a:solidFill>
+              <a:schemeClr val="dk1"/>
+            </a:solidFill>
+            <a:prstDash val="solid"/>
+            <a:round/>
+            <a:headEnd type="none" w="med" len="med"/>
+            <a:tailEnd type="none" w="med" len="med"/>
+          </a:ln>
+        </p:spPr>
+        <p:style>
+          <a:lnRef idx="0">
+            <a:scrgbClr r="0" g="0" b="0"/>
+          </a:lnRef>
+          <a:fillRef idx="0">
+            <a:scrgbClr r="0" g="0" b="0"/>
+          </a:fillRef>
+          <a:effectRef idx="0">
+            <a:scrgbClr r="0" g="0" b="0"/>
+          </a:effectRef>
+          <a:fontRef idx="minor">
+            <a:schemeClr val="dk1"/>
+          </a:fontRef>
+        </p:style>
+        <p:txBody>
+          <a:bodyPr rtlCol="0" anchor="t"/>
+          <a:lstStyle/>
+          <a:p>
+            <a:pPr algn="ctr"/>
+            <a:r>
+              <a:rPr lang="en-US" dirty="0" smtClean="0"/>
+              <a:t>Fund Center</a:t>
+            </a:r>
+            <a:endParaRPr lang="en-US" dirty="0"/>
+          </a:p>
+        </p:txBody>
+      </p:sp>
+      <p:sp>
+        <p:nvSpPr>
+          <p:cNvPr id="39" name="Rectangle 38"/>
+          <p:cNvSpPr/>
+          <p:nvPr/>
+        </p:nvSpPr>
+        <p:spPr>
+          <a:xfrm>
+            <a:off x="2663890" y="914400"/>
+            <a:ext cx="533400" cy="887627"/>
+          </a:xfrm>
+          <a:prstGeom prst="rect">
+            <a:avLst/>
+          </a:prstGeom>
+        </p:spPr>
+        <p:style>
+          <a:lnRef idx="2">
+            <a:schemeClr val="accent4">
+              <a:shade val="50000"/>
+            </a:schemeClr>
+          </a:lnRef>
+          <a:fillRef idx="1">
+            <a:schemeClr val="accent4"/>
+          </a:fillRef>
+          <a:effectRef idx="0">
+            <a:schemeClr val="accent4"/>
+          </a:effectRef>
+          <a:fontRef idx="minor">
+            <a:schemeClr val="lt1"/>
+          </a:fontRef>
+        </p:style>
+        <p:txBody>
+          <a:bodyPr rtlCol="0" anchor="ctr"/>
+          <a:lstStyle/>
+          <a:p>
+            <a:pPr algn="ctr"/>
+            <a:r>
+              <a:rPr lang="en-US" dirty="0" smtClean="0"/>
+              <a:t>P</a:t>
+            </a:r>
+            <a:endParaRPr lang="en-US" dirty="0"/>
+          </a:p>
+        </p:txBody>
+      </p:sp>
+      <p:sp>
+        <p:nvSpPr>
+          <p:cNvPr id="40" name="Smiley Face 39"/>
+          <p:cNvSpPr/>
+          <p:nvPr/>
+        </p:nvSpPr>
+        <p:spPr>
+          <a:xfrm>
+            <a:off x="3124200" y="705365"/>
+            <a:ext cx="304800" cy="304800"/>
+          </a:xfrm>
+          <a:prstGeom prst="smileyFace">
+            <a:avLst/>
+          </a:prstGeom>
+          <a:ln>
+            <a:headEnd type="none" w="med" len="med"/>
+            <a:tailEnd type="none" w="med" len="med"/>
+          </a:ln>
+        </p:spPr>
+        <p:style>
+          <a:lnRef idx="1">
+            <a:schemeClr val="dk1"/>
+          </a:lnRef>
+          <a:fillRef idx="2">
+            <a:schemeClr val="dk1"/>
+          </a:fillRef>
+          <a:effectRef idx="1">
+            <a:schemeClr val="dk1"/>
+          </a:effectRef>
+          <a:fontRef idx="minor">
+            <a:schemeClr val="dk1"/>
+          </a:fontRef>
+        </p:style>
+        <p:txBody>
+          <a:bodyPr rtlCol="0" anchor="ctr"/>
+          <a:lstStyle/>
+          <a:p>
+            <a:pPr algn="ctr"/>
+            <a:endParaRPr lang="en-US"/>
+          </a:p>
+        </p:txBody>
+      </p:sp>
+    </p:spTree>
+    <p:extLst>
+      <p:ext uri="{BB962C8B-B14F-4D97-AF65-F5344CB8AC3E}">
+        <p14:creationId xmlns:p14="http://schemas.microsoft.com/office/powerpoint/2010/main" val="2272551636"/>
+      </p:ext>
+    </p:extLst>
+  </p:cSld>
+  <p:clrMapOvr>
+    <a:masterClrMapping/>
+  </p:clrMapOvr>
+  <p:timing>
+    <p:tnLst>
+      <p:par>
+        <p:cTn id="1" dur="indefinite" restart="never" nodeType="tmRoot"/>
+      </p:par>
+    </p:tnLst>
+  </p:timing>
+</p:sld>
+</file>
+
+<file path=ppt/slides/slide12.xml><?xml version="1.0" encoding="utf-8"?>
+<p:sld xmlns:a="http://schemas.openxmlformats.org/drawingml/2006/main" xmlns:r="http://schemas.openxmlformats.org/officeDocument/2006/relationships" xmlns:p="http://schemas.openxmlformats.org/presentationml/2006/main">
+  <p:cSld>
+    <p:spTree>
+      <p:nvGrpSpPr>
+        <p:cNvPr id="1" name=""/>
+        <p:cNvGrpSpPr/>
+        <p:nvPr/>
+      </p:nvGrpSpPr>
+      <p:grpSpPr>
+        <a:xfrm>
+          <a:off x="0" y="0"/>
+          <a:ext cx="0" cy="0"/>
+          <a:chOff x="0" y="0"/>
+          <a:chExt cx="0" cy="0"/>
+        </a:xfrm>
+      </p:grpSpPr>
+      <p:pic>
+        <p:nvPicPr>
+          <p:cNvPr id="4" name="Picture 3"/>
+          <p:cNvPicPr>
+            <a:picLocks noChangeAspect="1"/>
+          </p:cNvPicPr>
+          <p:nvPr/>
+        </p:nvPicPr>
+        <p:blipFill>
+          <a:blip r:embed="rId2">
+            <a:extLst>
+              <a:ext uri="{28A0092B-C50C-407E-A947-70E740481C1C}">
+                <a14:useLocalDpi xmlns:a14="http://schemas.microsoft.com/office/drawing/2010/main" val="0"/>
+              </a:ext>
+            </a:extLst>
+          </a:blip>
+          <a:stretch>
+            <a:fillRect/>
+          </a:stretch>
+        </p:blipFill>
+        <p:spPr>
+          <a:xfrm>
+            <a:off x="0" y="1261865"/>
+            <a:ext cx="9144000" cy="4334270"/>
+          </a:xfrm>
+          <a:prstGeom prst="rect">
+            <a:avLst/>
+          </a:prstGeom>
+        </p:spPr>
+      </p:pic>
+      <p:sp>
+        <p:nvSpPr>
+          <p:cNvPr id="7" name="Rectangle 6"/>
+          <p:cNvSpPr/>
+          <p:nvPr/>
+        </p:nvSpPr>
+        <p:spPr>
+          <a:xfrm>
+            <a:off x="76200" y="1600200"/>
+            <a:ext cx="8991600" cy="1066800"/>
+          </a:xfrm>
+          <a:prstGeom prst="rect">
+            <a:avLst/>
+          </a:prstGeom>
+          <a:solidFill>
+            <a:schemeClr val="accent1">
+              <a:alpha val="50000"/>
+            </a:schemeClr>
+          </a:solidFill>
+          <a:ln>
+            <a:noFill/>
+          </a:ln>
+        </p:spPr>
+        <p:style>
+          <a:lnRef idx="0">
+            <a:scrgbClr r="0" g="0" b="0"/>
+          </a:lnRef>
+          <a:fillRef idx="0">
+            <a:scrgbClr r="0" g="0" b="0"/>
+          </a:fillRef>
+          <a:effectRef idx="0">
+            <a:scrgbClr r="0" g="0" b="0"/>
+          </a:effectRef>
+          <a:fontRef idx="minor">
+            <a:schemeClr val="lt1"/>
+          </a:fontRef>
+        </p:style>
+        <p:txBody>
+          <a:bodyPr rtlCol="0" anchor="ctr"/>
+          <a:lstStyle/>
+          <a:p>
+            <a:pPr algn="ctr"/>
+            <a:r>
+              <a:rPr lang="en-US" dirty="0" smtClean="0">
+                <a:effectLst>
+                  <a:outerShdw blurRad="38100" dist="38100" dir="2700000" algn="tl">
+                    <a:srgbClr val="000000">
+                      <a:alpha val="43137"/>
+                    </a:srgbClr>
+                  </a:outerShdw>
+                </a:effectLst>
+              </a:rPr>
+              <a:t>Blue</a:t>
+            </a:r>
+            <a:endParaRPr lang="en-US" dirty="0">
+              <a:effectLst>
+                <a:outerShdw blurRad="38100" dist="38100" dir="2700000" algn="tl">
+                  <a:srgbClr val="000000">
+                    <a:alpha val="43137"/>
+                  </a:srgbClr>
+                </a:outerShdw>
+              </a:effectLst>
+            </a:endParaRPr>
+          </a:p>
+        </p:txBody>
+      </p:sp>
+      <p:sp>
+        <p:nvSpPr>
+          <p:cNvPr id="8" name="Rectangle 7"/>
+          <p:cNvSpPr/>
+          <p:nvPr/>
+        </p:nvSpPr>
+        <p:spPr>
+          <a:xfrm>
+            <a:off x="76200" y="3598167"/>
+            <a:ext cx="3352800" cy="1997968"/>
+          </a:xfrm>
+          <a:prstGeom prst="rect">
+            <a:avLst/>
+          </a:prstGeom>
+          <a:solidFill>
+            <a:schemeClr val="accent1">
+              <a:alpha val="50000"/>
+            </a:schemeClr>
+          </a:solidFill>
+          <a:ln>
+            <a:noFill/>
+          </a:ln>
+        </p:spPr>
+        <p:style>
+          <a:lnRef idx="0">
+            <a:scrgbClr r="0" g="0" b="0"/>
+          </a:lnRef>
+          <a:fillRef idx="0">
+            <a:scrgbClr r="0" g="0" b="0"/>
+          </a:fillRef>
+          <a:effectRef idx="0">
+            <a:scrgbClr r="0" g="0" b="0"/>
+          </a:effectRef>
+          <a:fontRef idx="minor">
+            <a:schemeClr val="lt1"/>
+          </a:fontRef>
+        </p:style>
+        <p:txBody>
+          <a:bodyPr rtlCol="0" anchor="ctr"/>
+          <a:lstStyle/>
+          <a:p>
+            <a:pPr algn="ctr"/>
+            <a:r>
+              <a:rPr lang="en-US" dirty="0" smtClean="0">
+                <a:effectLst>
+                  <a:outerShdw blurRad="38100" dist="38100" dir="2700000" algn="tl">
+                    <a:srgbClr val="000000">
+                      <a:alpha val="43137"/>
+                    </a:srgbClr>
+                  </a:outerShdw>
+                </a:effectLst>
+              </a:rPr>
+              <a:t>Blue</a:t>
+            </a:r>
+            <a:endParaRPr lang="en-US" dirty="0">
+              <a:effectLst>
+                <a:outerShdw blurRad="38100" dist="38100" dir="2700000" algn="tl">
+                  <a:srgbClr val="000000">
+                    <a:alpha val="43137"/>
+                  </a:srgbClr>
+                </a:outerShdw>
+              </a:effectLst>
+            </a:endParaRPr>
+          </a:p>
+        </p:txBody>
+      </p:sp>
+      <p:sp>
+        <p:nvSpPr>
+          <p:cNvPr id="9" name="Rectangle 8"/>
+          <p:cNvSpPr/>
+          <p:nvPr/>
+        </p:nvSpPr>
+        <p:spPr>
+          <a:xfrm>
+            <a:off x="3581400" y="3581400"/>
+            <a:ext cx="457200" cy="2014735"/>
+          </a:xfrm>
+          <a:prstGeom prst="rect">
+            <a:avLst/>
+          </a:prstGeom>
+          <a:solidFill>
+            <a:schemeClr val="accent4">
+              <a:alpha val="50000"/>
+            </a:schemeClr>
+          </a:solidFill>
+          <a:ln>
+            <a:noFill/>
+          </a:ln>
+        </p:spPr>
+        <p:style>
+          <a:lnRef idx="0">
+            <a:scrgbClr r="0" g="0" b="0"/>
+          </a:lnRef>
+          <a:fillRef idx="0">
+            <a:scrgbClr r="0" g="0" b="0"/>
+          </a:fillRef>
+          <a:effectRef idx="0">
+            <a:scrgbClr r="0" g="0" b="0"/>
+          </a:effectRef>
+          <a:fontRef idx="minor">
+            <a:schemeClr val="lt1"/>
+          </a:fontRef>
+        </p:style>
+        <p:txBody>
+          <a:bodyPr rtlCol="0" anchor="ctr"/>
+          <a:lstStyle/>
+          <a:p>
+            <a:pPr algn="ctr"/>
+            <a:r>
+              <a:rPr lang="en-US" dirty="0">
+                <a:effectLst>
+                  <a:outerShdw blurRad="38100" dist="38100" dir="2700000" algn="tl">
+                    <a:srgbClr val="000000">
+                      <a:alpha val="43137"/>
+                    </a:srgbClr>
+                  </a:outerShdw>
+                </a:effectLst>
+              </a:rPr>
+              <a:t>P</a:t>
+            </a:r>
+          </a:p>
+        </p:txBody>
+      </p:sp>
+      <p:sp>
+        <p:nvSpPr>
+          <p:cNvPr id="10" name="Rectangle 9"/>
+          <p:cNvSpPr/>
+          <p:nvPr/>
+        </p:nvSpPr>
+        <p:spPr>
+          <a:xfrm>
+            <a:off x="4267200" y="3598167"/>
+            <a:ext cx="3581400" cy="1997968"/>
+          </a:xfrm>
+          <a:prstGeom prst="rect">
+            <a:avLst/>
+          </a:prstGeom>
+          <a:solidFill>
+            <a:schemeClr val="accent3">
+              <a:alpha val="50000"/>
+            </a:schemeClr>
+          </a:solidFill>
+          <a:ln>
+            <a:noFill/>
+          </a:ln>
+        </p:spPr>
+        <p:style>
+          <a:lnRef idx="0">
+            <a:scrgbClr r="0" g="0" b="0"/>
+          </a:lnRef>
+          <a:fillRef idx="0">
+            <a:scrgbClr r="0" g="0" b="0"/>
+          </a:fillRef>
+          <a:effectRef idx="0">
+            <a:scrgbClr r="0" g="0" b="0"/>
+          </a:effectRef>
+          <a:fontRef idx="minor">
+            <a:schemeClr val="lt1"/>
+          </a:fontRef>
+        </p:style>
+        <p:txBody>
+          <a:bodyPr rtlCol="0" anchor="ctr"/>
+          <a:lstStyle/>
+          <a:p>
+            <a:pPr algn="ctr"/>
+            <a:r>
+              <a:rPr lang="en-US" dirty="0" smtClean="0">
+                <a:effectLst>
+                  <a:outerShdw blurRad="38100" dist="38100" dir="2700000" algn="tl">
+                    <a:srgbClr val="000000">
+                      <a:alpha val="43137"/>
+                    </a:srgbClr>
+                  </a:outerShdw>
+                </a:effectLst>
+              </a:rPr>
+              <a:t>Green</a:t>
+            </a:r>
+            <a:endParaRPr lang="en-US" dirty="0">
+              <a:effectLst>
+                <a:outerShdw blurRad="38100" dist="38100" dir="2700000" algn="tl">
+                  <a:srgbClr val="000000">
+                    <a:alpha val="43137"/>
+                  </a:srgbClr>
+                </a:outerShdw>
+              </a:effectLst>
+            </a:endParaRPr>
+          </a:p>
+        </p:txBody>
+      </p:sp>
+      <p:sp>
+        <p:nvSpPr>
+          <p:cNvPr id="11" name="Rectangle 10"/>
+          <p:cNvSpPr/>
+          <p:nvPr/>
+        </p:nvSpPr>
+        <p:spPr>
+          <a:xfrm>
+            <a:off x="7924800" y="3598167"/>
+            <a:ext cx="1143000" cy="1997968"/>
+          </a:xfrm>
+          <a:prstGeom prst="rect">
+            <a:avLst/>
+          </a:prstGeom>
+          <a:solidFill>
+            <a:schemeClr val="accent2">
+              <a:alpha val="50000"/>
+            </a:schemeClr>
+          </a:solidFill>
+          <a:ln>
+            <a:noFill/>
+          </a:ln>
+        </p:spPr>
+        <p:style>
+          <a:lnRef idx="0">
+            <a:scrgbClr r="0" g="0" b="0"/>
+          </a:lnRef>
+          <a:fillRef idx="0">
+            <a:scrgbClr r="0" g="0" b="0"/>
+          </a:fillRef>
+          <a:effectRef idx="0">
+            <a:scrgbClr r="0" g="0" b="0"/>
+          </a:effectRef>
+          <a:fontRef idx="minor">
+            <a:schemeClr val="lt1"/>
+          </a:fontRef>
+        </p:style>
+        <p:txBody>
+          <a:bodyPr rtlCol="0" anchor="ctr"/>
+          <a:lstStyle/>
+          <a:p>
+            <a:pPr algn="ctr"/>
+            <a:r>
+              <a:rPr lang="en-US" dirty="0" smtClean="0">
+                <a:effectLst>
+                  <a:outerShdw blurRad="38100" dist="38100" dir="2700000" algn="tl">
+                    <a:srgbClr val="000000">
+                      <a:alpha val="43137"/>
+                    </a:srgbClr>
+                  </a:outerShdw>
+                </a:effectLst>
+              </a:rPr>
+              <a:t>Red</a:t>
+            </a:r>
+            <a:endParaRPr lang="en-US" dirty="0">
+              <a:effectLst>
+                <a:outerShdw blurRad="38100" dist="38100" dir="2700000" algn="tl">
+                  <a:srgbClr val="000000">
+                    <a:alpha val="43137"/>
+                  </a:srgbClr>
+                </a:outerShdw>
+              </a:effectLst>
+            </a:endParaRPr>
+          </a:p>
+        </p:txBody>
+      </p:sp>
+    </p:spTree>
+    <p:extLst>
+      <p:ext uri="{BB962C8B-B14F-4D97-AF65-F5344CB8AC3E}">
+        <p14:creationId xmlns:p14="http://schemas.microsoft.com/office/powerpoint/2010/main" val="1273670191"/>
+      </p:ext>
+    </p:extLst>
+  </p:cSld>
+  <p:clrMapOvr>
+    <a:masterClrMapping/>
+  </p:clrMapOvr>
+</p:sld>
+</file>
+
 <file path=ppt/slides/slide2.xml><?xml version="1.0" encoding="utf-8"?>
 <p:sld xmlns:a="http://schemas.openxmlformats.org/drawingml/2006/main" xmlns:r="http://schemas.openxmlformats.org/officeDocument/2006/relationships" xmlns:p="http://schemas.openxmlformats.org/presentationml/2006/main">
   <p:cSld>
@@ -4935,6 +7256,3539 @@
   <p:clrMapOvr>
     <a:masterClrMapping/>
   </p:clrMapOvr>
+</p:sld>
+</file>
+
+<file path=ppt/slides/slide5.xml><?xml version="1.0" encoding="utf-8"?>
+<p:sld xmlns:a="http://schemas.openxmlformats.org/drawingml/2006/main" xmlns:r="http://schemas.openxmlformats.org/officeDocument/2006/relationships" xmlns:p="http://schemas.openxmlformats.org/presentationml/2006/main">
+  <p:cSld>
+    <p:spTree>
+      <p:nvGrpSpPr>
+        <p:cNvPr id="1" name=""/>
+        <p:cNvGrpSpPr/>
+        <p:nvPr/>
+      </p:nvGrpSpPr>
+      <p:grpSpPr>
+        <a:xfrm>
+          <a:off x="0" y="0"/>
+          <a:ext cx="0" cy="0"/>
+          <a:chOff x="0" y="0"/>
+          <a:chExt cx="0" cy="0"/>
+        </a:xfrm>
+      </p:grpSpPr>
+      <p:sp>
+        <p:nvSpPr>
+          <p:cNvPr id="4" name="Can 3"/>
+          <p:cNvSpPr/>
+          <p:nvPr/>
+        </p:nvSpPr>
+        <p:spPr>
+          <a:xfrm>
+            <a:off x="7315200" y="5181600"/>
+            <a:ext cx="1143000" cy="1219200"/>
+          </a:xfrm>
+          <a:prstGeom prst="can">
+            <a:avLst/>
+          </a:prstGeom>
+        </p:spPr>
+        <p:style>
+          <a:lnRef idx="0">
+            <a:schemeClr val="accent2"/>
+          </a:lnRef>
+          <a:fillRef idx="3">
+            <a:schemeClr val="accent2"/>
+          </a:fillRef>
+          <a:effectRef idx="3">
+            <a:schemeClr val="accent2"/>
+          </a:effectRef>
+          <a:fontRef idx="minor">
+            <a:schemeClr val="lt1"/>
+          </a:fontRef>
+        </p:style>
+        <p:txBody>
+          <a:bodyPr rtlCol="0" anchor="ctr"/>
+          <a:lstStyle/>
+          <a:p>
+            <a:pPr algn="ctr"/>
+            <a:r>
+              <a:rPr lang="en-US" dirty="0" smtClean="0"/>
+              <a:t>Data Sources</a:t>
+            </a:r>
+            <a:endParaRPr lang="en-US" dirty="0"/>
+          </a:p>
+        </p:txBody>
+      </p:sp>
+      <p:grpSp>
+        <p:nvGrpSpPr>
+          <p:cNvPr id="12" name="Group 11"/>
+          <p:cNvGrpSpPr/>
+          <p:nvPr/>
+        </p:nvGrpSpPr>
+        <p:grpSpPr>
+          <a:xfrm>
+            <a:off x="228600" y="312915"/>
+            <a:ext cx="1909562" cy="1602528"/>
+            <a:chOff x="1499410" y="304800"/>
+            <a:chExt cx="1909562" cy="1602528"/>
+          </a:xfrm>
+        </p:grpSpPr>
+        <p:sp>
+          <p:nvSpPr>
+            <p:cNvPr id="8" name="5-Point Star 7"/>
+            <p:cNvSpPr/>
+            <p:nvPr/>
+          </p:nvSpPr>
+          <p:spPr>
+            <a:xfrm>
+              <a:off x="1844591" y="304800"/>
+              <a:ext cx="1219200" cy="1219200"/>
+            </a:xfrm>
+            <a:prstGeom prst="star5">
+              <a:avLst/>
+            </a:prstGeom>
+          </p:spPr>
+          <p:style>
+            <a:lnRef idx="0">
+              <a:schemeClr val="accent1"/>
+            </a:lnRef>
+            <a:fillRef idx="3">
+              <a:schemeClr val="accent1"/>
+            </a:fillRef>
+            <a:effectRef idx="3">
+              <a:schemeClr val="accent1"/>
+            </a:effectRef>
+            <a:fontRef idx="minor">
+              <a:schemeClr val="lt1"/>
+            </a:fontRef>
+          </p:style>
+          <p:txBody>
+            <a:bodyPr rtlCol="0" anchor="ctr"/>
+            <a:lstStyle/>
+            <a:p>
+              <a:pPr algn="ctr"/>
+              <a:endParaRPr lang="en-US" dirty="0"/>
+            </a:p>
+          </p:txBody>
+        </p:sp>
+        <p:sp>
+          <p:nvSpPr>
+            <p:cNvPr id="9" name="TextBox 8"/>
+            <p:cNvSpPr txBox="1"/>
+            <p:nvPr/>
+          </p:nvSpPr>
+          <p:spPr>
+            <a:xfrm>
+              <a:off x="1499410" y="1537996"/>
+              <a:ext cx="1909562" cy="369332"/>
+            </a:xfrm>
+            <a:prstGeom prst="rect">
+              <a:avLst/>
+            </a:prstGeom>
+            <a:noFill/>
+          </p:spPr>
+          <p:txBody>
+            <a:bodyPr wrap="none" rtlCol="0">
+              <a:spAutoFit/>
+            </a:bodyPr>
+            <a:lstStyle/>
+            <a:p>
+              <a:r>
+                <a:rPr lang="en-US" dirty="0" smtClean="0"/>
+                <a:t>Business Outcome</a:t>
+              </a:r>
+              <a:endParaRPr lang="en-US" dirty="0"/>
+            </a:p>
+          </p:txBody>
+        </p:sp>
+      </p:grpSp>
+      <p:sp>
+        <p:nvSpPr>
+          <p:cNvPr id="11" name="Down Arrow 10"/>
+          <p:cNvSpPr/>
+          <p:nvPr/>
+        </p:nvSpPr>
+        <p:spPr>
+          <a:xfrm rot="7563133">
+            <a:off x="2232899" y="1626392"/>
+            <a:ext cx="457200" cy="666838"/>
+          </a:xfrm>
+          <a:prstGeom prst="downArrow">
+            <a:avLst/>
+          </a:prstGeom>
+          <a:noFill/>
+          <a:ln w="9525" cap="flat" cmpd="sng" algn="ctr">
+            <a:solidFill>
+              <a:schemeClr val="dk1"/>
+            </a:solidFill>
+            <a:prstDash val="solid"/>
+            <a:round/>
+            <a:headEnd type="none" w="med" len="med"/>
+            <a:tailEnd type="none" w="med" len="med"/>
+          </a:ln>
+        </p:spPr>
+        <p:style>
+          <a:lnRef idx="0">
+            <a:scrgbClr r="0" g="0" b="0"/>
+          </a:lnRef>
+          <a:fillRef idx="0">
+            <a:scrgbClr r="0" g="0" b="0"/>
+          </a:fillRef>
+          <a:effectRef idx="0">
+            <a:scrgbClr r="0" g="0" b="0"/>
+          </a:effectRef>
+          <a:fontRef idx="minor">
+            <a:schemeClr val="dk1"/>
+          </a:fontRef>
+        </p:style>
+        <p:txBody>
+          <a:bodyPr rtlCol="0" anchor="ctr"/>
+          <a:lstStyle/>
+          <a:p>
+            <a:pPr algn="ctr"/>
+            <a:endParaRPr lang="en-US"/>
+          </a:p>
+        </p:txBody>
+      </p:sp>
+      <p:sp>
+        <p:nvSpPr>
+          <p:cNvPr id="13" name="Down Arrow 12"/>
+          <p:cNvSpPr/>
+          <p:nvPr/>
+        </p:nvSpPr>
+        <p:spPr>
+          <a:xfrm rot="7563133">
+            <a:off x="6614745" y="4543424"/>
+            <a:ext cx="457200" cy="666838"/>
+          </a:xfrm>
+          <a:prstGeom prst="downArrow">
+            <a:avLst/>
+          </a:prstGeom>
+          <a:noFill/>
+          <a:ln w="9525" cap="flat" cmpd="sng" algn="ctr">
+            <a:solidFill>
+              <a:schemeClr val="dk1"/>
+            </a:solidFill>
+            <a:prstDash val="solid"/>
+            <a:round/>
+            <a:headEnd type="none" w="med" len="med"/>
+            <a:tailEnd type="none" w="med" len="med"/>
+          </a:ln>
+        </p:spPr>
+        <p:style>
+          <a:lnRef idx="0">
+            <a:scrgbClr r="0" g="0" b="0"/>
+          </a:lnRef>
+          <a:fillRef idx="0">
+            <a:scrgbClr r="0" g="0" b="0"/>
+          </a:fillRef>
+          <a:effectRef idx="0">
+            <a:scrgbClr r="0" g="0" b="0"/>
+          </a:effectRef>
+          <a:fontRef idx="minor">
+            <a:schemeClr val="dk1"/>
+          </a:fontRef>
+        </p:style>
+        <p:txBody>
+          <a:bodyPr rtlCol="0" anchor="ctr"/>
+          <a:lstStyle/>
+          <a:p>
+            <a:pPr algn="ctr"/>
+            <a:endParaRPr lang="en-US"/>
+          </a:p>
+        </p:txBody>
+      </p:sp>
+      <p:sp>
+        <p:nvSpPr>
+          <p:cNvPr id="18" name="Rectangle 17"/>
+          <p:cNvSpPr/>
+          <p:nvPr/>
+        </p:nvSpPr>
+        <p:spPr>
+          <a:xfrm>
+            <a:off x="2505207" y="3619500"/>
+            <a:ext cx="1524000" cy="685800"/>
+          </a:xfrm>
+          <a:prstGeom prst="rect">
+            <a:avLst/>
+          </a:prstGeom>
+        </p:spPr>
+        <p:style>
+          <a:lnRef idx="2">
+            <a:schemeClr val="accent6">
+              <a:shade val="50000"/>
+            </a:schemeClr>
+          </a:lnRef>
+          <a:fillRef idx="1">
+            <a:schemeClr val="accent6"/>
+          </a:fillRef>
+          <a:effectRef idx="0">
+            <a:schemeClr val="accent6"/>
+          </a:effectRef>
+          <a:fontRef idx="minor">
+            <a:schemeClr val="lt1"/>
+          </a:fontRef>
+        </p:style>
+        <p:txBody>
+          <a:bodyPr rtlCol="0" anchor="ctr"/>
+          <a:lstStyle/>
+          <a:p>
+            <a:pPr algn="ctr"/>
+            <a:r>
+              <a:rPr lang="en-US" dirty="0" smtClean="0"/>
+              <a:t>Application</a:t>
+            </a:r>
+            <a:endParaRPr lang="en-US" dirty="0"/>
+          </a:p>
+        </p:txBody>
+      </p:sp>
+      <p:sp>
+        <p:nvSpPr>
+          <p:cNvPr id="20" name="Rectangle 19"/>
+          <p:cNvSpPr/>
+          <p:nvPr/>
+        </p:nvSpPr>
+        <p:spPr>
+          <a:xfrm>
+            <a:off x="4417322" y="2209800"/>
+            <a:ext cx="891301" cy="685800"/>
+          </a:xfrm>
+          <a:prstGeom prst="rect">
+            <a:avLst/>
+          </a:prstGeom>
+        </p:spPr>
+        <p:style>
+          <a:lnRef idx="2">
+            <a:schemeClr val="accent3">
+              <a:shade val="50000"/>
+            </a:schemeClr>
+          </a:lnRef>
+          <a:fillRef idx="1">
+            <a:schemeClr val="accent3"/>
+          </a:fillRef>
+          <a:effectRef idx="0">
+            <a:schemeClr val="accent3"/>
+          </a:effectRef>
+          <a:fontRef idx="minor">
+            <a:schemeClr val="lt1"/>
+          </a:fontRef>
+        </p:style>
+        <p:txBody>
+          <a:bodyPr rtlCol="0" anchor="ctr"/>
+          <a:lstStyle/>
+          <a:p>
+            <a:pPr algn="ctr"/>
+            <a:r>
+              <a:rPr lang="en-US" dirty="0" smtClean="0"/>
+              <a:t>Excel </a:t>
+            </a:r>
+            <a:r>
+              <a:rPr lang="en-US" dirty="0" smtClean="0"/>
+              <a:t>Sheet</a:t>
+            </a:r>
+            <a:endParaRPr lang="en-US" dirty="0"/>
+          </a:p>
+        </p:txBody>
+      </p:sp>
+      <p:sp>
+        <p:nvSpPr>
+          <p:cNvPr id="22" name="Rectangle 21"/>
+          <p:cNvSpPr/>
+          <p:nvPr/>
+        </p:nvSpPr>
+        <p:spPr>
+          <a:xfrm>
+            <a:off x="3965078" y="4583711"/>
+            <a:ext cx="1143000" cy="685800"/>
+          </a:xfrm>
+          <a:prstGeom prst="rect">
+            <a:avLst/>
+          </a:prstGeom>
+        </p:spPr>
+        <p:style>
+          <a:lnRef idx="2">
+            <a:schemeClr val="accent1">
+              <a:shade val="50000"/>
+            </a:schemeClr>
+          </a:lnRef>
+          <a:fillRef idx="1">
+            <a:schemeClr val="accent1"/>
+          </a:fillRef>
+          <a:effectRef idx="0">
+            <a:schemeClr val="accent1"/>
+          </a:effectRef>
+          <a:fontRef idx="minor">
+            <a:schemeClr val="lt1"/>
+          </a:fontRef>
+        </p:style>
+        <p:txBody>
+          <a:bodyPr rtlCol="0" anchor="ctr"/>
+          <a:lstStyle/>
+          <a:p>
+            <a:pPr algn="ctr"/>
+            <a:r>
+              <a:rPr lang="en-US" dirty="0" smtClean="0"/>
+              <a:t>Web </a:t>
+            </a:r>
+            <a:r>
+              <a:rPr lang="en-US" dirty="0" smtClean="0"/>
+              <a:t>Service</a:t>
+            </a:r>
+            <a:endParaRPr lang="en-US" dirty="0"/>
+          </a:p>
+        </p:txBody>
+      </p:sp>
+      <p:sp>
+        <p:nvSpPr>
+          <p:cNvPr id="25" name="Rectangle 24"/>
+          <p:cNvSpPr/>
+          <p:nvPr/>
+        </p:nvSpPr>
+        <p:spPr>
+          <a:xfrm>
+            <a:off x="4187394" y="3174011"/>
+            <a:ext cx="1143000" cy="685800"/>
+          </a:xfrm>
+          <a:prstGeom prst="rect">
+            <a:avLst/>
+          </a:prstGeom>
+        </p:spPr>
+        <p:style>
+          <a:lnRef idx="2">
+            <a:schemeClr val="accent4">
+              <a:shade val="50000"/>
+            </a:schemeClr>
+          </a:lnRef>
+          <a:fillRef idx="1">
+            <a:schemeClr val="accent4"/>
+          </a:fillRef>
+          <a:effectRef idx="0">
+            <a:schemeClr val="accent4"/>
+          </a:effectRef>
+          <a:fontRef idx="minor">
+            <a:schemeClr val="lt1"/>
+          </a:fontRef>
+        </p:style>
+        <p:txBody>
+          <a:bodyPr rtlCol="0" anchor="ctr"/>
+          <a:lstStyle/>
+          <a:p>
+            <a:pPr algn="ctr"/>
+            <a:r>
+              <a:rPr lang="en-US" dirty="0" smtClean="0"/>
+              <a:t>SQL </a:t>
+            </a:r>
+            <a:r>
+              <a:rPr lang="en-US" dirty="0" smtClean="0"/>
+              <a:t>Query</a:t>
+            </a:r>
+            <a:endParaRPr lang="en-US" dirty="0"/>
+          </a:p>
+        </p:txBody>
+      </p:sp>
+      <p:sp>
+        <p:nvSpPr>
+          <p:cNvPr id="26" name="Rectangle 25"/>
+          <p:cNvSpPr/>
+          <p:nvPr/>
+        </p:nvSpPr>
+        <p:spPr>
+          <a:xfrm>
+            <a:off x="1929545" y="2688724"/>
+            <a:ext cx="891301" cy="685800"/>
+          </a:xfrm>
+          <a:prstGeom prst="rect">
+            <a:avLst/>
+          </a:prstGeom>
+        </p:spPr>
+        <p:style>
+          <a:lnRef idx="2">
+            <a:schemeClr val="accent3">
+              <a:shade val="50000"/>
+            </a:schemeClr>
+          </a:lnRef>
+          <a:fillRef idx="1">
+            <a:schemeClr val="accent3"/>
+          </a:fillRef>
+          <a:effectRef idx="0">
+            <a:schemeClr val="accent3"/>
+          </a:effectRef>
+          <a:fontRef idx="minor">
+            <a:schemeClr val="lt1"/>
+          </a:fontRef>
+        </p:style>
+        <p:txBody>
+          <a:bodyPr rtlCol="0" anchor="ctr"/>
+          <a:lstStyle/>
+          <a:p>
+            <a:pPr algn="ctr"/>
+            <a:r>
+              <a:rPr lang="en-US" dirty="0" smtClean="0"/>
+              <a:t>Excel </a:t>
+            </a:r>
+            <a:r>
+              <a:rPr lang="en-US" dirty="0" smtClean="0"/>
+              <a:t>Sheet</a:t>
+            </a:r>
+            <a:endParaRPr lang="en-US" dirty="0"/>
+          </a:p>
+        </p:txBody>
+      </p:sp>
+      <p:sp>
+        <p:nvSpPr>
+          <p:cNvPr id="27" name="Rectangle 26"/>
+          <p:cNvSpPr/>
+          <p:nvPr/>
+        </p:nvSpPr>
+        <p:spPr>
+          <a:xfrm>
+            <a:off x="3252359" y="1384795"/>
+            <a:ext cx="1524000" cy="685800"/>
+          </a:xfrm>
+          <a:prstGeom prst="rect">
+            <a:avLst/>
+          </a:prstGeom>
+        </p:spPr>
+        <p:style>
+          <a:lnRef idx="2">
+            <a:schemeClr val="accent6">
+              <a:shade val="50000"/>
+            </a:schemeClr>
+          </a:lnRef>
+          <a:fillRef idx="1">
+            <a:schemeClr val="accent6"/>
+          </a:fillRef>
+          <a:effectRef idx="0">
+            <a:schemeClr val="accent6"/>
+          </a:effectRef>
+          <a:fontRef idx="minor">
+            <a:schemeClr val="lt1"/>
+          </a:fontRef>
+        </p:style>
+        <p:txBody>
+          <a:bodyPr rtlCol="0" anchor="ctr"/>
+          <a:lstStyle/>
+          <a:p>
+            <a:pPr algn="ctr"/>
+            <a:r>
+              <a:rPr lang="en-US" dirty="0" smtClean="0"/>
+              <a:t>Application</a:t>
+            </a:r>
+            <a:endParaRPr lang="en-US" dirty="0"/>
+          </a:p>
+        </p:txBody>
+      </p:sp>
+      <p:sp>
+        <p:nvSpPr>
+          <p:cNvPr id="28" name="Rectangle 27"/>
+          <p:cNvSpPr/>
+          <p:nvPr/>
+        </p:nvSpPr>
+        <p:spPr>
+          <a:xfrm>
+            <a:off x="5794033" y="2400301"/>
+            <a:ext cx="1143000" cy="685800"/>
+          </a:xfrm>
+          <a:prstGeom prst="rect">
+            <a:avLst/>
+          </a:prstGeom>
+        </p:spPr>
+        <p:style>
+          <a:lnRef idx="2">
+            <a:schemeClr val="accent1">
+              <a:shade val="50000"/>
+            </a:schemeClr>
+          </a:lnRef>
+          <a:fillRef idx="1">
+            <a:schemeClr val="accent1"/>
+          </a:fillRef>
+          <a:effectRef idx="0">
+            <a:schemeClr val="accent1"/>
+          </a:effectRef>
+          <a:fontRef idx="minor">
+            <a:schemeClr val="lt1"/>
+          </a:fontRef>
+        </p:style>
+        <p:txBody>
+          <a:bodyPr rtlCol="0" anchor="ctr"/>
+          <a:lstStyle/>
+          <a:p>
+            <a:pPr algn="ctr"/>
+            <a:r>
+              <a:rPr lang="en-US" dirty="0" smtClean="0"/>
+              <a:t>Web </a:t>
+            </a:r>
+            <a:r>
+              <a:rPr lang="en-US" dirty="0" smtClean="0"/>
+              <a:t>Service</a:t>
+            </a:r>
+            <a:endParaRPr lang="en-US" dirty="0"/>
+          </a:p>
+        </p:txBody>
+      </p:sp>
+      <p:sp>
+        <p:nvSpPr>
+          <p:cNvPr id="29" name="Rectangle 28"/>
+          <p:cNvSpPr/>
+          <p:nvPr/>
+        </p:nvSpPr>
+        <p:spPr>
+          <a:xfrm>
+            <a:off x="5609648" y="3796003"/>
+            <a:ext cx="1143000" cy="685800"/>
+          </a:xfrm>
+          <a:prstGeom prst="rect">
+            <a:avLst/>
+          </a:prstGeom>
+        </p:spPr>
+        <p:style>
+          <a:lnRef idx="2">
+            <a:schemeClr val="accent4">
+              <a:shade val="50000"/>
+            </a:schemeClr>
+          </a:lnRef>
+          <a:fillRef idx="1">
+            <a:schemeClr val="accent4"/>
+          </a:fillRef>
+          <a:effectRef idx="0">
+            <a:schemeClr val="accent4"/>
+          </a:effectRef>
+          <a:fontRef idx="minor">
+            <a:schemeClr val="lt1"/>
+          </a:fontRef>
+        </p:style>
+        <p:txBody>
+          <a:bodyPr rtlCol="0" anchor="ctr"/>
+          <a:lstStyle/>
+          <a:p>
+            <a:pPr algn="ctr"/>
+            <a:r>
+              <a:rPr lang="en-US" dirty="0" smtClean="0"/>
+              <a:t>SQL </a:t>
+            </a:r>
+            <a:r>
+              <a:rPr lang="en-US" dirty="0" smtClean="0"/>
+              <a:t>Query</a:t>
+            </a:r>
+            <a:endParaRPr lang="en-US" dirty="0"/>
+          </a:p>
+        </p:txBody>
+      </p:sp>
+      <p:sp>
+        <p:nvSpPr>
+          <p:cNvPr id="30" name="Rectangle 29"/>
+          <p:cNvSpPr/>
+          <p:nvPr/>
+        </p:nvSpPr>
+        <p:spPr>
+          <a:xfrm>
+            <a:off x="3141659" y="2488211"/>
+            <a:ext cx="891301" cy="685800"/>
+          </a:xfrm>
+          <a:prstGeom prst="rect">
+            <a:avLst/>
+          </a:prstGeom>
+        </p:spPr>
+        <p:style>
+          <a:lnRef idx="2">
+            <a:schemeClr val="accent3">
+              <a:shade val="50000"/>
+            </a:schemeClr>
+          </a:lnRef>
+          <a:fillRef idx="1">
+            <a:schemeClr val="accent3"/>
+          </a:fillRef>
+          <a:effectRef idx="0">
+            <a:schemeClr val="accent3"/>
+          </a:effectRef>
+          <a:fontRef idx="minor">
+            <a:schemeClr val="lt1"/>
+          </a:fontRef>
+        </p:style>
+        <p:txBody>
+          <a:bodyPr rtlCol="0" anchor="ctr"/>
+          <a:lstStyle/>
+          <a:p>
+            <a:pPr algn="ctr"/>
+            <a:r>
+              <a:rPr lang="en-US" dirty="0" smtClean="0"/>
+              <a:t>Excel </a:t>
+            </a:r>
+            <a:r>
+              <a:rPr lang="en-US" dirty="0" smtClean="0"/>
+              <a:t>Sheet</a:t>
+            </a:r>
+            <a:endParaRPr lang="en-US" dirty="0"/>
+          </a:p>
+        </p:txBody>
+      </p:sp>
+    </p:spTree>
+    <p:extLst>
+      <p:ext uri="{BB962C8B-B14F-4D97-AF65-F5344CB8AC3E}">
+        <p14:creationId xmlns:p14="http://schemas.microsoft.com/office/powerpoint/2010/main" val="2150052548"/>
+      </p:ext>
+    </p:extLst>
+  </p:cSld>
+  <p:clrMapOvr>
+    <a:masterClrMapping/>
+  </p:clrMapOvr>
+  <p:timing>
+    <p:tnLst>
+      <p:par>
+        <p:cTn id="1" dur="indefinite" restart="never" nodeType="tmRoot"/>
+      </p:par>
+    </p:tnLst>
+  </p:timing>
+</p:sld>
+</file>
+
+<file path=ppt/slides/slide6.xml><?xml version="1.0" encoding="utf-8"?>
+<p:sld xmlns:a="http://schemas.openxmlformats.org/drawingml/2006/main" xmlns:r="http://schemas.openxmlformats.org/officeDocument/2006/relationships" xmlns:p="http://schemas.openxmlformats.org/presentationml/2006/main">
+  <p:cSld>
+    <p:spTree>
+      <p:nvGrpSpPr>
+        <p:cNvPr id="1" name=""/>
+        <p:cNvGrpSpPr/>
+        <p:nvPr/>
+      </p:nvGrpSpPr>
+      <p:grpSpPr>
+        <a:xfrm>
+          <a:off x="0" y="0"/>
+          <a:ext cx="0" cy="0"/>
+          <a:chOff x="0" y="0"/>
+          <a:chExt cx="0" cy="0"/>
+        </a:xfrm>
+      </p:grpSpPr>
+      <p:sp>
+        <p:nvSpPr>
+          <p:cNvPr id="4" name="Rectangle 3"/>
+          <p:cNvSpPr/>
+          <p:nvPr/>
+        </p:nvSpPr>
+        <p:spPr>
+          <a:xfrm>
+            <a:off x="762000" y="4572000"/>
+            <a:ext cx="7772400" cy="762000"/>
+          </a:xfrm>
+          <a:prstGeom prst="rect">
+            <a:avLst/>
+          </a:prstGeom>
+        </p:spPr>
+        <p:style>
+          <a:lnRef idx="2">
+            <a:schemeClr val="accent1">
+              <a:shade val="50000"/>
+            </a:schemeClr>
+          </a:lnRef>
+          <a:fillRef idx="1">
+            <a:schemeClr val="accent1"/>
+          </a:fillRef>
+          <a:effectRef idx="0">
+            <a:schemeClr val="accent1"/>
+          </a:effectRef>
+          <a:fontRef idx="minor">
+            <a:schemeClr val="lt1"/>
+          </a:fontRef>
+        </p:style>
+        <p:txBody>
+          <a:bodyPr rtlCol="0" anchor="ctr"/>
+          <a:lstStyle/>
+          <a:p>
+            <a:pPr algn="ctr"/>
+            <a:r>
+              <a:rPr lang="en-US" dirty="0" smtClean="0"/>
+              <a:t>Data Access Layer</a:t>
+            </a:r>
+            <a:endParaRPr lang="en-US" dirty="0"/>
+          </a:p>
+        </p:txBody>
+      </p:sp>
+      <p:sp>
+        <p:nvSpPr>
+          <p:cNvPr id="5" name="Rectangle 4"/>
+          <p:cNvSpPr/>
+          <p:nvPr/>
+        </p:nvSpPr>
+        <p:spPr>
+          <a:xfrm>
+            <a:off x="762000" y="2810070"/>
+            <a:ext cx="7772400" cy="1685730"/>
+          </a:xfrm>
+          <a:prstGeom prst="rect">
+            <a:avLst/>
+          </a:prstGeom>
+        </p:spPr>
+        <p:style>
+          <a:lnRef idx="2">
+            <a:schemeClr val="accent2">
+              <a:shade val="50000"/>
+            </a:schemeClr>
+          </a:lnRef>
+          <a:fillRef idx="1">
+            <a:schemeClr val="accent2"/>
+          </a:fillRef>
+          <a:effectRef idx="0">
+            <a:schemeClr val="accent2"/>
+          </a:effectRef>
+          <a:fontRef idx="minor">
+            <a:schemeClr val="lt1"/>
+          </a:fontRef>
+        </p:style>
+        <p:txBody>
+          <a:bodyPr rtlCol="0" anchor="ctr"/>
+          <a:lstStyle/>
+          <a:p>
+            <a:pPr algn="ctr"/>
+            <a:r>
+              <a:rPr lang="en-US" dirty="0" smtClean="0"/>
+              <a:t>Business Logic Layer</a:t>
+            </a:r>
+            <a:endParaRPr lang="en-US" dirty="0"/>
+          </a:p>
+        </p:txBody>
+      </p:sp>
+      <p:sp>
+        <p:nvSpPr>
+          <p:cNvPr id="6" name="Rectangle 5"/>
+          <p:cNvSpPr/>
+          <p:nvPr/>
+        </p:nvSpPr>
+        <p:spPr>
+          <a:xfrm>
+            <a:off x="762000" y="2286000"/>
+            <a:ext cx="7772400" cy="457200"/>
+          </a:xfrm>
+          <a:prstGeom prst="rect">
+            <a:avLst/>
+          </a:prstGeom>
+        </p:spPr>
+        <p:style>
+          <a:lnRef idx="2">
+            <a:schemeClr val="accent3">
+              <a:shade val="50000"/>
+            </a:schemeClr>
+          </a:lnRef>
+          <a:fillRef idx="1">
+            <a:schemeClr val="accent3"/>
+          </a:fillRef>
+          <a:effectRef idx="0">
+            <a:schemeClr val="accent3"/>
+          </a:effectRef>
+          <a:fontRef idx="minor">
+            <a:schemeClr val="lt1"/>
+          </a:fontRef>
+        </p:style>
+        <p:txBody>
+          <a:bodyPr rtlCol="0" anchor="ctr"/>
+          <a:lstStyle/>
+          <a:p>
+            <a:pPr algn="ctr"/>
+            <a:r>
+              <a:rPr lang="en-US" dirty="0" smtClean="0"/>
+              <a:t>User Interface Layer</a:t>
+            </a:r>
+            <a:endParaRPr lang="en-US" dirty="0"/>
+          </a:p>
+        </p:txBody>
+      </p:sp>
+      <p:sp>
+        <p:nvSpPr>
+          <p:cNvPr id="7" name="Can 6"/>
+          <p:cNvSpPr/>
+          <p:nvPr/>
+        </p:nvSpPr>
+        <p:spPr>
+          <a:xfrm>
+            <a:off x="4152900" y="5480180"/>
+            <a:ext cx="990600" cy="990600"/>
+          </a:xfrm>
+          <a:prstGeom prst="can">
+            <a:avLst/>
+          </a:prstGeom>
+        </p:spPr>
+        <p:style>
+          <a:lnRef idx="0">
+            <a:schemeClr val="accent2"/>
+          </a:lnRef>
+          <a:fillRef idx="3">
+            <a:schemeClr val="accent2"/>
+          </a:fillRef>
+          <a:effectRef idx="3">
+            <a:schemeClr val="accent2"/>
+          </a:effectRef>
+          <a:fontRef idx="minor">
+            <a:schemeClr val="lt1"/>
+          </a:fontRef>
+        </p:style>
+        <p:txBody>
+          <a:bodyPr rtlCol="0" anchor="ctr"/>
+          <a:lstStyle/>
+          <a:p>
+            <a:pPr algn="ctr"/>
+            <a:r>
+              <a:rPr lang="en-US" dirty="0" smtClean="0"/>
+              <a:t>Data Source</a:t>
+            </a:r>
+            <a:endParaRPr lang="en-US" dirty="0"/>
+          </a:p>
+        </p:txBody>
+      </p:sp>
+      <p:sp>
+        <p:nvSpPr>
+          <p:cNvPr id="8" name="Can 7"/>
+          <p:cNvSpPr/>
+          <p:nvPr/>
+        </p:nvSpPr>
+        <p:spPr>
+          <a:xfrm>
+            <a:off x="1371600" y="5486400"/>
+            <a:ext cx="990600" cy="990600"/>
+          </a:xfrm>
+          <a:prstGeom prst="can">
+            <a:avLst/>
+          </a:prstGeom>
+        </p:spPr>
+        <p:style>
+          <a:lnRef idx="0">
+            <a:schemeClr val="accent2"/>
+          </a:lnRef>
+          <a:fillRef idx="3">
+            <a:schemeClr val="accent2"/>
+          </a:fillRef>
+          <a:effectRef idx="3">
+            <a:schemeClr val="accent2"/>
+          </a:effectRef>
+          <a:fontRef idx="minor">
+            <a:schemeClr val="lt1"/>
+          </a:fontRef>
+        </p:style>
+        <p:txBody>
+          <a:bodyPr rtlCol="0" anchor="ctr"/>
+          <a:lstStyle/>
+          <a:p>
+            <a:pPr algn="ctr"/>
+            <a:r>
+              <a:rPr lang="en-US" dirty="0" smtClean="0"/>
+              <a:t>Data Source</a:t>
+            </a:r>
+            <a:endParaRPr lang="en-US" dirty="0"/>
+          </a:p>
+        </p:txBody>
+      </p:sp>
+      <p:sp>
+        <p:nvSpPr>
+          <p:cNvPr id="10" name="Can 9"/>
+          <p:cNvSpPr/>
+          <p:nvPr/>
+        </p:nvSpPr>
+        <p:spPr>
+          <a:xfrm>
+            <a:off x="7086600" y="5480180"/>
+            <a:ext cx="990600" cy="990600"/>
+          </a:xfrm>
+          <a:prstGeom prst="can">
+            <a:avLst/>
+          </a:prstGeom>
+        </p:spPr>
+        <p:style>
+          <a:lnRef idx="0">
+            <a:schemeClr val="accent2"/>
+          </a:lnRef>
+          <a:fillRef idx="3">
+            <a:schemeClr val="accent2"/>
+          </a:fillRef>
+          <a:effectRef idx="3">
+            <a:schemeClr val="accent2"/>
+          </a:effectRef>
+          <a:fontRef idx="minor">
+            <a:schemeClr val="lt1"/>
+          </a:fontRef>
+        </p:style>
+        <p:txBody>
+          <a:bodyPr rtlCol="0" anchor="ctr"/>
+          <a:lstStyle/>
+          <a:p>
+            <a:pPr algn="ctr"/>
+            <a:r>
+              <a:rPr lang="en-US" dirty="0" smtClean="0"/>
+              <a:t>Data Source</a:t>
+            </a:r>
+            <a:endParaRPr lang="en-US" dirty="0"/>
+          </a:p>
+        </p:txBody>
+      </p:sp>
+      <p:sp>
+        <p:nvSpPr>
+          <p:cNvPr id="11" name="Smiley Face 10"/>
+          <p:cNvSpPr/>
+          <p:nvPr/>
+        </p:nvSpPr>
+        <p:spPr>
+          <a:xfrm>
+            <a:off x="8088863" y="2360645"/>
+            <a:ext cx="304800" cy="304800"/>
+          </a:xfrm>
+          <a:prstGeom prst="smileyFace">
+            <a:avLst/>
+          </a:prstGeom>
+          <a:ln>
+            <a:headEnd type="none" w="med" len="med"/>
+            <a:tailEnd type="none" w="med" len="med"/>
+          </a:ln>
+        </p:spPr>
+        <p:style>
+          <a:lnRef idx="1">
+            <a:schemeClr val="dk1"/>
+          </a:lnRef>
+          <a:fillRef idx="2">
+            <a:schemeClr val="dk1"/>
+          </a:fillRef>
+          <a:effectRef idx="1">
+            <a:schemeClr val="dk1"/>
+          </a:effectRef>
+          <a:fontRef idx="minor">
+            <a:schemeClr val="dk1"/>
+          </a:fontRef>
+        </p:style>
+        <p:txBody>
+          <a:bodyPr rtlCol="0" anchor="ctr"/>
+          <a:lstStyle/>
+          <a:p>
+            <a:pPr algn="ctr"/>
+            <a:endParaRPr lang="en-US"/>
+          </a:p>
+        </p:txBody>
+      </p:sp>
+      <p:sp>
+        <p:nvSpPr>
+          <p:cNvPr id="12" name="Smiley Face 11"/>
+          <p:cNvSpPr/>
+          <p:nvPr/>
+        </p:nvSpPr>
+        <p:spPr>
+          <a:xfrm>
+            <a:off x="7643327" y="2359090"/>
+            <a:ext cx="304800" cy="304800"/>
+          </a:xfrm>
+          <a:prstGeom prst="smileyFace">
+            <a:avLst/>
+          </a:prstGeom>
+          <a:ln>
+            <a:headEnd type="none" w="med" len="med"/>
+            <a:tailEnd type="none" w="med" len="med"/>
+          </a:ln>
+        </p:spPr>
+        <p:style>
+          <a:lnRef idx="1">
+            <a:schemeClr val="dk1"/>
+          </a:lnRef>
+          <a:fillRef idx="2">
+            <a:schemeClr val="dk1"/>
+          </a:fillRef>
+          <a:effectRef idx="1">
+            <a:schemeClr val="dk1"/>
+          </a:effectRef>
+          <a:fontRef idx="minor">
+            <a:schemeClr val="dk1"/>
+          </a:fontRef>
+        </p:style>
+        <p:txBody>
+          <a:bodyPr rtlCol="0" anchor="ctr"/>
+          <a:lstStyle/>
+          <a:p>
+            <a:pPr algn="ctr"/>
+            <a:endParaRPr lang="en-US"/>
+          </a:p>
+        </p:txBody>
+      </p:sp>
+      <p:sp>
+        <p:nvSpPr>
+          <p:cNvPr id="13" name="Smiley Face 12"/>
+          <p:cNvSpPr/>
+          <p:nvPr/>
+        </p:nvSpPr>
+        <p:spPr>
+          <a:xfrm>
+            <a:off x="8077200" y="4076700"/>
+            <a:ext cx="304800" cy="304800"/>
+          </a:xfrm>
+          <a:prstGeom prst="smileyFace">
+            <a:avLst/>
+          </a:prstGeom>
+          <a:ln>
+            <a:headEnd type="none" w="med" len="med"/>
+            <a:tailEnd type="none" w="med" len="med"/>
+          </a:ln>
+        </p:spPr>
+        <p:style>
+          <a:lnRef idx="1">
+            <a:schemeClr val="dk1"/>
+          </a:lnRef>
+          <a:fillRef idx="2">
+            <a:schemeClr val="dk1"/>
+          </a:fillRef>
+          <a:effectRef idx="1">
+            <a:schemeClr val="dk1"/>
+          </a:effectRef>
+          <a:fontRef idx="minor">
+            <a:schemeClr val="dk1"/>
+          </a:fontRef>
+        </p:style>
+        <p:txBody>
+          <a:bodyPr rtlCol="0" anchor="ctr"/>
+          <a:lstStyle/>
+          <a:p>
+            <a:pPr algn="ctr"/>
+            <a:endParaRPr lang="en-US"/>
+          </a:p>
+        </p:txBody>
+      </p:sp>
+      <p:sp>
+        <p:nvSpPr>
+          <p:cNvPr id="14" name="Smiley Face 13"/>
+          <p:cNvSpPr/>
+          <p:nvPr/>
+        </p:nvSpPr>
+        <p:spPr>
+          <a:xfrm>
+            <a:off x="7633996" y="4076700"/>
+            <a:ext cx="304800" cy="304800"/>
+          </a:xfrm>
+          <a:prstGeom prst="smileyFace">
+            <a:avLst/>
+          </a:prstGeom>
+          <a:ln>
+            <a:headEnd type="none" w="med" len="med"/>
+            <a:tailEnd type="none" w="med" len="med"/>
+          </a:ln>
+        </p:spPr>
+        <p:style>
+          <a:lnRef idx="1">
+            <a:schemeClr val="dk1"/>
+          </a:lnRef>
+          <a:fillRef idx="2">
+            <a:schemeClr val="dk1"/>
+          </a:fillRef>
+          <a:effectRef idx="1">
+            <a:schemeClr val="dk1"/>
+          </a:effectRef>
+          <a:fontRef idx="minor">
+            <a:schemeClr val="dk1"/>
+          </a:fontRef>
+        </p:style>
+        <p:txBody>
+          <a:bodyPr rtlCol="0" anchor="ctr"/>
+          <a:lstStyle/>
+          <a:p>
+            <a:pPr algn="ctr"/>
+            <a:endParaRPr lang="en-US"/>
+          </a:p>
+        </p:txBody>
+      </p:sp>
+      <p:sp>
+        <p:nvSpPr>
+          <p:cNvPr id="15" name="Smiley Face 14"/>
+          <p:cNvSpPr/>
+          <p:nvPr/>
+        </p:nvSpPr>
+        <p:spPr>
+          <a:xfrm>
+            <a:off x="7190792" y="4089141"/>
+            <a:ext cx="304800" cy="304800"/>
+          </a:xfrm>
+          <a:prstGeom prst="smileyFace">
+            <a:avLst/>
+          </a:prstGeom>
+          <a:ln>
+            <a:headEnd type="none" w="med" len="med"/>
+            <a:tailEnd type="none" w="med" len="med"/>
+          </a:ln>
+        </p:spPr>
+        <p:style>
+          <a:lnRef idx="1">
+            <a:schemeClr val="dk1"/>
+          </a:lnRef>
+          <a:fillRef idx="2">
+            <a:schemeClr val="dk1"/>
+          </a:fillRef>
+          <a:effectRef idx="1">
+            <a:schemeClr val="dk1"/>
+          </a:effectRef>
+          <a:fontRef idx="minor">
+            <a:schemeClr val="dk1"/>
+          </a:fontRef>
+        </p:style>
+        <p:txBody>
+          <a:bodyPr rtlCol="0" anchor="ctr"/>
+          <a:lstStyle/>
+          <a:p>
+            <a:pPr algn="ctr"/>
+            <a:endParaRPr lang="en-US"/>
+          </a:p>
+        </p:txBody>
+      </p:sp>
+      <p:sp>
+        <p:nvSpPr>
+          <p:cNvPr id="16" name="Smiley Face 15"/>
+          <p:cNvSpPr/>
+          <p:nvPr/>
+        </p:nvSpPr>
+        <p:spPr>
+          <a:xfrm>
+            <a:off x="6733592" y="4101582"/>
+            <a:ext cx="304800" cy="304800"/>
+          </a:xfrm>
+          <a:prstGeom prst="smileyFace">
+            <a:avLst/>
+          </a:prstGeom>
+          <a:ln>
+            <a:headEnd type="none" w="med" len="med"/>
+            <a:tailEnd type="none" w="med" len="med"/>
+          </a:ln>
+        </p:spPr>
+        <p:style>
+          <a:lnRef idx="1">
+            <a:schemeClr val="dk1"/>
+          </a:lnRef>
+          <a:fillRef idx="2">
+            <a:schemeClr val="dk1"/>
+          </a:fillRef>
+          <a:effectRef idx="1">
+            <a:schemeClr val="dk1"/>
+          </a:effectRef>
+          <a:fontRef idx="minor">
+            <a:schemeClr val="dk1"/>
+          </a:fontRef>
+        </p:style>
+        <p:txBody>
+          <a:bodyPr rtlCol="0" anchor="ctr"/>
+          <a:lstStyle/>
+          <a:p>
+            <a:pPr algn="ctr"/>
+            <a:endParaRPr lang="en-US"/>
+          </a:p>
+        </p:txBody>
+      </p:sp>
+      <p:sp>
+        <p:nvSpPr>
+          <p:cNvPr id="17" name="Smiley Face 16"/>
+          <p:cNvSpPr/>
+          <p:nvPr/>
+        </p:nvSpPr>
+        <p:spPr>
+          <a:xfrm>
+            <a:off x="6290388" y="4101582"/>
+            <a:ext cx="304800" cy="304800"/>
+          </a:xfrm>
+          <a:prstGeom prst="smileyFace">
+            <a:avLst/>
+          </a:prstGeom>
+          <a:ln>
+            <a:headEnd type="none" w="med" len="med"/>
+            <a:tailEnd type="none" w="med" len="med"/>
+          </a:ln>
+        </p:spPr>
+        <p:style>
+          <a:lnRef idx="1">
+            <a:schemeClr val="dk1"/>
+          </a:lnRef>
+          <a:fillRef idx="2">
+            <a:schemeClr val="dk1"/>
+          </a:fillRef>
+          <a:effectRef idx="1">
+            <a:schemeClr val="dk1"/>
+          </a:effectRef>
+          <a:fontRef idx="minor">
+            <a:schemeClr val="dk1"/>
+          </a:fontRef>
+        </p:style>
+        <p:txBody>
+          <a:bodyPr rtlCol="0" anchor="ctr"/>
+          <a:lstStyle/>
+          <a:p>
+            <a:pPr algn="ctr"/>
+            <a:endParaRPr lang="en-US"/>
+          </a:p>
+        </p:txBody>
+      </p:sp>
+      <p:sp>
+        <p:nvSpPr>
+          <p:cNvPr id="19" name="Smiley Face 18"/>
+          <p:cNvSpPr/>
+          <p:nvPr/>
+        </p:nvSpPr>
+        <p:spPr>
+          <a:xfrm>
+            <a:off x="5763986" y="4101582"/>
+            <a:ext cx="304800" cy="304800"/>
+          </a:xfrm>
+          <a:prstGeom prst="smileyFace">
+            <a:avLst/>
+          </a:prstGeom>
+          <a:ln>
+            <a:headEnd type="none" w="med" len="med"/>
+            <a:tailEnd type="none" w="med" len="med"/>
+          </a:ln>
+        </p:spPr>
+        <p:style>
+          <a:lnRef idx="1">
+            <a:schemeClr val="dk1"/>
+          </a:lnRef>
+          <a:fillRef idx="2">
+            <a:schemeClr val="dk1"/>
+          </a:fillRef>
+          <a:effectRef idx="1">
+            <a:schemeClr val="dk1"/>
+          </a:effectRef>
+          <a:fontRef idx="minor">
+            <a:schemeClr val="dk1"/>
+          </a:fontRef>
+        </p:style>
+        <p:txBody>
+          <a:bodyPr rtlCol="0" anchor="ctr"/>
+          <a:lstStyle/>
+          <a:p>
+            <a:pPr algn="ctr"/>
+            <a:endParaRPr lang="en-US"/>
+          </a:p>
+        </p:txBody>
+      </p:sp>
+      <p:sp>
+        <p:nvSpPr>
+          <p:cNvPr id="20" name="Smiley Face 19"/>
+          <p:cNvSpPr/>
+          <p:nvPr/>
+        </p:nvSpPr>
+        <p:spPr>
+          <a:xfrm>
+            <a:off x="8077200" y="4912567"/>
+            <a:ext cx="304800" cy="304800"/>
+          </a:xfrm>
+          <a:prstGeom prst="smileyFace">
+            <a:avLst/>
+          </a:prstGeom>
+          <a:ln>
+            <a:headEnd type="none" w="med" len="med"/>
+            <a:tailEnd type="none" w="med" len="med"/>
+          </a:ln>
+        </p:spPr>
+        <p:style>
+          <a:lnRef idx="1">
+            <a:schemeClr val="dk1"/>
+          </a:lnRef>
+          <a:fillRef idx="2">
+            <a:schemeClr val="dk1"/>
+          </a:fillRef>
+          <a:effectRef idx="1">
+            <a:schemeClr val="dk1"/>
+          </a:effectRef>
+          <a:fontRef idx="minor">
+            <a:schemeClr val="dk1"/>
+          </a:fontRef>
+        </p:style>
+        <p:txBody>
+          <a:bodyPr rtlCol="0" anchor="ctr"/>
+          <a:lstStyle/>
+          <a:p>
+            <a:pPr algn="ctr"/>
+            <a:endParaRPr lang="en-US"/>
+          </a:p>
+        </p:txBody>
+      </p:sp>
+      <p:sp>
+        <p:nvSpPr>
+          <p:cNvPr id="21" name="Smiley Face 20"/>
+          <p:cNvSpPr/>
+          <p:nvPr/>
+        </p:nvSpPr>
+        <p:spPr>
+          <a:xfrm>
+            <a:off x="7633996" y="4912567"/>
+            <a:ext cx="304800" cy="304800"/>
+          </a:xfrm>
+          <a:prstGeom prst="smileyFace">
+            <a:avLst/>
+          </a:prstGeom>
+          <a:ln>
+            <a:headEnd type="none" w="med" len="med"/>
+            <a:tailEnd type="none" w="med" len="med"/>
+          </a:ln>
+        </p:spPr>
+        <p:style>
+          <a:lnRef idx="1">
+            <a:schemeClr val="dk1"/>
+          </a:lnRef>
+          <a:fillRef idx="2">
+            <a:schemeClr val="dk1"/>
+          </a:fillRef>
+          <a:effectRef idx="1">
+            <a:schemeClr val="dk1"/>
+          </a:effectRef>
+          <a:fontRef idx="minor">
+            <a:schemeClr val="dk1"/>
+          </a:fontRef>
+        </p:style>
+        <p:txBody>
+          <a:bodyPr rtlCol="0" anchor="ctr"/>
+          <a:lstStyle/>
+          <a:p>
+            <a:pPr algn="ctr"/>
+            <a:endParaRPr lang="en-US"/>
+          </a:p>
+        </p:txBody>
+      </p:sp>
+      <p:sp>
+        <p:nvSpPr>
+          <p:cNvPr id="22" name="Smiley Face 21"/>
+          <p:cNvSpPr/>
+          <p:nvPr/>
+        </p:nvSpPr>
+        <p:spPr>
+          <a:xfrm>
+            <a:off x="7190792" y="4925008"/>
+            <a:ext cx="304800" cy="304800"/>
+          </a:xfrm>
+          <a:prstGeom prst="smileyFace">
+            <a:avLst/>
+          </a:prstGeom>
+          <a:ln>
+            <a:headEnd type="none" w="med" len="med"/>
+            <a:tailEnd type="none" w="med" len="med"/>
+          </a:ln>
+        </p:spPr>
+        <p:style>
+          <a:lnRef idx="1">
+            <a:schemeClr val="dk1"/>
+          </a:lnRef>
+          <a:fillRef idx="2">
+            <a:schemeClr val="dk1"/>
+          </a:fillRef>
+          <a:effectRef idx="1">
+            <a:schemeClr val="dk1"/>
+          </a:effectRef>
+          <a:fontRef idx="minor">
+            <a:schemeClr val="dk1"/>
+          </a:fontRef>
+        </p:style>
+        <p:txBody>
+          <a:bodyPr rtlCol="0" anchor="ctr"/>
+          <a:lstStyle/>
+          <a:p>
+            <a:pPr algn="ctr"/>
+            <a:endParaRPr lang="en-US"/>
+          </a:p>
+        </p:txBody>
+      </p:sp>
+      <p:sp>
+        <p:nvSpPr>
+          <p:cNvPr id="26" name="Smiley Face 25"/>
+          <p:cNvSpPr/>
+          <p:nvPr/>
+        </p:nvSpPr>
+        <p:spPr>
+          <a:xfrm>
+            <a:off x="2231571" y="6165980"/>
+            <a:ext cx="304800" cy="304800"/>
+          </a:xfrm>
+          <a:prstGeom prst="smileyFace">
+            <a:avLst/>
+          </a:prstGeom>
+          <a:ln>
+            <a:headEnd type="none" w="med" len="med"/>
+            <a:tailEnd type="none" w="med" len="med"/>
+          </a:ln>
+        </p:spPr>
+        <p:style>
+          <a:lnRef idx="1">
+            <a:schemeClr val="dk1"/>
+          </a:lnRef>
+          <a:fillRef idx="2">
+            <a:schemeClr val="dk1"/>
+          </a:fillRef>
+          <a:effectRef idx="1">
+            <a:schemeClr val="dk1"/>
+          </a:effectRef>
+          <a:fontRef idx="minor">
+            <a:schemeClr val="dk1"/>
+          </a:fontRef>
+        </p:style>
+        <p:txBody>
+          <a:bodyPr rtlCol="0" anchor="ctr"/>
+          <a:lstStyle/>
+          <a:p>
+            <a:pPr algn="ctr"/>
+            <a:endParaRPr lang="en-US"/>
+          </a:p>
+        </p:txBody>
+      </p:sp>
+      <p:sp>
+        <p:nvSpPr>
+          <p:cNvPr id="27" name="Smiley Face 26"/>
+          <p:cNvSpPr/>
+          <p:nvPr/>
+        </p:nvSpPr>
+        <p:spPr>
+          <a:xfrm>
+            <a:off x="4991100" y="6186196"/>
+            <a:ext cx="304800" cy="304800"/>
+          </a:xfrm>
+          <a:prstGeom prst="smileyFace">
+            <a:avLst/>
+          </a:prstGeom>
+          <a:ln>
+            <a:headEnd type="none" w="med" len="med"/>
+            <a:tailEnd type="none" w="med" len="med"/>
+          </a:ln>
+        </p:spPr>
+        <p:style>
+          <a:lnRef idx="1">
+            <a:schemeClr val="dk1"/>
+          </a:lnRef>
+          <a:fillRef idx="2">
+            <a:schemeClr val="dk1"/>
+          </a:fillRef>
+          <a:effectRef idx="1">
+            <a:schemeClr val="dk1"/>
+          </a:effectRef>
+          <a:fontRef idx="minor">
+            <a:schemeClr val="dk1"/>
+          </a:fontRef>
+        </p:style>
+        <p:txBody>
+          <a:bodyPr rtlCol="0" anchor="ctr"/>
+          <a:lstStyle/>
+          <a:p>
+            <a:pPr algn="ctr"/>
+            <a:endParaRPr lang="en-US"/>
+          </a:p>
+        </p:txBody>
+      </p:sp>
+      <p:sp>
+        <p:nvSpPr>
+          <p:cNvPr id="28" name="Smiley Face 27"/>
+          <p:cNvSpPr/>
+          <p:nvPr/>
+        </p:nvSpPr>
+        <p:spPr>
+          <a:xfrm>
+            <a:off x="7964455" y="6165980"/>
+            <a:ext cx="304800" cy="304800"/>
+          </a:xfrm>
+          <a:prstGeom prst="smileyFace">
+            <a:avLst/>
+          </a:prstGeom>
+          <a:ln>
+            <a:headEnd type="none" w="med" len="med"/>
+            <a:tailEnd type="none" w="med" len="med"/>
+          </a:ln>
+        </p:spPr>
+        <p:style>
+          <a:lnRef idx="1">
+            <a:schemeClr val="dk1"/>
+          </a:lnRef>
+          <a:fillRef idx="2">
+            <a:schemeClr val="dk1"/>
+          </a:fillRef>
+          <a:effectRef idx="1">
+            <a:schemeClr val="dk1"/>
+          </a:effectRef>
+          <a:fontRef idx="minor">
+            <a:schemeClr val="dk1"/>
+          </a:fontRef>
+        </p:style>
+        <p:txBody>
+          <a:bodyPr rtlCol="0" anchor="ctr"/>
+          <a:lstStyle/>
+          <a:p>
+            <a:pPr algn="ctr"/>
+            <a:endParaRPr lang="en-US"/>
+          </a:p>
+        </p:txBody>
+      </p:sp>
+    </p:spTree>
+    <p:extLst>
+      <p:ext uri="{BB962C8B-B14F-4D97-AF65-F5344CB8AC3E}">
+        <p14:creationId xmlns:p14="http://schemas.microsoft.com/office/powerpoint/2010/main" val="496628988"/>
+      </p:ext>
+    </p:extLst>
+  </p:cSld>
+  <p:clrMapOvr>
+    <a:masterClrMapping/>
+  </p:clrMapOvr>
+  <p:timing>
+    <p:tnLst>
+      <p:par>
+        <p:cTn id="1" dur="indefinite" restart="never" nodeType="tmRoot"/>
+      </p:par>
+    </p:tnLst>
+  </p:timing>
+</p:sld>
+</file>
+
+<file path=ppt/slides/slide7.xml><?xml version="1.0" encoding="utf-8"?>
+<p:sld xmlns:a="http://schemas.openxmlformats.org/drawingml/2006/main" xmlns:r="http://schemas.openxmlformats.org/officeDocument/2006/relationships" xmlns:p="http://schemas.openxmlformats.org/presentationml/2006/main">
+  <p:cSld>
+    <p:spTree>
+      <p:nvGrpSpPr>
+        <p:cNvPr id="1" name=""/>
+        <p:cNvGrpSpPr/>
+        <p:nvPr/>
+      </p:nvGrpSpPr>
+      <p:grpSpPr>
+        <a:xfrm>
+          <a:off x="0" y="0"/>
+          <a:ext cx="0" cy="0"/>
+          <a:chOff x="0" y="0"/>
+          <a:chExt cx="0" cy="0"/>
+        </a:xfrm>
+      </p:grpSpPr>
+      <p:sp>
+        <p:nvSpPr>
+          <p:cNvPr id="10" name="Can 9"/>
+          <p:cNvSpPr/>
+          <p:nvPr/>
+        </p:nvSpPr>
+        <p:spPr>
+          <a:xfrm>
+            <a:off x="7086600" y="5480180"/>
+            <a:ext cx="990600" cy="990600"/>
+          </a:xfrm>
+          <a:prstGeom prst="can">
+            <a:avLst/>
+          </a:prstGeom>
+        </p:spPr>
+        <p:style>
+          <a:lnRef idx="0">
+            <a:schemeClr val="accent2"/>
+          </a:lnRef>
+          <a:fillRef idx="3">
+            <a:schemeClr val="accent2"/>
+          </a:fillRef>
+          <a:effectRef idx="3">
+            <a:schemeClr val="accent2"/>
+          </a:effectRef>
+          <a:fontRef idx="minor">
+            <a:schemeClr val="lt1"/>
+          </a:fontRef>
+        </p:style>
+        <p:txBody>
+          <a:bodyPr rtlCol="0" anchor="ctr"/>
+          <a:lstStyle/>
+          <a:p>
+            <a:pPr algn="ctr"/>
+            <a:r>
+              <a:rPr lang="en-US" dirty="0" smtClean="0"/>
+              <a:t>Data Source</a:t>
+            </a:r>
+            <a:endParaRPr lang="en-US" dirty="0"/>
+          </a:p>
+        </p:txBody>
+      </p:sp>
+      <p:sp>
+        <p:nvSpPr>
+          <p:cNvPr id="6" name="Rectangle 5"/>
+          <p:cNvSpPr/>
+          <p:nvPr/>
+        </p:nvSpPr>
+        <p:spPr>
+          <a:xfrm>
+            <a:off x="762000" y="2286000"/>
+            <a:ext cx="7772400" cy="762000"/>
+          </a:xfrm>
+          <a:prstGeom prst="rect">
+            <a:avLst/>
+          </a:prstGeom>
+        </p:spPr>
+        <p:style>
+          <a:lnRef idx="2">
+            <a:schemeClr val="accent3">
+              <a:shade val="50000"/>
+            </a:schemeClr>
+          </a:lnRef>
+          <a:fillRef idx="1">
+            <a:schemeClr val="accent3"/>
+          </a:fillRef>
+          <a:effectRef idx="0">
+            <a:schemeClr val="accent3"/>
+          </a:effectRef>
+          <a:fontRef idx="minor">
+            <a:schemeClr val="lt1"/>
+          </a:fontRef>
+        </p:style>
+        <p:txBody>
+          <a:bodyPr rtlCol="0" anchor="ctr"/>
+          <a:lstStyle/>
+          <a:p>
+            <a:pPr algn="ctr"/>
+            <a:r>
+              <a:rPr lang="en-US" dirty="0" smtClean="0"/>
+              <a:t>User Interface Layer</a:t>
+            </a:r>
+            <a:endParaRPr lang="en-US" dirty="0"/>
+          </a:p>
+        </p:txBody>
+      </p:sp>
+      <p:sp>
+        <p:nvSpPr>
+          <p:cNvPr id="5" name="Rectangle 4"/>
+          <p:cNvSpPr/>
+          <p:nvPr/>
+        </p:nvSpPr>
+        <p:spPr>
+          <a:xfrm>
+            <a:off x="762000" y="3124200"/>
+            <a:ext cx="7772400" cy="1371600"/>
+          </a:xfrm>
+          <a:prstGeom prst="rect">
+            <a:avLst/>
+          </a:prstGeom>
+        </p:spPr>
+        <p:style>
+          <a:lnRef idx="2">
+            <a:schemeClr val="accent2">
+              <a:shade val="50000"/>
+            </a:schemeClr>
+          </a:lnRef>
+          <a:fillRef idx="1">
+            <a:schemeClr val="accent2"/>
+          </a:fillRef>
+          <a:effectRef idx="0">
+            <a:schemeClr val="accent2"/>
+          </a:effectRef>
+          <a:fontRef idx="minor">
+            <a:schemeClr val="lt1"/>
+          </a:fontRef>
+        </p:style>
+        <p:txBody>
+          <a:bodyPr rtlCol="0" anchor="ctr"/>
+          <a:lstStyle/>
+          <a:p>
+            <a:pPr algn="ctr"/>
+            <a:r>
+              <a:rPr lang="en-US" dirty="0" smtClean="0"/>
+              <a:t>Business Logic Layer</a:t>
+            </a:r>
+            <a:endParaRPr lang="en-US" dirty="0"/>
+          </a:p>
+        </p:txBody>
+      </p:sp>
+      <p:sp>
+        <p:nvSpPr>
+          <p:cNvPr id="4" name="Rectangle 3"/>
+          <p:cNvSpPr/>
+          <p:nvPr/>
+        </p:nvSpPr>
+        <p:spPr>
+          <a:xfrm>
+            <a:off x="762000" y="4572000"/>
+            <a:ext cx="7772400" cy="762000"/>
+          </a:xfrm>
+          <a:prstGeom prst="rect">
+            <a:avLst/>
+          </a:prstGeom>
+        </p:spPr>
+        <p:style>
+          <a:lnRef idx="2">
+            <a:schemeClr val="accent1">
+              <a:shade val="50000"/>
+            </a:schemeClr>
+          </a:lnRef>
+          <a:fillRef idx="1">
+            <a:schemeClr val="accent1"/>
+          </a:fillRef>
+          <a:effectRef idx="0">
+            <a:schemeClr val="accent1"/>
+          </a:effectRef>
+          <a:fontRef idx="minor">
+            <a:schemeClr val="lt1"/>
+          </a:fontRef>
+        </p:style>
+        <p:txBody>
+          <a:bodyPr rtlCol="0" anchor="ctr"/>
+          <a:lstStyle/>
+          <a:p>
+            <a:pPr algn="ctr"/>
+            <a:r>
+              <a:rPr lang="en-US" dirty="0" smtClean="0"/>
+              <a:t>Data Access Layer</a:t>
+            </a:r>
+            <a:endParaRPr lang="en-US" dirty="0"/>
+          </a:p>
+        </p:txBody>
+      </p:sp>
+      <p:sp>
+        <p:nvSpPr>
+          <p:cNvPr id="25" name="Rounded Rectangle 24"/>
+          <p:cNvSpPr/>
+          <p:nvPr/>
+        </p:nvSpPr>
+        <p:spPr>
+          <a:xfrm>
+            <a:off x="6237516" y="2514600"/>
+            <a:ext cx="2055844" cy="4114800"/>
+          </a:xfrm>
+          <a:prstGeom prst="roundRect">
+            <a:avLst/>
+          </a:prstGeom>
+          <a:solidFill>
+            <a:schemeClr val="dk1">
+              <a:alpha val="50000"/>
+            </a:schemeClr>
+          </a:solidFill>
+          <a:ln>
+            <a:noFill/>
+          </a:ln>
+        </p:spPr>
+        <p:style>
+          <a:lnRef idx="0">
+            <a:scrgbClr r="0" g="0" b="0"/>
+          </a:lnRef>
+          <a:fillRef idx="0">
+            <a:scrgbClr r="0" g="0" b="0"/>
+          </a:fillRef>
+          <a:effectRef idx="0">
+            <a:scrgbClr r="0" g="0" b="0"/>
+          </a:effectRef>
+          <a:fontRef idx="minor">
+            <a:schemeClr val="lt1"/>
+          </a:fontRef>
+        </p:style>
+        <p:txBody>
+          <a:bodyPr rtlCol="0" anchor="ctr"/>
+          <a:lstStyle/>
+          <a:p>
+            <a:pPr algn="ctr"/>
+            <a:endParaRPr lang="en-US"/>
+          </a:p>
+        </p:txBody>
+      </p:sp>
+      <p:sp>
+        <p:nvSpPr>
+          <p:cNvPr id="7" name="Can 6"/>
+          <p:cNvSpPr/>
+          <p:nvPr/>
+        </p:nvSpPr>
+        <p:spPr>
+          <a:xfrm>
+            <a:off x="4152900" y="5480180"/>
+            <a:ext cx="990600" cy="990600"/>
+          </a:xfrm>
+          <a:prstGeom prst="can">
+            <a:avLst/>
+          </a:prstGeom>
+        </p:spPr>
+        <p:style>
+          <a:lnRef idx="0">
+            <a:schemeClr val="accent2"/>
+          </a:lnRef>
+          <a:fillRef idx="3">
+            <a:schemeClr val="accent2"/>
+          </a:fillRef>
+          <a:effectRef idx="3">
+            <a:schemeClr val="accent2"/>
+          </a:effectRef>
+          <a:fontRef idx="minor">
+            <a:schemeClr val="lt1"/>
+          </a:fontRef>
+        </p:style>
+        <p:txBody>
+          <a:bodyPr rtlCol="0" anchor="ctr"/>
+          <a:lstStyle/>
+          <a:p>
+            <a:pPr algn="ctr"/>
+            <a:r>
+              <a:rPr lang="en-US" dirty="0" smtClean="0"/>
+              <a:t>Data Source</a:t>
+            </a:r>
+            <a:endParaRPr lang="en-US" dirty="0"/>
+          </a:p>
+        </p:txBody>
+      </p:sp>
+      <p:sp>
+        <p:nvSpPr>
+          <p:cNvPr id="23" name="Rounded Rectangle 22"/>
+          <p:cNvSpPr/>
+          <p:nvPr/>
+        </p:nvSpPr>
+        <p:spPr>
+          <a:xfrm>
+            <a:off x="2806962" y="3124200"/>
+            <a:ext cx="2679438" cy="3505200"/>
+          </a:xfrm>
+          <a:prstGeom prst="roundRect">
+            <a:avLst/>
+          </a:prstGeom>
+          <a:solidFill>
+            <a:schemeClr val="dk1">
+              <a:alpha val="50000"/>
+            </a:schemeClr>
+          </a:solidFill>
+          <a:ln>
+            <a:noFill/>
+          </a:ln>
+        </p:spPr>
+        <p:style>
+          <a:lnRef idx="0">
+            <a:scrgbClr r="0" g="0" b="0"/>
+          </a:lnRef>
+          <a:fillRef idx="0">
+            <a:scrgbClr r="0" g="0" b="0"/>
+          </a:fillRef>
+          <a:effectRef idx="0">
+            <a:scrgbClr r="0" g="0" b="0"/>
+          </a:effectRef>
+          <a:fontRef idx="minor">
+            <a:schemeClr val="lt1"/>
+          </a:fontRef>
+        </p:style>
+        <p:txBody>
+          <a:bodyPr rtlCol="0" anchor="ctr"/>
+          <a:lstStyle/>
+          <a:p>
+            <a:pPr algn="ctr"/>
+            <a:endParaRPr lang="en-US"/>
+          </a:p>
+        </p:txBody>
+      </p:sp>
+      <p:sp>
+        <p:nvSpPr>
+          <p:cNvPr id="8" name="Can 7"/>
+          <p:cNvSpPr/>
+          <p:nvPr/>
+        </p:nvSpPr>
+        <p:spPr>
+          <a:xfrm>
+            <a:off x="1371600" y="5486400"/>
+            <a:ext cx="990600" cy="990600"/>
+          </a:xfrm>
+          <a:prstGeom prst="can">
+            <a:avLst/>
+          </a:prstGeom>
+        </p:spPr>
+        <p:style>
+          <a:lnRef idx="0">
+            <a:schemeClr val="accent2"/>
+          </a:lnRef>
+          <a:fillRef idx="3">
+            <a:schemeClr val="accent2"/>
+          </a:fillRef>
+          <a:effectRef idx="3">
+            <a:schemeClr val="accent2"/>
+          </a:effectRef>
+          <a:fontRef idx="minor">
+            <a:schemeClr val="lt1"/>
+          </a:fontRef>
+        </p:style>
+        <p:txBody>
+          <a:bodyPr rtlCol="0" anchor="ctr"/>
+          <a:lstStyle/>
+          <a:p>
+            <a:pPr algn="ctr"/>
+            <a:r>
+              <a:rPr lang="en-US" dirty="0" smtClean="0"/>
+              <a:t>Data Source</a:t>
+            </a:r>
+            <a:endParaRPr lang="en-US" dirty="0"/>
+          </a:p>
+        </p:txBody>
+      </p:sp>
+      <p:sp>
+        <p:nvSpPr>
+          <p:cNvPr id="2" name="Rounded Rectangle 1"/>
+          <p:cNvSpPr/>
+          <p:nvPr/>
+        </p:nvSpPr>
+        <p:spPr>
+          <a:xfrm>
+            <a:off x="1066800" y="2514600"/>
+            <a:ext cx="1676400" cy="4114800"/>
+          </a:xfrm>
+          <a:prstGeom prst="roundRect">
+            <a:avLst/>
+          </a:prstGeom>
+          <a:solidFill>
+            <a:schemeClr val="dk1">
+              <a:alpha val="50000"/>
+            </a:schemeClr>
+          </a:solidFill>
+          <a:ln>
+            <a:noFill/>
+          </a:ln>
+        </p:spPr>
+        <p:style>
+          <a:lnRef idx="0">
+            <a:scrgbClr r="0" g="0" b="0"/>
+          </a:lnRef>
+          <a:fillRef idx="0">
+            <a:scrgbClr r="0" g="0" b="0"/>
+          </a:fillRef>
+          <a:effectRef idx="0">
+            <a:scrgbClr r="0" g="0" b="0"/>
+          </a:effectRef>
+          <a:fontRef idx="minor">
+            <a:schemeClr val="lt1"/>
+          </a:fontRef>
+        </p:style>
+        <p:txBody>
+          <a:bodyPr rtlCol="0" anchor="ctr"/>
+          <a:lstStyle/>
+          <a:p>
+            <a:pPr algn="ctr"/>
+            <a:endParaRPr lang="en-US"/>
+          </a:p>
+        </p:txBody>
+      </p:sp>
+      <p:sp>
+        <p:nvSpPr>
+          <p:cNvPr id="11" name="Smiley Face 10"/>
+          <p:cNvSpPr/>
+          <p:nvPr/>
+        </p:nvSpPr>
+        <p:spPr>
+          <a:xfrm>
+            <a:off x="7797282" y="2628900"/>
+            <a:ext cx="304800" cy="304800"/>
+          </a:xfrm>
+          <a:prstGeom prst="smileyFace">
+            <a:avLst/>
+          </a:prstGeom>
+          <a:ln>
+            <a:headEnd type="none" w="med" len="med"/>
+            <a:tailEnd type="none" w="med" len="med"/>
+          </a:ln>
+        </p:spPr>
+        <p:style>
+          <a:lnRef idx="1">
+            <a:schemeClr val="dk1"/>
+          </a:lnRef>
+          <a:fillRef idx="2">
+            <a:schemeClr val="dk1"/>
+          </a:fillRef>
+          <a:effectRef idx="1">
+            <a:schemeClr val="dk1"/>
+          </a:effectRef>
+          <a:fontRef idx="minor">
+            <a:schemeClr val="dk1"/>
+          </a:fontRef>
+        </p:style>
+        <p:txBody>
+          <a:bodyPr rtlCol="0" anchor="ctr"/>
+          <a:lstStyle/>
+          <a:p>
+            <a:pPr algn="ctr"/>
+            <a:endParaRPr lang="en-US"/>
+          </a:p>
+        </p:txBody>
+      </p:sp>
+      <p:sp>
+        <p:nvSpPr>
+          <p:cNvPr id="12" name="Smiley Face 11"/>
+          <p:cNvSpPr/>
+          <p:nvPr/>
+        </p:nvSpPr>
+        <p:spPr>
+          <a:xfrm>
+            <a:off x="2217575" y="2644452"/>
+            <a:ext cx="304800" cy="304800"/>
+          </a:xfrm>
+          <a:prstGeom prst="smileyFace">
+            <a:avLst/>
+          </a:prstGeom>
+          <a:ln>
+            <a:headEnd type="none" w="med" len="med"/>
+            <a:tailEnd type="none" w="med" len="med"/>
+          </a:ln>
+        </p:spPr>
+        <p:style>
+          <a:lnRef idx="1">
+            <a:schemeClr val="dk1"/>
+          </a:lnRef>
+          <a:fillRef idx="2">
+            <a:schemeClr val="dk1"/>
+          </a:fillRef>
+          <a:effectRef idx="1">
+            <a:schemeClr val="dk1"/>
+          </a:effectRef>
+          <a:fontRef idx="minor">
+            <a:schemeClr val="dk1"/>
+          </a:fontRef>
+        </p:style>
+        <p:txBody>
+          <a:bodyPr rtlCol="0" anchor="ctr"/>
+          <a:lstStyle/>
+          <a:p>
+            <a:pPr algn="ctr"/>
+            <a:endParaRPr lang="en-US"/>
+          </a:p>
+        </p:txBody>
+      </p:sp>
+      <p:sp>
+        <p:nvSpPr>
+          <p:cNvPr id="13" name="Smiley Face 12"/>
+          <p:cNvSpPr/>
+          <p:nvPr/>
+        </p:nvSpPr>
+        <p:spPr>
+          <a:xfrm>
+            <a:off x="7822942" y="4089918"/>
+            <a:ext cx="304800" cy="304800"/>
+          </a:xfrm>
+          <a:prstGeom prst="smileyFace">
+            <a:avLst/>
+          </a:prstGeom>
+          <a:ln>
+            <a:headEnd type="none" w="med" len="med"/>
+            <a:tailEnd type="none" w="med" len="med"/>
+          </a:ln>
+        </p:spPr>
+        <p:style>
+          <a:lnRef idx="1">
+            <a:schemeClr val="dk1"/>
+          </a:lnRef>
+          <a:fillRef idx="2">
+            <a:schemeClr val="dk1"/>
+          </a:fillRef>
+          <a:effectRef idx="1">
+            <a:schemeClr val="dk1"/>
+          </a:effectRef>
+          <a:fontRef idx="minor">
+            <a:schemeClr val="dk1"/>
+          </a:fontRef>
+        </p:style>
+        <p:txBody>
+          <a:bodyPr rtlCol="0" anchor="ctr"/>
+          <a:lstStyle/>
+          <a:p>
+            <a:pPr algn="ctr"/>
+            <a:endParaRPr lang="en-US"/>
+          </a:p>
+        </p:txBody>
+      </p:sp>
+      <p:sp>
+        <p:nvSpPr>
+          <p:cNvPr id="14" name="Smiley Face 13"/>
+          <p:cNvSpPr/>
+          <p:nvPr/>
+        </p:nvSpPr>
+        <p:spPr>
+          <a:xfrm>
+            <a:off x="5015982" y="4089918"/>
+            <a:ext cx="304800" cy="304800"/>
+          </a:xfrm>
+          <a:prstGeom prst="smileyFace">
+            <a:avLst/>
+          </a:prstGeom>
+          <a:ln>
+            <a:headEnd type="none" w="med" len="med"/>
+            <a:tailEnd type="none" w="med" len="med"/>
+          </a:ln>
+        </p:spPr>
+        <p:style>
+          <a:lnRef idx="1">
+            <a:schemeClr val="dk1"/>
+          </a:lnRef>
+          <a:fillRef idx="2">
+            <a:schemeClr val="dk1"/>
+          </a:fillRef>
+          <a:effectRef idx="1">
+            <a:schemeClr val="dk1"/>
+          </a:effectRef>
+          <a:fontRef idx="minor">
+            <a:schemeClr val="dk1"/>
+          </a:fontRef>
+        </p:style>
+        <p:txBody>
+          <a:bodyPr rtlCol="0" anchor="ctr"/>
+          <a:lstStyle/>
+          <a:p>
+            <a:pPr algn="ctr"/>
+            <a:endParaRPr lang="en-US"/>
+          </a:p>
+        </p:txBody>
+      </p:sp>
+      <p:sp>
+        <p:nvSpPr>
+          <p:cNvPr id="15" name="Smiley Face 14"/>
+          <p:cNvSpPr/>
+          <p:nvPr/>
+        </p:nvSpPr>
+        <p:spPr>
+          <a:xfrm>
+            <a:off x="4572778" y="4102359"/>
+            <a:ext cx="304800" cy="304800"/>
+          </a:xfrm>
+          <a:prstGeom prst="smileyFace">
+            <a:avLst/>
+          </a:prstGeom>
+          <a:ln>
+            <a:headEnd type="none" w="med" len="med"/>
+            <a:tailEnd type="none" w="med" len="med"/>
+          </a:ln>
+        </p:spPr>
+        <p:style>
+          <a:lnRef idx="1">
+            <a:schemeClr val="dk1"/>
+          </a:lnRef>
+          <a:fillRef idx="2">
+            <a:schemeClr val="dk1"/>
+          </a:fillRef>
+          <a:effectRef idx="1">
+            <a:schemeClr val="dk1"/>
+          </a:effectRef>
+          <a:fontRef idx="minor">
+            <a:schemeClr val="dk1"/>
+          </a:fontRef>
+        </p:style>
+        <p:txBody>
+          <a:bodyPr rtlCol="0" anchor="ctr"/>
+          <a:lstStyle/>
+          <a:p>
+            <a:pPr algn="ctr"/>
+            <a:endParaRPr lang="en-US"/>
+          </a:p>
+        </p:txBody>
+      </p:sp>
+      <p:sp>
+        <p:nvSpPr>
+          <p:cNvPr id="16" name="Smiley Face 15"/>
+          <p:cNvSpPr/>
+          <p:nvPr/>
+        </p:nvSpPr>
+        <p:spPr>
+          <a:xfrm>
+            <a:off x="4115578" y="4114800"/>
+            <a:ext cx="304800" cy="304800"/>
+          </a:xfrm>
+          <a:prstGeom prst="smileyFace">
+            <a:avLst/>
+          </a:prstGeom>
+          <a:ln>
+            <a:headEnd type="none" w="med" len="med"/>
+            <a:tailEnd type="none" w="med" len="med"/>
+          </a:ln>
+        </p:spPr>
+        <p:style>
+          <a:lnRef idx="1">
+            <a:schemeClr val="dk1"/>
+          </a:lnRef>
+          <a:fillRef idx="2">
+            <a:schemeClr val="dk1"/>
+          </a:fillRef>
+          <a:effectRef idx="1">
+            <a:schemeClr val="dk1"/>
+          </a:effectRef>
+          <a:fontRef idx="minor">
+            <a:schemeClr val="dk1"/>
+          </a:fontRef>
+        </p:style>
+        <p:txBody>
+          <a:bodyPr rtlCol="0" anchor="ctr"/>
+          <a:lstStyle/>
+          <a:p>
+            <a:pPr algn="ctr"/>
+            <a:endParaRPr lang="en-US"/>
+          </a:p>
+        </p:txBody>
+      </p:sp>
+      <p:sp>
+        <p:nvSpPr>
+          <p:cNvPr id="17" name="Smiley Face 16"/>
+          <p:cNvSpPr/>
+          <p:nvPr/>
+        </p:nvSpPr>
+        <p:spPr>
+          <a:xfrm>
+            <a:off x="2253343" y="4101582"/>
+            <a:ext cx="304800" cy="304800"/>
+          </a:xfrm>
+          <a:prstGeom prst="smileyFace">
+            <a:avLst/>
+          </a:prstGeom>
+          <a:ln>
+            <a:headEnd type="none" w="med" len="med"/>
+            <a:tailEnd type="none" w="med" len="med"/>
+          </a:ln>
+        </p:spPr>
+        <p:style>
+          <a:lnRef idx="1">
+            <a:schemeClr val="dk1"/>
+          </a:lnRef>
+          <a:fillRef idx="2">
+            <a:schemeClr val="dk1"/>
+          </a:fillRef>
+          <a:effectRef idx="1">
+            <a:schemeClr val="dk1"/>
+          </a:effectRef>
+          <a:fontRef idx="minor">
+            <a:schemeClr val="dk1"/>
+          </a:fontRef>
+        </p:style>
+        <p:txBody>
+          <a:bodyPr rtlCol="0" anchor="ctr"/>
+          <a:lstStyle/>
+          <a:p>
+            <a:pPr algn="ctr"/>
+            <a:endParaRPr lang="en-US"/>
+          </a:p>
+        </p:txBody>
+      </p:sp>
+      <p:sp>
+        <p:nvSpPr>
+          <p:cNvPr id="19" name="Smiley Face 18"/>
+          <p:cNvSpPr/>
+          <p:nvPr/>
+        </p:nvSpPr>
+        <p:spPr>
+          <a:xfrm>
+            <a:off x="1847854" y="4101582"/>
+            <a:ext cx="304800" cy="304800"/>
+          </a:xfrm>
+          <a:prstGeom prst="smileyFace">
+            <a:avLst/>
+          </a:prstGeom>
+          <a:ln>
+            <a:headEnd type="none" w="med" len="med"/>
+            <a:tailEnd type="none" w="med" len="med"/>
+          </a:ln>
+        </p:spPr>
+        <p:style>
+          <a:lnRef idx="1">
+            <a:schemeClr val="dk1"/>
+          </a:lnRef>
+          <a:fillRef idx="2">
+            <a:schemeClr val="dk1"/>
+          </a:fillRef>
+          <a:effectRef idx="1">
+            <a:schemeClr val="dk1"/>
+          </a:effectRef>
+          <a:fontRef idx="minor">
+            <a:schemeClr val="dk1"/>
+          </a:fontRef>
+        </p:style>
+        <p:txBody>
+          <a:bodyPr rtlCol="0" anchor="ctr"/>
+          <a:lstStyle/>
+          <a:p>
+            <a:pPr algn="ctr"/>
+            <a:endParaRPr lang="en-US"/>
+          </a:p>
+        </p:txBody>
+      </p:sp>
+      <p:sp>
+        <p:nvSpPr>
+          <p:cNvPr id="21" name="Smiley Face 20"/>
+          <p:cNvSpPr/>
+          <p:nvPr/>
+        </p:nvSpPr>
+        <p:spPr>
+          <a:xfrm>
+            <a:off x="5022203" y="4942114"/>
+            <a:ext cx="304800" cy="304800"/>
+          </a:xfrm>
+          <a:prstGeom prst="smileyFace">
+            <a:avLst/>
+          </a:prstGeom>
+          <a:ln>
+            <a:headEnd type="none" w="med" len="med"/>
+            <a:tailEnd type="none" w="med" len="med"/>
+          </a:ln>
+        </p:spPr>
+        <p:style>
+          <a:lnRef idx="1">
+            <a:schemeClr val="dk1"/>
+          </a:lnRef>
+          <a:fillRef idx="2">
+            <a:schemeClr val="dk1"/>
+          </a:fillRef>
+          <a:effectRef idx="1">
+            <a:schemeClr val="dk1"/>
+          </a:effectRef>
+          <a:fontRef idx="minor">
+            <a:schemeClr val="dk1"/>
+          </a:fontRef>
+        </p:style>
+        <p:txBody>
+          <a:bodyPr rtlCol="0" anchor="ctr"/>
+          <a:lstStyle/>
+          <a:p>
+            <a:pPr algn="ctr"/>
+            <a:endParaRPr lang="en-US"/>
+          </a:p>
+        </p:txBody>
+      </p:sp>
+      <p:sp>
+        <p:nvSpPr>
+          <p:cNvPr id="22" name="Smiley Face 21"/>
+          <p:cNvSpPr/>
+          <p:nvPr/>
+        </p:nvSpPr>
+        <p:spPr>
+          <a:xfrm>
+            <a:off x="2253343" y="4904791"/>
+            <a:ext cx="304800" cy="304800"/>
+          </a:xfrm>
+          <a:prstGeom prst="smileyFace">
+            <a:avLst/>
+          </a:prstGeom>
+          <a:ln>
+            <a:headEnd type="none" w="med" len="med"/>
+            <a:tailEnd type="none" w="med" len="med"/>
+          </a:ln>
+        </p:spPr>
+        <p:style>
+          <a:lnRef idx="1">
+            <a:schemeClr val="dk1"/>
+          </a:lnRef>
+          <a:fillRef idx="2">
+            <a:schemeClr val="dk1"/>
+          </a:fillRef>
+          <a:effectRef idx="1">
+            <a:schemeClr val="dk1"/>
+          </a:effectRef>
+          <a:fontRef idx="minor">
+            <a:schemeClr val="dk1"/>
+          </a:fontRef>
+        </p:style>
+        <p:txBody>
+          <a:bodyPr rtlCol="0" anchor="ctr"/>
+          <a:lstStyle/>
+          <a:p>
+            <a:pPr algn="ctr"/>
+            <a:endParaRPr lang="en-US"/>
+          </a:p>
+        </p:txBody>
+      </p:sp>
+      <p:sp>
+        <p:nvSpPr>
+          <p:cNvPr id="26" name="Smiley Face 25"/>
+          <p:cNvSpPr/>
+          <p:nvPr/>
+        </p:nvSpPr>
+        <p:spPr>
+          <a:xfrm>
+            <a:off x="2231571" y="6165980"/>
+            <a:ext cx="304800" cy="304800"/>
+          </a:xfrm>
+          <a:prstGeom prst="smileyFace">
+            <a:avLst/>
+          </a:prstGeom>
+          <a:ln>
+            <a:headEnd type="none" w="med" len="med"/>
+            <a:tailEnd type="none" w="med" len="med"/>
+          </a:ln>
+        </p:spPr>
+        <p:style>
+          <a:lnRef idx="1">
+            <a:schemeClr val="dk1"/>
+          </a:lnRef>
+          <a:fillRef idx="2">
+            <a:schemeClr val="dk1"/>
+          </a:fillRef>
+          <a:effectRef idx="1">
+            <a:schemeClr val="dk1"/>
+          </a:effectRef>
+          <a:fontRef idx="minor">
+            <a:schemeClr val="dk1"/>
+          </a:fontRef>
+        </p:style>
+        <p:txBody>
+          <a:bodyPr rtlCol="0" anchor="ctr"/>
+          <a:lstStyle/>
+          <a:p>
+            <a:pPr algn="ctr"/>
+            <a:endParaRPr lang="en-US"/>
+          </a:p>
+        </p:txBody>
+      </p:sp>
+      <p:sp>
+        <p:nvSpPr>
+          <p:cNvPr id="27" name="Smiley Face 26"/>
+          <p:cNvSpPr/>
+          <p:nvPr/>
+        </p:nvSpPr>
+        <p:spPr>
+          <a:xfrm>
+            <a:off x="4991100" y="6186196"/>
+            <a:ext cx="304800" cy="304800"/>
+          </a:xfrm>
+          <a:prstGeom prst="smileyFace">
+            <a:avLst/>
+          </a:prstGeom>
+          <a:ln>
+            <a:headEnd type="none" w="med" len="med"/>
+            <a:tailEnd type="none" w="med" len="med"/>
+          </a:ln>
+        </p:spPr>
+        <p:style>
+          <a:lnRef idx="1">
+            <a:schemeClr val="dk1"/>
+          </a:lnRef>
+          <a:fillRef idx="2">
+            <a:schemeClr val="dk1"/>
+          </a:fillRef>
+          <a:effectRef idx="1">
+            <a:schemeClr val="dk1"/>
+          </a:effectRef>
+          <a:fontRef idx="minor">
+            <a:schemeClr val="dk1"/>
+          </a:fontRef>
+        </p:style>
+        <p:txBody>
+          <a:bodyPr rtlCol="0" anchor="ctr"/>
+          <a:lstStyle/>
+          <a:p>
+            <a:pPr algn="ctr"/>
+            <a:endParaRPr lang="en-US"/>
+          </a:p>
+        </p:txBody>
+      </p:sp>
+      <p:sp>
+        <p:nvSpPr>
+          <p:cNvPr id="28" name="Smiley Face 27"/>
+          <p:cNvSpPr/>
+          <p:nvPr/>
+        </p:nvSpPr>
+        <p:spPr>
+          <a:xfrm>
+            <a:off x="7333862" y="4086807"/>
+            <a:ext cx="304800" cy="304800"/>
+          </a:xfrm>
+          <a:prstGeom prst="smileyFace">
+            <a:avLst/>
+          </a:prstGeom>
+          <a:ln>
+            <a:headEnd type="none" w="med" len="med"/>
+            <a:tailEnd type="none" w="med" len="med"/>
+          </a:ln>
+        </p:spPr>
+        <p:style>
+          <a:lnRef idx="1">
+            <a:schemeClr val="dk1"/>
+          </a:lnRef>
+          <a:fillRef idx="2">
+            <a:schemeClr val="dk1"/>
+          </a:fillRef>
+          <a:effectRef idx="1">
+            <a:schemeClr val="dk1"/>
+          </a:effectRef>
+          <a:fontRef idx="minor">
+            <a:schemeClr val="dk1"/>
+          </a:fontRef>
+        </p:style>
+        <p:txBody>
+          <a:bodyPr rtlCol="0" anchor="ctr"/>
+          <a:lstStyle/>
+          <a:p>
+            <a:pPr algn="ctr"/>
+            <a:endParaRPr lang="en-US"/>
+          </a:p>
+        </p:txBody>
+      </p:sp>
+      <p:sp>
+        <p:nvSpPr>
+          <p:cNvPr id="24" name="Rounded Rectangle 23"/>
+          <p:cNvSpPr/>
+          <p:nvPr/>
+        </p:nvSpPr>
+        <p:spPr>
+          <a:xfrm>
+            <a:off x="5550160" y="3124200"/>
+            <a:ext cx="623595" cy="3533191"/>
+          </a:xfrm>
+          <a:prstGeom prst="roundRect">
+            <a:avLst/>
+          </a:prstGeom>
+          <a:solidFill>
+            <a:schemeClr val="dk1">
+              <a:alpha val="50000"/>
+            </a:schemeClr>
+          </a:solidFill>
+          <a:ln>
+            <a:noFill/>
+          </a:ln>
+        </p:spPr>
+        <p:style>
+          <a:lnRef idx="0">
+            <a:scrgbClr r="0" g="0" b="0"/>
+          </a:lnRef>
+          <a:fillRef idx="0">
+            <a:scrgbClr r="0" g="0" b="0"/>
+          </a:fillRef>
+          <a:effectRef idx="0">
+            <a:scrgbClr r="0" g="0" b="0"/>
+          </a:effectRef>
+          <a:fontRef idx="minor">
+            <a:schemeClr val="lt1"/>
+          </a:fontRef>
+        </p:style>
+        <p:txBody>
+          <a:bodyPr rtlCol="0" anchor="ctr"/>
+          <a:lstStyle/>
+          <a:p>
+            <a:pPr algn="ctr"/>
+            <a:endParaRPr lang="en-US"/>
+          </a:p>
+        </p:txBody>
+      </p:sp>
+      <p:sp>
+        <p:nvSpPr>
+          <p:cNvPr id="20" name="Smiley Face 19"/>
+          <p:cNvSpPr/>
+          <p:nvPr/>
+        </p:nvSpPr>
+        <p:spPr>
+          <a:xfrm>
+            <a:off x="5709557" y="4637314"/>
+            <a:ext cx="304800" cy="304800"/>
+          </a:xfrm>
+          <a:prstGeom prst="smileyFace">
+            <a:avLst/>
+          </a:prstGeom>
+          <a:ln>
+            <a:headEnd type="none" w="med" len="med"/>
+            <a:tailEnd type="none" w="med" len="med"/>
+          </a:ln>
+        </p:spPr>
+        <p:style>
+          <a:lnRef idx="1">
+            <a:schemeClr val="dk1"/>
+          </a:lnRef>
+          <a:fillRef idx="2">
+            <a:schemeClr val="dk1"/>
+          </a:fillRef>
+          <a:effectRef idx="1">
+            <a:schemeClr val="dk1"/>
+          </a:effectRef>
+          <a:fontRef idx="minor">
+            <a:schemeClr val="dk1"/>
+          </a:fontRef>
+        </p:style>
+        <p:txBody>
+          <a:bodyPr rtlCol="0" anchor="ctr"/>
+          <a:lstStyle/>
+          <a:p>
+            <a:pPr algn="ctr"/>
+            <a:endParaRPr lang="en-US"/>
+          </a:p>
+        </p:txBody>
+      </p:sp>
+    </p:spTree>
+    <p:extLst>
+      <p:ext uri="{BB962C8B-B14F-4D97-AF65-F5344CB8AC3E}">
+        <p14:creationId xmlns:p14="http://schemas.microsoft.com/office/powerpoint/2010/main" val="1010629748"/>
+      </p:ext>
+    </p:extLst>
+  </p:cSld>
+  <p:clrMapOvr>
+    <a:masterClrMapping/>
+  </p:clrMapOvr>
+  <p:timing>
+    <p:tnLst>
+      <p:par>
+        <p:cTn id="1" dur="indefinite" restart="never" nodeType="tmRoot"/>
+      </p:par>
+    </p:tnLst>
+  </p:timing>
+</p:sld>
+</file>
+
+<file path=ppt/slides/slide8.xml><?xml version="1.0" encoding="utf-8"?>
+<p:sld xmlns:a="http://schemas.openxmlformats.org/drawingml/2006/main" xmlns:r="http://schemas.openxmlformats.org/officeDocument/2006/relationships" xmlns:p="http://schemas.openxmlformats.org/presentationml/2006/main">
+  <p:cSld>
+    <p:spTree>
+      <p:nvGrpSpPr>
+        <p:cNvPr id="1" name=""/>
+        <p:cNvGrpSpPr/>
+        <p:nvPr/>
+      </p:nvGrpSpPr>
+      <p:grpSpPr>
+        <a:xfrm>
+          <a:off x="0" y="0"/>
+          <a:ext cx="0" cy="0"/>
+          <a:chOff x="0" y="0"/>
+          <a:chExt cx="0" cy="0"/>
+        </a:xfrm>
+      </p:grpSpPr>
+      <p:sp>
+        <p:nvSpPr>
+          <p:cNvPr id="7" name="Rectangle 6"/>
+          <p:cNvSpPr/>
+          <p:nvPr/>
+        </p:nvSpPr>
+        <p:spPr>
+          <a:xfrm>
+            <a:off x="764059" y="857765"/>
+            <a:ext cx="2512541" cy="990600"/>
+          </a:xfrm>
+          <a:prstGeom prst="rect">
+            <a:avLst/>
+          </a:prstGeom>
+          <a:noFill/>
+          <a:ln w="9525" cap="flat" cmpd="sng" algn="ctr">
+            <a:solidFill>
+              <a:schemeClr val="dk1"/>
+            </a:solidFill>
+            <a:prstDash val="solid"/>
+            <a:round/>
+            <a:headEnd type="none" w="med" len="med"/>
+            <a:tailEnd type="none" w="med" len="med"/>
+          </a:ln>
+        </p:spPr>
+        <p:style>
+          <a:lnRef idx="0">
+            <a:scrgbClr r="0" g="0" b="0"/>
+          </a:lnRef>
+          <a:fillRef idx="0">
+            <a:scrgbClr r="0" g="0" b="0"/>
+          </a:fillRef>
+          <a:effectRef idx="0">
+            <a:scrgbClr r="0" g="0" b="0"/>
+          </a:effectRef>
+          <a:fontRef idx="minor">
+            <a:schemeClr val="dk1"/>
+          </a:fontRef>
+        </p:style>
+        <p:txBody>
+          <a:bodyPr rtlCol="0" anchor="t"/>
+          <a:lstStyle/>
+          <a:p>
+            <a:pPr algn="ctr"/>
+            <a:r>
+              <a:rPr lang="en-US" dirty="0" smtClean="0"/>
+              <a:t>Fund Center</a:t>
+            </a:r>
+            <a:endParaRPr lang="en-US" dirty="0"/>
+          </a:p>
+        </p:txBody>
+      </p:sp>
+      <p:sp>
+        <p:nvSpPr>
+          <p:cNvPr id="10" name="Smiley Face 9"/>
+          <p:cNvSpPr/>
+          <p:nvPr/>
+        </p:nvSpPr>
+        <p:spPr>
+          <a:xfrm>
+            <a:off x="3124200" y="705365"/>
+            <a:ext cx="304800" cy="304800"/>
+          </a:xfrm>
+          <a:prstGeom prst="smileyFace">
+            <a:avLst/>
+          </a:prstGeom>
+          <a:ln>
+            <a:headEnd type="none" w="med" len="med"/>
+            <a:tailEnd type="none" w="med" len="med"/>
+          </a:ln>
+        </p:spPr>
+        <p:style>
+          <a:lnRef idx="1">
+            <a:schemeClr val="dk1"/>
+          </a:lnRef>
+          <a:fillRef idx="2">
+            <a:schemeClr val="dk1"/>
+          </a:fillRef>
+          <a:effectRef idx="1">
+            <a:schemeClr val="dk1"/>
+          </a:effectRef>
+          <a:fontRef idx="minor">
+            <a:schemeClr val="dk1"/>
+          </a:fontRef>
+        </p:style>
+        <p:txBody>
+          <a:bodyPr rtlCol="0" anchor="ctr"/>
+          <a:lstStyle/>
+          <a:p>
+            <a:pPr algn="ctr"/>
+            <a:endParaRPr lang="en-US"/>
+          </a:p>
+        </p:txBody>
+      </p:sp>
+    </p:spTree>
+    <p:extLst>
+      <p:ext uri="{BB962C8B-B14F-4D97-AF65-F5344CB8AC3E}">
+        <p14:creationId xmlns:p14="http://schemas.microsoft.com/office/powerpoint/2010/main" val="2212422907"/>
+      </p:ext>
+    </p:extLst>
+  </p:cSld>
+  <p:clrMapOvr>
+    <a:masterClrMapping/>
+  </p:clrMapOvr>
+  <p:timing>
+    <p:tnLst>
+      <p:par>
+        <p:cTn id="1" dur="indefinite" restart="never" nodeType="tmRoot"/>
+      </p:par>
+    </p:tnLst>
+  </p:timing>
+</p:sld>
+</file>
+
+<file path=ppt/slides/slide9.xml><?xml version="1.0" encoding="utf-8"?>
+<p:sld xmlns:a="http://schemas.openxmlformats.org/drawingml/2006/main" xmlns:r="http://schemas.openxmlformats.org/officeDocument/2006/relationships" xmlns:p="http://schemas.openxmlformats.org/presentationml/2006/main">
+  <p:cSld>
+    <p:spTree>
+      <p:nvGrpSpPr>
+        <p:cNvPr id="1" name=""/>
+        <p:cNvGrpSpPr/>
+        <p:nvPr/>
+      </p:nvGrpSpPr>
+      <p:grpSpPr>
+        <a:xfrm>
+          <a:off x="0" y="0"/>
+          <a:ext cx="0" cy="0"/>
+          <a:chOff x="0" y="0"/>
+          <a:chExt cx="0" cy="0"/>
+        </a:xfrm>
+      </p:grpSpPr>
+      <p:sp>
+        <p:nvSpPr>
+          <p:cNvPr id="4" name="Rounded Rectangle 3"/>
+          <p:cNvSpPr/>
+          <p:nvPr/>
+        </p:nvSpPr>
+        <p:spPr>
+          <a:xfrm>
+            <a:off x="609600" y="2133600"/>
+            <a:ext cx="1905000" cy="2667000"/>
+          </a:xfrm>
+          <a:prstGeom prst="roundRect">
+            <a:avLst/>
+          </a:prstGeom>
+        </p:spPr>
+        <p:style>
+          <a:lnRef idx="2">
+            <a:schemeClr val="accent1">
+              <a:shade val="50000"/>
+            </a:schemeClr>
+          </a:lnRef>
+          <a:fillRef idx="1">
+            <a:schemeClr val="accent1"/>
+          </a:fillRef>
+          <a:effectRef idx="0">
+            <a:schemeClr val="accent1"/>
+          </a:effectRef>
+          <a:fontRef idx="minor">
+            <a:schemeClr val="lt1"/>
+          </a:fontRef>
+        </p:style>
+        <p:txBody>
+          <a:bodyPr rtlCol="0" anchor="t"/>
+          <a:lstStyle/>
+          <a:p>
+            <a:r>
+              <a:rPr lang="en-US" b="1" dirty="0" smtClean="0"/>
+              <a:t>* Blue</a:t>
+            </a:r>
+          </a:p>
+          <a:p>
+            <a:endParaRPr lang="en-US" dirty="0"/>
+          </a:p>
+          <a:p>
+            <a:r>
+              <a:rPr lang="en-US" dirty="0" smtClean="0"/>
+              <a:t>- Funds</a:t>
+            </a:r>
+          </a:p>
+          <a:p>
+            <a:r>
+              <a:rPr lang="en-US" dirty="0" smtClean="0"/>
+              <a:t>- Indexes</a:t>
+            </a:r>
+            <a:endParaRPr lang="en-US" dirty="0"/>
+          </a:p>
+        </p:txBody>
+      </p:sp>
+      <p:sp>
+        <p:nvSpPr>
+          <p:cNvPr id="5" name="Rounded Rectangle 4"/>
+          <p:cNvSpPr/>
+          <p:nvPr/>
+        </p:nvSpPr>
+        <p:spPr>
+          <a:xfrm>
+            <a:off x="2677297" y="2179938"/>
+            <a:ext cx="1905000" cy="2667000"/>
+          </a:xfrm>
+          <a:prstGeom prst="roundRect">
+            <a:avLst/>
+          </a:prstGeom>
+        </p:spPr>
+        <p:style>
+          <a:lnRef idx="2">
+            <a:schemeClr val="accent2">
+              <a:shade val="50000"/>
+            </a:schemeClr>
+          </a:lnRef>
+          <a:fillRef idx="1">
+            <a:schemeClr val="accent2"/>
+          </a:fillRef>
+          <a:effectRef idx="0">
+            <a:schemeClr val="accent2"/>
+          </a:effectRef>
+          <a:fontRef idx="minor">
+            <a:schemeClr val="lt1"/>
+          </a:fontRef>
+        </p:style>
+        <p:txBody>
+          <a:bodyPr rtlCol="0" anchor="t"/>
+          <a:lstStyle/>
+          <a:p>
+            <a:r>
+              <a:rPr lang="en-US" b="1" dirty="0" smtClean="0"/>
+              <a:t>* Red</a:t>
+            </a:r>
+          </a:p>
+          <a:p>
+            <a:endParaRPr lang="en-US" dirty="0"/>
+          </a:p>
+          <a:p>
+            <a:r>
+              <a:rPr lang="en-US" dirty="0" smtClean="0"/>
+              <a:t>- Equity Char</a:t>
+            </a:r>
+            <a:endParaRPr lang="en-US" dirty="0"/>
+          </a:p>
+        </p:txBody>
+      </p:sp>
+      <p:sp>
+        <p:nvSpPr>
+          <p:cNvPr id="6" name="Rounded Rectangle 5"/>
+          <p:cNvSpPr/>
+          <p:nvPr/>
+        </p:nvSpPr>
+        <p:spPr>
+          <a:xfrm>
+            <a:off x="4761470" y="2209800"/>
+            <a:ext cx="1905000" cy="2667000"/>
+          </a:xfrm>
+          <a:prstGeom prst="roundRect">
+            <a:avLst/>
+          </a:prstGeom>
+        </p:spPr>
+        <p:style>
+          <a:lnRef idx="2">
+            <a:schemeClr val="accent3">
+              <a:shade val="50000"/>
+            </a:schemeClr>
+          </a:lnRef>
+          <a:fillRef idx="1">
+            <a:schemeClr val="accent3"/>
+          </a:fillRef>
+          <a:effectRef idx="0">
+            <a:schemeClr val="accent3"/>
+          </a:effectRef>
+          <a:fontRef idx="minor">
+            <a:schemeClr val="lt1"/>
+          </a:fontRef>
+        </p:style>
+        <p:txBody>
+          <a:bodyPr rtlCol="0" anchor="t"/>
+          <a:lstStyle/>
+          <a:p>
+            <a:r>
+              <a:rPr lang="en-US" b="1" dirty="0" smtClean="0"/>
+              <a:t>* Green</a:t>
+            </a:r>
+          </a:p>
+          <a:p>
+            <a:endParaRPr lang="en-US" dirty="0"/>
+          </a:p>
+          <a:p>
+            <a:r>
+              <a:rPr lang="en-US" dirty="0" smtClean="0"/>
+              <a:t>- Returns</a:t>
+            </a:r>
+            <a:endParaRPr lang="en-US" dirty="0"/>
+          </a:p>
+        </p:txBody>
+      </p:sp>
+      <p:sp>
+        <p:nvSpPr>
+          <p:cNvPr id="7" name="Rounded Rectangle 6"/>
+          <p:cNvSpPr/>
+          <p:nvPr/>
+        </p:nvSpPr>
+        <p:spPr>
+          <a:xfrm>
+            <a:off x="6858000" y="2193324"/>
+            <a:ext cx="1905000" cy="2667000"/>
+          </a:xfrm>
+          <a:prstGeom prst="roundRect">
+            <a:avLst/>
+          </a:prstGeom>
+        </p:spPr>
+        <p:style>
+          <a:lnRef idx="2">
+            <a:schemeClr val="accent4">
+              <a:shade val="50000"/>
+            </a:schemeClr>
+          </a:lnRef>
+          <a:fillRef idx="1">
+            <a:schemeClr val="accent4"/>
+          </a:fillRef>
+          <a:effectRef idx="0">
+            <a:schemeClr val="accent4"/>
+          </a:effectRef>
+          <a:fontRef idx="minor">
+            <a:schemeClr val="lt1"/>
+          </a:fontRef>
+        </p:style>
+        <p:txBody>
+          <a:bodyPr rtlCol="0" anchor="t"/>
+          <a:lstStyle/>
+          <a:p>
+            <a:r>
+              <a:rPr lang="en-US" b="1" dirty="0" smtClean="0"/>
+              <a:t>* Purple</a:t>
+            </a:r>
+          </a:p>
+          <a:p>
+            <a:endParaRPr lang="en-US" dirty="0"/>
+          </a:p>
+          <a:p>
+            <a:r>
+              <a:rPr lang="en-US" dirty="0" smtClean="0"/>
+              <a:t>- NAVs</a:t>
+            </a:r>
+          </a:p>
+          <a:p>
+            <a:r>
+              <a:rPr lang="en-US" dirty="0" smtClean="0"/>
+              <a:t>- Assets</a:t>
+            </a:r>
+          </a:p>
+        </p:txBody>
+      </p:sp>
+      <p:sp>
+        <p:nvSpPr>
+          <p:cNvPr id="3" name="Smiley Face 2"/>
+          <p:cNvSpPr/>
+          <p:nvPr/>
+        </p:nvSpPr>
+        <p:spPr>
+          <a:xfrm>
+            <a:off x="1810853" y="4267200"/>
+            <a:ext cx="304800" cy="304800"/>
+          </a:xfrm>
+          <a:prstGeom prst="smileyFace">
+            <a:avLst/>
+          </a:prstGeom>
+          <a:ln>
+            <a:headEnd type="none" w="med" len="med"/>
+            <a:tailEnd type="none" w="med" len="med"/>
+          </a:ln>
+        </p:spPr>
+        <p:style>
+          <a:lnRef idx="1">
+            <a:schemeClr val="dk1"/>
+          </a:lnRef>
+          <a:fillRef idx="2">
+            <a:schemeClr val="dk1"/>
+          </a:fillRef>
+          <a:effectRef idx="1">
+            <a:schemeClr val="dk1"/>
+          </a:effectRef>
+          <a:fontRef idx="minor">
+            <a:schemeClr val="dk1"/>
+          </a:fontRef>
+        </p:style>
+        <p:txBody>
+          <a:bodyPr rtlCol="0" anchor="ctr"/>
+          <a:lstStyle/>
+          <a:p>
+            <a:pPr algn="ctr"/>
+            <a:endParaRPr lang="en-US"/>
+          </a:p>
+        </p:txBody>
+      </p:sp>
+      <p:sp>
+        <p:nvSpPr>
+          <p:cNvPr id="24" name="Smiley Face 23"/>
+          <p:cNvSpPr/>
+          <p:nvPr/>
+        </p:nvSpPr>
+        <p:spPr>
+          <a:xfrm>
+            <a:off x="4052217" y="4273420"/>
+            <a:ext cx="304800" cy="304800"/>
+          </a:xfrm>
+          <a:prstGeom prst="smileyFace">
+            <a:avLst/>
+          </a:prstGeom>
+          <a:ln>
+            <a:headEnd type="none" w="med" len="med"/>
+            <a:tailEnd type="none" w="med" len="med"/>
+          </a:ln>
+        </p:spPr>
+        <p:style>
+          <a:lnRef idx="1">
+            <a:schemeClr val="dk1"/>
+          </a:lnRef>
+          <a:fillRef idx="2">
+            <a:schemeClr val="dk1"/>
+          </a:fillRef>
+          <a:effectRef idx="1">
+            <a:schemeClr val="dk1"/>
+          </a:effectRef>
+          <a:fontRef idx="minor">
+            <a:schemeClr val="dk1"/>
+          </a:fontRef>
+        </p:style>
+        <p:txBody>
+          <a:bodyPr rtlCol="0" anchor="ctr"/>
+          <a:lstStyle/>
+          <a:p>
+            <a:pPr algn="ctr"/>
+            <a:endParaRPr lang="en-US"/>
+          </a:p>
+        </p:txBody>
+      </p:sp>
+      <p:sp>
+        <p:nvSpPr>
+          <p:cNvPr id="25" name="Smiley Face 24"/>
+          <p:cNvSpPr/>
+          <p:nvPr/>
+        </p:nvSpPr>
+        <p:spPr>
+          <a:xfrm>
+            <a:off x="6096000" y="4273420"/>
+            <a:ext cx="304800" cy="304800"/>
+          </a:xfrm>
+          <a:prstGeom prst="smileyFace">
+            <a:avLst/>
+          </a:prstGeom>
+          <a:ln>
+            <a:headEnd type="none" w="med" len="med"/>
+            <a:tailEnd type="none" w="med" len="med"/>
+          </a:ln>
+        </p:spPr>
+        <p:style>
+          <a:lnRef idx="1">
+            <a:schemeClr val="dk1"/>
+          </a:lnRef>
+          <a:fillRef idx="2">
+            <a:schemeClr val="dk1"/>
+          </a:fillRef>
+          <a:effectRef idx="1">
+            <a:schemeClr val="dk1"/>
+          </a:effectRef>
+          <a:fontRef idx="minor">
+            <a:schemeClr val="dk1"/>
+          </a:fontRef>
+        </p:style>
+        <p:txBody>
+          <a:bodyPr rtlCol="0" anchor="ctr"/>
+          <a:lstStyle/>
+          <a:p>
+            <a:pPr algn="ctr"/>
+            <a:endParaRPr lang="en-US"/>
+          </a:p>
+        </p:txBody>
+      </p:sp>
+      <p:sp>
+        <p:nvSpPr>
+          <p:cNvPr id="26" name="Smiley Face 25"/>
+          <p:cNvSpPr/>
+          <p:nvPr/>
+        </p:nvSpPr>
+        <p:spPr>
+          <a:xfrm>
+            <a:off x="8346821" y="4267200"/>
+            <a:ext cx="304800" cy="304800"/>
+          </a:xfrm>
+          <a:prstGeom prst="smileyFace">
+            <a:avLst/>
+          </a:prstGeom>
+          <a:ln>
+            <a:headEnd type="none" w="med" len="med"/>
+            <a:tailEnd type="none" w="med" len="med"/>
+          </a:ln>
+        </p:spPr>
+        <p:style>
+          <a:lnRef idx="1">
+            <a:schemeClr val="dk1"/>
+          </a:lnRef>
+          <a:fillRef idx="2">
+            <a:schemeClr val="dk1"/>
+          </a:fillRef>
+          <a:effectRef idx="1">
+            <a:schemeClr val="dk1"/>
+          </a:effectRef>
+          <a:fontRef idx="minor">
+            <a:schemeClr val="dk1"/>
+          </a:fontRef>
+        </p:style>
+        <p:txBody>
+          <a:bodyPr rtlCol="0" anchor="ctr"/>
+          <a:lstStyle/>
+          <a:p>
+            <a:pPr algn="ctr"/>
+            <a:endParaRPr lang="en-US"/>
+          </a:p>
+        </p:txBody>
+      </p:sp>
+      <p:sp>
+        <p:nvSpPr>
+          <p:cNvPr id="27" name="Smiley Face 26"/>
+          <p:cNvSpPr/>
+          <p:nvPr/>
+        </p:nvSpPr>
+        <p:spPr>
+          <a:xfrm>
+            <a:off x="7946256" y="4267200"/>
+            <a:ext cx="304800" cy="304800"/>
+          </a:xfrm>
+          <a:prstGeom prst="smileyFace">
+            <a:avLst/>
+          </a:prstGeom>
+          <a:ln>
+            <a:headEnd type="none" w="med" len="med"/>
+            <a:tailEnd type="none" w="med" len="med"/>
+          </a:ln>
+        </p:spPr>
+        <p:style>
+          <a:lnRef idx="1">
+            <a:schemeClr val="dk1"/>
+          </a:lnRef>
+          <a:fillRef idx="2">
+            <a:schemeClr val="dk1"/>
+          </a:fillRef>
+          <a:effectRef idx="1">
+            <a:schemeClr val="dk1"/>
+          </a:effectRef>
+          <a:fontRef idx="minor">
+            <a:schemeClr val="dk1"/>
+          </a:fontRef>
+        </p:style>
+        <p:txBody>
+          <a:bodyPr rtlCol="0" anchor="ctr"/>
+          <a:lstStyle/>
+          <a:p>
+            <a:pPr algn="ctr"/>
+            <a:endParaRPr lang="en-US"/>
+          </a:p>
+        </p:txBody>
+      </p:sp>
+      <p:sp>
+        <p:nvSpPr>
+          <p:cNvPr id="28" name="Smiley Face 27"/>
+          <p:cNvSpPr/>
+          <p:nvPr/>
+        </p:nvSpPr>
+        <p:spPr>
+          <a:xfrm>
+            <a:off x="1401861" y="4267200"/>
+            <a:ext cx="304800" cy="304800"/>
+          </a:xfrm>
+          <a:prstGeom prst="smileyFace">
+            <a:avLst/>
+          </a:prstGeom>
+          <a:ln>
+            <a:headEnd type="none" w="med" len="med"/>
+            <a:tailEnd type="none" w="med" len="med"/>
+          </a:ln>
+        </p:spPr>
+        <p:style>
+          <a:lnRef idx="1">
+            <a:schemeClr val="dk1"/>
+          </a:lnRef>
+          <a:fillRef idx="2">
+            <a:schemeClr val="dk1"/>
+          </a:fillRef>
+          <a:effectRef idx="1">
+            <a:schemeClr val="dk1"/>
+          </a:effectRef>
+          <a:fontRef idx="minor">
+            <a:schemeClr val="dk1"/>
+          </a:fontRef>
+        </p:style>
+        <p:txBody>
+          <a:bodyPr rtlCol="0" anchor="ctr"/>
+          <a:lstStyle/>
+          <a:p>
+            <a:pPr algn="ctr"/>
+            <a:endParaRPr lang="en-US"/>
+          </a:p>
+        </p:txBody>
+      </p:sp>
+      <p:sp>
+        <p:nvSpPr>
+          <p:cNvPr id="29" name="Smiley Face 28"/>
+          <p:cNvSpPr/>
+          <p:nvPr/>
+        </p:nvSpPr>
+        <p:spPr>
+          <a:xfrm>
+            <a:off x="3584720" y="4267200"/>
+            <a:ext cx="304800" cy="304800"/>
+          </a:xfrm>
+          <a:prstGeom prst="smileyFace">
+            <a:avLst/>
+          </a:prstGeom>
+          <a:ln>
+            <a:headEnd type="none" w="med" len="med"/>
+            <a:tailEnd type="none" w="med" len="med"/>
+          </a:ln>
+        </p:spPr>
+        <p:style>
+          <a:lnRef idx="1">
+            <a:schemeClr val="dk1"/>
+          </a:lnRef>
+          <a:fillRef idx="2">
+            <a:schemeClr val="dk1"/>
+          </a:fillRef>
+          <a:effectRef idx="1">
+            <a:schemeClr val="dk1"/>
+          </a:effectRef>
+          <a:fontRef idx="minor">
+            <a:schemeClr val="dk1"/>
+          </a:fontRef>
+        </p:style>
+        <p:txBody>
+          <a:bodyPr rtlCol="0" anchor="ctr"/>
+          <a:lstStyle/>
+          <a:p>
+            <a:pPr algn="ctr"/>
+            <a:endParaRPr lang="en-US"/>
+          </a:p>
+        </p:txBody>
+      </p:sp>
+      <p:sp>
+        <p:nvSpPr>
+          <p:cNvPr id="30" name="Smiley Face 29"/>
+          <p:cNvSpPr/>
+          <p:nvPr/>
+        </p:nvSpPr>
+        <p:spPr>
+          <a:xfrm>
+            <a:off x="5615011" y="4267200"/>
+            <a:ext cx="304800" cy="304800"/>
+          </a:xfrm>
+          <a:prstGeom prst="smileyFace">
+            <a:avLst/>
+          </a:prstGeom>
+          <a:ln>
+            <a:headEnd type="none" w="med" len="med"/>
+            <a:tailEnd type="none" w="med" len="med"/>
+          </a:ln>
+        </p:spPr>
+        <p:style>
+          <a:lnRef idx="1">
+            <a:schemeClr val="dk1"/>
+          </a:lnRef>
+          <a:fillRef idx="2">
+            <a:schemeClr val="dk1"/>
+          </a:fillRef>
+          <a:effectRef idx="1">
+            <a:schemeClr val="dk1"/>
+          </a:effectRef>
+          <a:fontRef idx="minor">
+            <a:schemeClr val="dk1"/>
+          </a:fontRef>
+        </p:style>
+        <p:txBody>
+          <a:bodyPr rtlCol="0" anchor="ctr"/>
+          <a:lstStyle/>
+          <a:p>
+            <a:pPr algn="ctr"/>
+            <a:endParaRPr lang="en-US"/>
+          </a:p>
+        </p:txBody>
+      </p:sp>
+      <p:sp>
+        <p:nvSpPr>
+          <p:cNvPr id="31" name="Smiley Face 30"/>
+          <p:cNvSpPr/>
+          <p:nvPr/>
+        </p:nvSpPr>
+        <p:spPr>
+          <a:xfrm>
+            <a:off x="7502337" y="4267200"/>
+            <a:ext cx="304800" cy="304800"/>
+          </a:xfrm>
+          <a:prstGeom prst="smileyFace">
+            <a:avLst/>
+          </a:prstGeom>
+          <a:ln>
+            <a:headEnd type="none" w="med" len="med"/>
+            <a:tailEnd type="none" w="med" len="med"/>
+          </a:ln>
+        </p:spPr>
+        <p:style>
+          <a:lnRef idx="1">
+            <a:schemeClr val="dk1"/>
+          </a:lnRef>
+          <a:fillRef idx="2">
+            <a:schemeClr val="dk1"/>
+          </a:fillRef>
+          <a:effectRef idx="1">
+            <a:schemeClr val="dk1"/>
+          </a:effectRef>
+          <a:fontRef idx="minor">
+            <a:schemeClr val="dk1"/>
+          </a:fontRef>
+        </p:style>
+        <p:txBody>
+          <a:bodyPr rtlCol="0" anchor="ctr"/>
+          <a:lstStyle/>
+          <a:p>
+            <a:pPr algn="ctr"/>
+            <a:endParaRPr lang="en-US"/>
+          </a:p>
+        </p:txBody>
+      </p:sp>
+      <p:sp>
+        <p:nvSpPr>
+          <p:cNvPr id="32" name="Smiley Face 31"/>
+          <p:cNvSpPr/>
+          <p:nvPr/>
+        </p:nvSpPr>
+        <p:spPr>
+          <a:xfrm>
+            <a:off x="7064007" y="4267200"/>
+            <a:ext cx="304800" cy="304800"/>
+          </a:xfrm>
+          <a:prstGeom prst="smileyFace">
+            <a:avLst/>
+          </a:prstGeom>
+          <a:ln>
+            <a:headEnd type="none" w="med" len="med"/>
+            <a:tailEnd type="none" w="med" len="med"/>
+          </a:ln>
+        </p:spPr>
+        <p:style>
+          <a:lnRef idx="1">
+            <a:schemeClr val="dk1"/>
+          </a:lnRef>
+          <a:fillRef idx="2">
+            <a:schemeClr val="dk1"/>
+          </a:fillRef>
+          <a:effectRef idx="1">
+            <a:schemeClr val="dk1"/>
+          </a:effectRef>
+          <a:fontRef idx="minor">
+            <a:schemeClr val="dk1"/>
+          </a:fontRef>
+        </p:style>
+        <p:txBody>
+          <a:bodyPr rtlCol="0" anchor="ctr"/>
+          <a:lstStyle/>
+          <a:p>
+            <a:pPr algn="ctr"/>
+            <a:endParaRPr lang="en-US"/>
+          </a:p>
+        </p:txBody>
+      </p:sp>
+      <p:sp>
+        <p:nvSpPr>
+          <p:cNvPr id="21" name="Rectangle 20"/>
+          <p:cNvSpPr/>
+          <p:nvPr/>
+        </p:nvSpPr>
+        <p:spPr>
+          <a:xfrm>
+            <a:off x="764059" y="857765"/>
+            <a:ext cx="2512541" cy="990600"/>
+          </a:xfrm>
+          <a:prstGeom prst="rect">
+            <a:avLst/>
+          </a:prstGeom>
+          <a:noFill/>
+          <a:ln w="9525" cap="flat" cmpd="sng" algn="ctr">
+            <a:solidFill>
+              <a:schemeClr val="dk1"/>
+            </a:solidFill>
+            <a:prstDash val="solid"/>
+            <a:round/>
+            <a:headEnd type="none" w="med" len="med"/>
+            <a:tailEnd type="none" w="med" len="med"/>
+          </a:ln>
+        </p:spPr>
+        <p:style>
+          <a:lnRef idx="0">
+            <a:scrgbClr r="0" g="0" b="0"/>
+          </a:lnRef>
+          <a:fillRef idx="0">
+            <a:scrgbClr r="0" g="0" b="0"/>
+          </a:fillRef>
+          <a:effectRef idx="0">
+            <a:scrgbClr r="0" g="0" b="0"/>
+          </a:effectRef>
+          <a:fontRef idx="minor">
+            <a:schemeClr val="dk1"/>
+          </a:fontRef>
+        </p:style>
+        <p:txBody>
+          <a:bodyPr rtlCol="0" anchor="t"/>
+          <a:lstStyle/>
+          <a:p>
+            <a:pPr algn="ctr"/>
+            <a:r>
+              <a:rPr lang="en-US" dirty="0" smtClean="0"/>
+              <a:t>Fund Center</a:t>
+            </a:r>
+            <a:endParaRPr lang="en-US" dirty="0"/>
+          </a:p>
+        </p:txBody>
+      </p:sp>
+      <p:sp>
+        <p:nvSpPr>
+          <p:cNvPr id="23" name="Smiley Face 22"/>
+          <p:cNvSpPr/>
+          <p:nvPr/>
+        </p:nvSpPr>
+        <p:spPr>
+          <a:xfrm>
+            <a:off x="3124200" y="705365"/>
+            <a:ext cx="304800" cy="304800"/>
+          </a:xfrm>
+          <a:prstGeom prst="smileyFace">
+            <a:avLst/>
+          </a:prstGeom>
+          <a:ln>
+            <a:headEnd type="none" w="med" len="med"/>
+            <a:tailEnd type="none" w="med" len="med"/>
+          </a:ln>
+        </p:spPr>
+        <p:style>
+          <a:lnRef idx="1">
+            <a:schemeClr val="dk1"/>
+          </a:lnRef>
+          <a:fillRef idx="2">
+            <a:schemeClr val="dk1"/>
+          </a:fillRef>
+          <a:effectRef idx="1">
+            <a:schemeClr val="dk1"/>
+          </a:effectRef>
+          <a:fontRef idx="minor">
+            <a:schemeClr val="dk1"/>
+          </a:fontRef>
+        </p:style>
+        <p:txBody>
+          <a:bodyPr rtlCol="0" anchor="ctr"/>
+          <a:lstStyle/>
+          <a:p>
+            <a:pPr algn="ctr"/>
+            <a:endParaRPr lang="en-US"/>
+          </a:p>
+        </p:txBody>
+      </p:sp>
+    </p:spTree>
+    <p:extLst>
+      <p:ext uri="{BB962C8B-B14F-4D97-AF65-F5344CB8AC3E}">
+        <p14:creationId xmlns:p14="http://schemas.microsoft.com/office/powerpoint/2010/main" val="998470792"/>
+      </p:ext>
+    </p:extLst>
+  </p:cSld>
+  <p:clrMapOvr>
+    <a:masterClrMapping/>
+  </p:clrMapOvr>
+  <p:timing>
+    <p:tnLst>
+      <p:par>
+        <p:cTn id="1" dur="indefinite" restart="never" nodeType="tmRoot"/>
+      </p:par>
+    </p:tnLst>
+  </p:timing>
 </p:sld>
 </file>
 
